--- a/doc/test/TimerLab/TimerLab.pptx
+++ b/doc/test/TimerLab/TimerLab.pptx
@@ -7,7 +7,7 @@
     <p:sldMasterId id="2147483672" r:id="rId3"/>
   </p:sldMasterIdLst>
   <p:notesMasterIdLst>
-    <p:notesMasterId r:id="rId17"/>
+    <p:notesMasterId r:id="rId20"/>
   </p:notesMasterIdLst>
   <p:sldIdLst>
     <p:sldId id="287" r:id="rId4"/>
@@ -23,6 +23,9 @@
     <p:sldId id="325" r:id="rId14"/>
     <p:sldId id="326" r:id="rId15"/>
     <p:sldId id="327" r:id="rId16"/>
+    <p:sldId id="328" r:id="rId17"/>
+    <p:sldId id="329" r:id="rId18"/>
+    <p:sldId id="330" r:id="rId19"/>
   </p:sldIdLst>
   <p:sldSz cx="9144000" cy="6858000" type="screen4x3"/>
   <p:notesSz cx="6858000" cy="9144000"/>
@@ -143,6 +146,9 @@
             <p14:sldId id="325"/>
             <p14:sldId id="326"/>
             <p14:sldId id="327"/>
+            <p14:sldId id="328"/>
+            <p14:sldId id="329"/>
+            <p14:sldId id="330"/>
           </p14:sldIdLst>
         </p14:section>
       </p14:sectionLst>
@@ -247,7 +253,7 @@
           <a:p>
             <a:fld id="{26004F41-C1A1-4B0D-9EEE-5E3F0E5BC108}" type="datetimeFigureOut">
               <a:rPr lang="en-SG" smtClean="0"/>
-              <a:t>18/5/2017</a:t>
+              <a:t>21/12/2018</a:t>
             </a:fld>
             <a:endParaRPr lang="en-SG"/>
           </a:p>
@@ -311,35 +317,35 @@
           <a:p>
             <a:pPr lvl="0"/>
             <a:r>
-              <a:rPr lang="zh-CN" altLang="en-US" smtClean="0"/>
+              <a:rPr lang="zh-CN" altLang="en-US"/>
               <a:t>单击此处编辑母版文本样式</a:t>
             </a:r>
           </a:p>
           <a:p>
             <a:pPr lvl="1"/>
             <a:r>
-              <a:rPr lang="zh-CN" altLang="en-US" smtClean="0"/>
+              <a:rPr lang="zh-CN" altLang="en-US"/>
               <a:t>第二级</a:t>
             </a:r>
           </a:p>
           <a:p>
             <a:pPr lvl="2"/>
             <a:r>
-              <a:rPr lang="zh-CN" altLang="en-US" smtClean="0"/>
+              <a:rPr lang="zh-CN" altLang="en-US"/>
               <a:t>第三级</a:t>
             </a:r>
           </a:p>
           <a:p>
             <a:pPr lvl="3"/>
             <a:r>
-              <a:rPr lang="zh-CN" altLang="en-US" smtClean="0"/>
+              <a:rPr lang="zh-CN" altLang="en-US"/>
               <a:t>第四级</a:t>
             </a:r>
           </a:p>
           <a:p>
             <a:pPr lvl="4"/>
             <a:r>
-              <a:rPr lang="zh-CN" altLang="en-US" smtClean="0"/>
+              <a:rPr lang="zh-CN" altLang="en-US"/>
               <a:t>第五级</a:t>
             </a:r>
             <a:endParaRPr lang="en-SG"/>
@@ -560,7 +566,7 @@
           <a:lstStyle/>
           <a:p>
             <a:r>
-              <a:rPr lang="en-US" altLang="zh-CN" sz="1200" b="0" dirty="0" smtClean="0">
+              <a:rPr lang="en-US" altLang="zh-CN" sz="1200" b="0" dirty="0">
                 <a:solidFill>
                   <a:srgbClr val="00B050"/>
                 </a:solidFill>
@@ -568,7 +574,7 @@
               <a:t>Original</a:t>
             </a:r>
             <a:r>
-              <a:rPr lang="en-US" altLang="zh-CN" sz="1200" b="0" baseline="0" dirty="0" smtClean="0">
+              <a:rPr lang="en-US" altLang="zh-CN" sz="1200" b="0" baseline="0" dirty="0">
                 <a:solidFill>
                   <a:srgbClr val="00B050"/>
                 </a:solidFill>
@@ -660,7 +666,7 @@
           <a:lstStyle/>
           <a:p>
             <a:r>
-              <a:rPr lang="en-US" altLang="zh-CN" sz="1200" b="0" dirty="0" smtClean="0">
+              <a:rPr lang="en-US" altLang="zh-CN" sz="1200" b="0" dirty="0">
                 <a:solidFill>
                   <a:srgbClr val="00B050"/>
                 </a:solidFill>
@@ -668,7 +674,7 @@
               <a:t>Delete the Timer lines and change</a:t>
             </a:r>
             <a:r>
-              <a:rPr lang="en-US" altLang="zh-CN" sz="1200" b="0" baseline="0" dirty="0" smtClean="0">
+              <a:rPr lang="en-US" altLang="zh-CN" sz="1200" b="0" baseline="0" dirty="0">
                 <a:solidFill>
                   <a:srgbClr val="00B050"/>
                 </a:solidFill>
@@ -678,7 +684,7 @@
           </a:p>
           <a:p>
             <a:r>
-              <a:rPr lang="en-US" altLang="zh-CN" sz="1200" b="0" baseline="0" dirty="0" smtClean="0">
+              <a:rPr lang="en-US" altLang="zh-CN" sz="1200" b="0" baseline="0" dirty="0">
                 <a:solidFill>
                   <a:srgbClr val="00B050"/>
                 </a:solidFill>
@@ -715,6 +721,295 @@
     <p:extLst>
       <p:ext uri="{BB962C8B-B14F-4D97-AF65-F5344CB8AC3E}">
         <p14:creationId xmlns:p14="http://schemas.microsoft.com/office/powerpoint/2010/main" val="3970963968"/>
+      </p:ext>
+    </p:extLst>
+  </p:cSld>
+  <p:clrMapOvr>
+    <a:masterClrMapping/>
+  </p:clrMapOvr>
+</p:notes>
+</file>
+
+<file path=ppt/notesSlides/notesSlide11.xml><?xml version="1.0" encoding="utf-8"?>
+<p:notes xmlns:a="http://schemas.openxmlformats.org/drawingml/2006/main" xmlns:r="http://schemas.openxmlformats.org/officeDocument/2006/relationships" xmlns:p="http://schemas.openxmlformats.org/presentationml/2006/main">
+  <p:cSld>
+    <p:spTree>
+      <p:nvGrpSpPr>
+        <p:cNvPr id="1" name=""/>
+        <p:cNvGrpSpPr/>
+        <p:nvPr/>
+      </p:nvGrpSpPr>
+      <p:grpSpPr>
+        <a:xfrm>
+          <a:off x="0" y="0"/>
+          <a:ext cx="0" cy="0"/>
+          <a:chOff x="0" y="0"/>
+          <a:chExt cx="0" cy="0"/>
+        </a:xfrm>
+      </p:grpSpPr>
+      <p:sp>
+        <p:nvSpPr>
+          <p:cNvPr id="2" name="Slide Image Placeholder 1"/>
+          <p:cNvSpPr>
+            <a:spLocks noGrp="1" noRot="1" noChangeAspect="1"/>
+          </p:cNvSpPr>
+          <p:nvPr>
+            <p:ph type="sldImg"/>
+          </p:nvPr>
+        </p:nvSpPr>
+        <p:spPr/>
+      </p:sp>
+      <p:sp>
+        <p:nvSpPr>
+          <p:cNvPr id="3" name="Notes Placeholder 2"/>
+          <p:cNvSpPr>
+            <a:spLocks noGrp="1"/>
+          </p:cNvSpPr>
+          <p:nvPr>
+            <p:ph type="body" idx="1"/>
+          </p:nvPr>
+        </p:nvSpPr>
+        <p:spPr/>
+        <p:txBody>
+          <a:bodyPr/>
+          <a:lstStyle/>
+          <a:p>
+            <a:r>
+              <a:rPr lang="en-US" altLang="zh-CN" sz="1200" b="0" baseline="0" dirty="0">
+                <a:solidFill>
+                  <a:srgbClr val="00B050"/>
+                </a:solidFill>
+              </a:rPr>
+              <a:t>Tick the countdown checkbox to change timer to countdown</a:t>
+            </a:r>
+          </a:p>
+        </p:txBody>
+      </p:sp>
+      <p:sp>
+        <p:nvSpPr>
+          <p:cNvPr id="4" name="Slide Number Placeholder 3"/>
+          <p:cNvSpPr>
+            <a:spLocks noGrp="1"/>
+          </p:cNvSpPr>
+          <p:nvPr>
+            <p:ph type="sldNum" sz="quarter" idx="10"/>
+          </p:nvPr>
+        </p:nvSpPr>
+        <p:spPr/>
+        <p:txBody>
+          <a:bodyPr/>
+          <a:lstStyle/>
+          <a:p>
+            <a:fld id="{E96FB07A-B1AD-4238-A6C9-967239C45D18}" type="slidenum">
+              <a:rPr lang="en-SG" smtClean="0"/>
+              <a:t>14</a:t>
+            </a:fld>
+            <a:endParaRPr lang="en-SG"/>
+          </a:p>
+        </p:txBody>
+      </p:sp>
+    </p:spTree>
+    <p:extLst>
+      <p:ext uri="{BB962C8B-B14F-4D97-AF65-F5344CB8AC3E}">
+        <p14:creationId xmlns:p14="http://schemas.microsoft.com/office/powerpoint/2010/main" val="125111942"/>
+      </p:ext>
+    </p:extLst>
+  </p:cSld>
+  <p:clrMapOvr>
+    <a:masterClrMapping/>
+  </p:clrMapOvr>
+</p:notes>
+</file>
+
+<file path=ppt/notesSlides/notesSlide12.xml><?xml version="1.0" encoding="utf-8"?>
+<p:notes xmlns:a="http://schemas.openxmlformats.org/drawingml/2006/main" xmlns:r="http://schemas.openxmlformats.org/officeDocument/2006/relationships" xmlns:p="http://schemas.openxmlformats.org/presentationml/2006/main">
+  <p:cSld>
+    <p:spTree>
+      <p:nvGrpSpPr>
+        <p:cNvPr id="1" name=""/>
+        <p:cNvGrpSpPr/>
+        <p:nvPr/>
+      </p:nvGrpSpPr>
+      <p:grpSpPr>
+        <a:xfrm>
+          <a:off x="0" y="0"/>
+          <a:ext cx="0" cy="0"/>
+          <a:chOff x="0" y="0"/>
+          <a:chExt cx="0" cy="0"/>
+        </a:xfrm>
+      </p:grpSpPr>
+      <p:sp>
+        <p:nvSpPr>
+          <p:cNvPr id="2" name="Slide Image Placeholder 1"/>
+          <p:cNvSpPr>
+            <a:spLocks noGrp="1" noRot="1" noChangeAspect="1"/>
+          </p:cNvSpPr>
+          <p:nvPr>
+            <p:ph type="sldImg"/>
+          </p:nvPr>
+        </p:nvSpPr>
+        <p:spPr/>
+      </p:sp>
+      <p:sp>
+        <p:nvSpPr>
+          <p:cNvPr id="3" name="Notes Placeholder 2"/>
+          <p:cNvSpPr>
+            <a:spLocks noGrp="1"/>
+          </p:cNvSpPr>
+          <p:nvPr>
+            <p:ph type="body" idx="1"/>
+          </p:nvPr>
+        </p:nvSpPr>
+        <p:spPr/>
+        <p:txBody>
+          <a:bodyPr/>
+          <a:lstStyle/>
+          <a:p>
+            <a:r>
+              <a:rPr lang="en-US" altLang="zh-CN" sz="1200" b="0" baseline="0" dirty="0">
+                <a:solidFill>
+                  <a:srgbClr val="00B050"/>
+                </a:solidFill>
+              </a:rPr>
+              <a:t>Change duration to 0.30 by typing in the text box.</a:t>
+            </a:r>
+          </a:p>
+        </p:txBody>
+      </p:sp>
+      <p:sp>
+        <p:nvSpPr>
+          <p:cNvPr id="4" name="Slide Number Placeholder 3"/>
+          <p:cNvSpPr>
+            <a:spLocks noGrp="1"/>
+          </p:cNvSpPr>
+          <p:nvPr>
+            <p:ph type="sldNum" sz="quarter" idx="10"/>
+          </p:nvPr>
+        </p:nvSpPr>
+        <p:spPr/>
+        <p:txBody>
+          <a:bodyPr/>
+          <a:lstStyle/>
+          <a:p>
+            <a:fld id="{E96FB07A-B1AD-4238-A6C9-967239C45D18}" type="slidenum">
+              <a:rPr lang="en-SG" smtClean="0"/>
+              <a:t>15</a:t>
+            </a:fld>
+            <a:endParaRPr lang="en-SG"/>
+          </a:p>
+        </p:txBody>
+      </p:sp>
+    </p:spTree>
+    <p:extLst>
+      <p:ext uri="{BB962C8B-B14F-4D97-AF65-F5344CB8AC3E}">
+        <p14:creationId xmlns:p14="http://schemas.microsoft.com/office/powerpoint/2010/main" val="2598765379"/>
+      </p:ext>
+    </p:extLst>
+  </p:cSld>
+  <p:clrMapOvr>
+    <a:masterClrMapping/>
+  </p:clrMapOvr>
+</p:notes>
+</file>
+
+<file path=ppt/notesSlides/notesSlide13.xml><?xml version="1.0" encoding="utf-8"?>
+<p:notes xmlns:a="http://schemas.openxmlformats.org/drawingml/2006/main" xmlns:r="http://schemas.openxmlformats.org/officeDocument/2006/relationships" xmlns:p="http://schemas.openxmlformats.org/presentationml/2006/main">
+  <p:cSld>
+    <p:spTree>
+      <p:nvGrpSpPr>
+        <p:cNvPr id="1" name=""/>
+        <p:cNvGrpSpPr/>
+        <p:nvPr/>
+      </p:nvGrpSpPr>
+      <p:grpSpPr>
+        <a:xfrm>
+          <a:off x="0" y="0"/>
+          <a:ext cx="0" cy="0"/>
+          <a:chOff x="0" y="0"/>
+          <a:chExt cx="0" cy="0"/>
+        </a:xfrm>
+      </p:grpSpPr>
+      <p:sp>
+        <p:nvSpPr>
+          <p:cNvPr id="2" name="Slide Image Placeholder 1"/>
+          <p:cNvSpPr>
+            <a:spLocks noGrp="1" noRot="1" noChangeAspect="1"/>
+          </p:cNvSpPr>
+          <p:nvPr>
+            <p:ph type="sldImg"/>
+          </p:nvPr>
+        </p:nvSpPr>
+        <p:spPr/>
+      </p:sp>
+      <p:sp>
+        <p:nvSpPr>
+          <p:cNvPr id="3" name="Notes Placeholder 2"/>
+          <p:cNvSpPr>
+            <a:spLocks noGrp="1"/>
+          </p:cNvSpPr>
+          <p:nvPr>
+            <p:ph type="body" idx="1"/>
+          </p:nvPr>
+        </p:nvSpPr>
+        <p:spPr/>
+        <p:txBody>
+          <a:bodyPr/>
+          <a:lstStyle/>
+          <a:p>
+            <a:r>
+              <a:rPr lang="en-US" altLang="zh-CN" sz="1200" b="0" baseline="0" dirty="0">
+                <a:solidFill>
+                  <a:srgbClr val="00B050"/>
+                </a:solidFill>
+              </a:rPr>
+              <a:t>Change duration </a:t>
+            </a:r>
+            <a:r>
+              <a:rPr lang="en-US" altLang="zh-CN" sz="1200" b="0" baseline="0">
+                <a:solidFill>
+                  <a:srgbClr val="00B050"/>
+                </a:solidFill>
+              </a:rPr>
+              <a:t>to 4.16 </a:t>
+            </a:r>
+            <a:r>
+              <a:rPr lang="en-US" altLang="zh-CN" sz="1200" b="0" baseline="0" dirty="0">
+                <a:solidFill>
+                  <a:srgbClr val="00B050"/>
+                </a:solidFill>
+              </a:rPr>
+              <a:t>by typing in the text box.</a:t>
+            </a:r>
+          </a:p>
+        </p:txBody>
+      </p:sp>
+      <p:sp>
+        <p:nvSpPr>
+          <p:cNvPr id="4" name="Slide Number Placeholder 3"/>
+          <p:cNvSpPr>
+            <a:spLocks noGrp="1"/>
+          </p:cNvSpPr>
+          <p:nvPr>
+            <p:ph type="sldNum" sz="quarter" idx="10"/>
+          </p:nvPr>
+        </p:nvSpPr>
+        <p:spPr/>
+        <p:txBody>
+          <a:bodyPr/>
+          <a:lstStyle/>
+          <a:p>
+            <a:fld id="{E96FB07A-B1AD-4238-A6C9-967239C45D18}" type="slidenum">
+              <a:rPr lang="en-SG" smtClean="0"/>
+              <a:t>16</a:t>
+            </a:fld>
+            <a:endParaRPr lang="en-SG"/>
+          </a:p>
+        </p:txBody>
+      </p:sp>
+    </p:spTree>
+    <p:extLst>
+      <p:ext uri="{BB962C8B-B14F-4D97-AF65-F5344CB8AC3E}">
+        <p14:creationId xmlns:p14="http://schemas.microsoft.com/office/powerpoint/2010/main" val="2935471089"/>
       </p:ext>
     </p:extLst>
   </p:cSld>
@@ -769,7 +1064,7 @@
           <a:lstStyle/>
           <a:p>
             <a:r>
-              <a:rPr lang="en-US" altLang="zh-CN" sz="1200" b="0" dirty="0" smtClean="0">
+              <a:rPr lang="en-US" altLang="zh-CN" sz="1200" b="0" dirty="0">
                 <a:solidFill>
                   <a:srgbClr val="00B050"/>
                 </a:solidFill>
@@ -860,7 +1155,7 @@
           <a:lstStyle/>
           <a:p>
             <a:r>
-              <a:rPr lang="en-US" altLang="zh-CN" sz="1200" b="0" dirty="0" smtClean="0">
+              <a:rPr lang="en-US" altLang="zh-CN" sz="1200" b="0" dirty="0">
                 <a:solidFill>
                   <a:srgbClr val="00B050"/>
                 </a:solidFill>
@@ -868,14 +1163,14 @@
               <a:t>Reduce the width to 250</a:t>
             </a:r>
             <a:r>
-              <a:rPr lang="en-US" altLang="zh-CN" sz="1200" b="0" baseline="0" dirty="0" smtClean="0">
+              <a:rPr lang="en-US" altLang="zh-CN" sz="1200" b="0" baseline="0" dirty="0">
                 <a:solidFill>
                   <a:srgbClr val="00B050"/>
                 </a:solidFill>
               </a:rPr>
               <a:t> by setting the value in the textbox to 250</a:t>
             </a:r>
-            <a:endParaRPr lang="en-US" altLang="zh-CN" sz="1200" b="0" dirty="0" smtClean="0">
+            <a:endParaRPr lang="en-US" altLang="zh-CN" sz="1200" b="0" dirty="0">
               <a:solidFill>
                 <a:srgbClr val="00B050"/>
               </a:solidFill>
@@ -981,7 +1276,7 @@
               <a:defRPr/>
             </a:pPr>
             <a:r>
-              <a:rPr lang="en-US" altLang="zh-CN" sz="1200" b="0" dirty="0" smtClean="0">
+              <a:rPr lang="en-US" altLang="zh-CN" sz="1200" b="0" dirty="0">
                 <a:solidFill>
                   <a:srgbClr val="00B050"/>
                 </a:solidFill>
@@ -989,23 +1284,15 @@
               <a:t>Increase the height </a:t>
             </a:r>
             <a:r>
-              <a:rPr lang="en-US" altLang="zh-CN" sz="1200" b="0" smtClean="0">
+              <a:rPr lang="en-US" altLang="zh-CN" sz="1200" b="0">
                 <a:solidFill>
                   <a:srgbClr val="00B050"/>
                 </a:solidFill>
               </a:rPr>
-              <a:t>to </a:t>
+              <a:t>to 400</a:t>
             </a:r>
             <a:r>
-              <a:rPr lang="en-US" altLang="zh-CN" sz="1200" b="0" smtClean="0">
-                <a:solidFill>
-                  <a:srgbClr val="00B050"/>
-                </a:solidFill>
-              </a:rPr>
-              <a:t>400</a:t>
-            </a:r>
-            <a:r>
-              <a:rPr lang="en-US" altLang="zh-CN" sz="1200" b="0" baseline="0" smtClean="0">
+              <a:rPr lang="en-US" altLang="zh-CN" sz="1200" b="0" baseline="0">
                 <a:solidFill>
                   <a:srgbClr val="00B050"/>
                 </a:solidFill>
@@ -1013,14 +1300,14 @@
               <a:t> </a:t>
             </a:r>
             <a:r>
-              <a:rPr lang="en-US" altLang="zh-CN" sz="1200" b="0" baseline="0" dirty="0" smtClean="0">
+              <a:rPr lang="en-US" altLang="zh-CN" sz="1200" b="0" baseline="0" dirty="0">
                 <a:solidFill>
                   <a:srgbClr val="00B050"/>
                 </a:solidFill>
               </a:rPr>
               <a:t>by setting the value in the textbox to 400</a:t>
             </a:r>
-            <a:endParaRPr lang="en-US" altLang="zh-CN" sz="1200" b="0" dirty="0" smtClean="0">
+            <a:endParaRPr lang="en-US" altLang="zh-CN" sz="1200" b="0" dirty="0">
               <a:solidFill>
                 <a:srgbClr val="00B050"/>
               </a:solidFill>
@@ -1109,7 +1396,7 @@
           <a:lstStyle/>
           <a:p>
             <a:r>
-              <a:rPr lang="en-US" altLang="zh-CN" sz="1200" b="0" dirty="0" smtClean="0">
+              <a:rPr lang="en-US" altLang="zh-CN" sz="1200" b="0" dirty="0">
                 <a:solidFill>
                   <a:srgbClr val="00B050"/>
                 </a:solidFill>
@@ -1117,7 +1404,7 @@
               <a:t>Delete the body and press create. (Body</a:t>
             </a:r>
             <a:r>
-              <a:rPr lang="en-US" altLang="zh-CN" sz="1200" b="0" baseline="0" dirty="0" smtClean="0">
+              <a:rPr lang="en-US" altLang="zh-CN" sz="1200" b="0" baseline="0" dirty="0">
                 <a:solidFill>
                   <a:srgbClr val="00B050"/>
                 </a:solidFill>
@@ -1127,14 +1414,14 @@
           </a:p>
           <a:p>
             <a:r>
-              <a:rPr lang="en-US" altLang="zh-CN" sz="1200" b="0" baseline="0" dirty="0" smtClean="0">
+              <a:rPr lang="en-US" altLang="zh-CN" sz="1200" b="0" baseline="0" dirty="0">
                 <a:solidFill>
                   <a:srgbClr val="00B050"/>
                 </a:solidFill>
               </a:rPr>
               <a:t>A pop up message saying “Only one timer per slide” should appear, and the timer should be reformed</a:t>
             </a:r>
-            <a:endParaRPr lang="en-US" altLang="zh-CN" sz="1200" b="0" dirty="0" smtClean="0">
+            <a:endParaRPr lang="en-US" altLang="zh-CN" sz="1200" b="0" dirty="0">
               <a:solidFill>
                 <a:srgbClr val="00B050"/>
               </a:solidFill>
@@ -1223,7 +1510,7 @@
           <a:lstStyle/>
           <a:p>
             <a:r>
-              <a:rPr lang="en-US" altLang="zh-CN" sz="1200" b="0" dirty="0" smtClean="0">
+              <a:rPr lang="en-US" altLang="zh-CN" sz="1200" b="0" dirty="0">
                 <a:solidFill>
                   <a:srgbClr val="00B050"/>
                 </a:solidFill>
@@ -1231,7 +1518,7 @@
               <a:t>Change the outline of the GROUP of line</a:t>
             </a:r>
             <a:r>
-              <a:rPr lang="en-US" altLang="zh-CN" sz="1200" b="0" baseline="0" dirty="0" smtClean="0">
+              <a:rPr lang="en-US" altLang="zh-CN" sz="1200" b="0" baseline="0" dirty="0">
                 <a:solidFill>
                   <a:srgbClr val="00B050"/>
                 </a:solidFill>
@@ -1239,7 +1526,7 @@
               <a:t> markers</a:t>
             </a:r>
             <a:r>
-              <a:rPr lang="en-US" altLang="zh-CN" sz="1200" b="0" dirty="0" smtClean="0">
+              <a:rPr lang="en-US" altLang="zh-CN" sz="1200" b="0" dirty="0">
                 <a:solidFill>
                   <a:srgbClr val="00B050"/>
                 </a:solidFill>
@@ -1249,7 +1536,7 @@
           </a:p>
           <a:p>
             <a:r>
-              <a:rPr lang="en-US" altLang="zh-CN" sz="1200" b="0" dirty="0" smtClean="0">
+              <a:rPr lang="en-US" altLang="zh-CN" sz="1200" b="0" dirty="0">
                 <a:solidFill>
                   <a:srgbClr val="00B050"/>
                 </a:solidFill>
@@ -1257,7 +1544,7 @@
               <a:t>Delete the Timer</a:t>
             </a:r>
             <a:r>
-              <a:rPr lang="en-US" altLang="zh-CN" sz="1200" b="0" baseline="0" dirty="0" smtClean="0">
+              <a:rPr lang="en-US" altLang="zh-CN" sz="1200" b="0" baseline="0" dirty="0">
                 <a:solidFill>
                   <a:srgbClr val="00B050"/>
                 </a:solidFill>
@@ -1265,7 +1552,7 @@
               <a:t> Markers </a:t>
             </a:r>
             <a:r>
-              <a:rPr lang="en-US" altLang="zh-CN" sz="1200" b="0" dirty="0" smtClean="0">
+              <a:rPr lang="en-US" altLang="zh-CN" sz="1200" b="0" dirty="0">
                 <a:solidFill>
                   <a:srgbClr val="00B050"/>
                 </a:solidFill>
@@ -1273,7 +1560,7 @@
               <a:t>and press create. (Timer Markers is</a:t>
             </a:r>
             <a:r>
-              <a:rPr lang="en-US" altLang="zh-CN" sz="1200" b="0" baseline="0" dirty="0" smtClean="0">
+              <a:rPr lang="en-US" altLang="zh-CN" sz="1200" b="0" baseline="0" dirty="0">
                 <a:solidFill>
                   <a:srgbClr val="00B050"/>
                 </a:solidFill>
@@ -1283,7 +1570,7 @@
           </a:p>
           <a:p>
             <a:r>
-              <a:rPr lang="en-US" altLang="zh-CN" sz="1200" b="0" baseline="0" dirty="0" smtClean="0">
+              <a:rPr lang="en-US" altLang="zh-CN" sz="1200" b="0" baseline="0" dirty="0">
                 <a:solidFill>
                   <a:srgbClr val="00B050"/>
                 </a:solidFill>
@@ -1293,14 +1580,14 @@
           </a:p>
           <a:p>
             <a:r>
-              <a:rPr lang="en-US" altLang="zh-CN" sz="1200" b="0" baseline="0" dirty="0" smtClean="0">
+              <a:rPr lang="en-US" altLang="zh-CN" sz="1200" b="0" baseline="0" dirty="0">
                 <a:solidFill>
                   <a:srgbClr val="00B050"/>
                 </a:solidFill>
               </a:rPr>
               <a:t>Note that the GROUP of lines should remain yellow</a:t>
             </a:r>
-            <a:endParaRPr lang="en-US" altLang="zh-CN" sz="1200" b="0" dirty="0" smtClean="0">
+            <a:endParaRPr lang="en-US" altLang="zh-CN" sz="1200" b="0" dirty="0">
               <a:solidFill>
                 <a:srgbClr val="00B050"/>
               </a:solidFill>
@@ -1389,7 +1676,7 @@
           <a:lstStyle/>
           <a:p>
             <a:r>
-              <a:rPr lang="en-US" altLang="zh-CN" sz="1200" b="0" dirty="0" smtClean="0">
+              <a:rPr lang="en-US" altLang="zh-CN" sz="1200" b="0" dirty="0">
                 <a:solidFill>
                   <a:srgbClr val="00B050"/>
                 </a:solidFill>
@@ -1397,14 +1684,14 @@
               <a:t>Reduce duration</a:t>
             </a:r>
             <a:r>
-              <a:rPr lang="en-US" altLang="zh-CN" sz="1200" b="0" baseline="0" dirty="0" smtClean="0">
+              <a:rPr lang="en-US" altLang="zh-CN" sz="1200" b="0" baseline="0" dirty="0">
                 <a:solidFill>
                   <a:srgbClr val="00B050"/>
                 </a:solidFill>
               </a:rPr>
               <a:t> to 0.07.</a:t>
             </a:r>
-            <a:endParaRPr lang="en-US" altLang="zh-CN" sz="1200" b="0" dirty="0" smtClean="0">
+            <a:endParaRPr lang="en-US" altLang="zh-CN" sz="1200" b="0" dirty="0">
               <a:solidFill>
                 <a:srgbClr val="00B050"/>
               </a:solidFill>
@@ -1493,7 +1780,7 @@
           <a:lstStyle/>
           <a:p>
             <a:r>
-              <a:rPr lang="en-US" altLang="zh-CN" sz="1200" b="0" dirty="0" smtClean="0">
+              <a:rPr lang="en-US" altLang="zh-CN" sz="1200" b="0" dirty="0">
                 <a:solidFill>
                   <a:srgbClr val="00B050"/>
                 </a:solidFill>
@@ -1501,7 +1788,7 @@
               <a:t>Change the timer number GROUP font</a:t>
             </a:r>
             <a:r>
-              <a:rPr lang="en-US" altLang="zh-CN" sz="1200" b="0" baseline="0" dirty="0" smtClean="0">
+              <a:rPr lang="en-US" altLang="zh-CN" sz="1200" b="0" baseline="0" dirty="0">
                 <a:solidFill>
                   <a:srgbClr val="00B050"/>
                 </a:solidFill>
@@ -1511,7 +1798,7 @@
           </a:p>
           <a:p>
             <a:r>
-              <a:rPr lang="en-US" altLang="zh-CN" sz="1200" b="0" dirty="0" smtClean="0">
+              <a:rPr lang="en-US" altLang="zh-CN" sz="1200" b="0" dirty="0">
                 <a:solidFill>
                   <a:srgbClr val="00B050"/>
                 </a:solidFill>
@@ -1519,7 +1806,7 @@
               <a:t>Delete the Timer Slider (The orange triangle and orange</a:t>
             </a:r>
             <a:r>
-              <a:rPr lang="en-US" altLang="zh-CN" sz="1200" b="0" baseline="0" dirty="0" smtClean="0">
+              <a:rPr lang="en-US" altLang="zh-CN" sz="1200" b="0" baseline="0" dirty="0">
                 <a:solidFill>
                   <a:srgbClr val="00B050"/>
                 </a:solidFill>
@@ -1527,14 +1814,14 @@
               <a:t> line)</a:t>
             </a:r>
             <a:r>
-              <a:rPr lang="en-US" altLang="zh-CN" sz="1200" b="0" dirty="0" smtClean="0">
+              <a:rPr lang="en-US" altLang="zh-CN" sz="1200" b="0" dirty="0">
                 <a:solidFill>
                   <a:srgbClr val="00B050"/>
                 </a:solidFill>
               </a:rPr>
               <a:t> and press create</a:t>
             </a:r>
-            <a:endParaRPr lang="en-US" altLang="zh-CN" sz="1200" b="0" baseline="0" dirty="0" smtClean="0">
+            <a:endParaRPr lang="en-US" altLang="zh-CN" sz="1200" b="0" baseline="0" dirty="0">
               <a:solidFill>
                 <a:srgbClr val="00B050"/>
               </a:solidFill>
@@ -1542,7 +1829,7 @@
           </a:p>
           <a:p>
             <a:r>
-              <a:rPr lang="en-US" altLang="zh-CN" sz="1200" b="0" baseline="0" dirty="0" smtClean="0">
+              <a:rPr lang="en-US" altLang="zh-CN" sz="1200" b="0" baseline="0" dirty="0">
                 <a:solidFill>
                   <a:srgbClr val="00B050"/>
                 </a:solidFill>
@@ -1633,7 +1920,7 @@
           <a:lstStyle/>
           <a:p>
             <a:r>
-              <a:rPr lang="en-US" altLang="zh-CN" sz="1200" b="0" dirty="0" smtClean="0">
+              <a:rPr lang="en-US" altLang="zh-CN" sz="1200" b="0" dirty="0">
                 <a:solidFill>
                   <a:srgbClr val="00B050"/>
                 </a:solidFill>
@@ -1641,7 +1928,7 @@
               <a:t>Increase duration to 4.56 by typing in the textbox</a:t>
             </a:r>
             <a:r>
-              <a:rPr lang="en-US" altLang="zh-CN" sz="1200" b="0" baseline="0" dirty="0" smtClean="0">
+              <a:rPr lang="en-US" altLang="zh-CN" sz="1200" b="0" baseline="0" dirty="0">
                 <a:solidFill>
                   <a:srgbClr val="00B050"/>
                 </a:solidFill>
@@ -1651,7 +1938,7 @@
           </a:p>
           <a:p>
             <a:r>
-              <a:rPr lang="en-US" altLang="zh-CN" sz="1200" b="0" baseline="0" dirty="0" smtClean="0">
+              <a:rPr lang="en-US" altLang="zh-CN" sz="1200" b="0" baseline="0" dirty="0">
                 <a:solidFill>
                   <a:srgbClr val="00B050"/>
                 </a:solidFill>
@@ -1735,10 +2022,9 @@
           <a:lstStyle/>
           <a:p>
             <a:r>
-              <a:rPr lang="en-US" smtClean="0"/>
+              <a:rPr lang="en-US"/>
               <a:t>Click to edit Master title style</a:t>
             </a:r>
-            <a:endParaRPr lang="en-US"/>
           </a:p>
         </p:txBody>
       </p:sp>
@@ -1854,10 +2140,9 @@
           </a:lstStyle>
           <a:p>
             <a:r>
-              <a:rPr lang="en-US" smtClean="0"/>
+              <a:rPr lang="en-US"/>
               <a:t>Click to edit Master subtitle style</a:t>
             </a:r>
-            <a:endParaRPr lang="en-US"/>
           </a:p>
         </p:txBody>
       </p:sp>
@@ -1878,7 +2163,7 @@
           <a:p>
             <a:fld id="{699DC775-C286-4358-8C92-D7E584E969B3}" type="datetimeFigureOut">
               <a:rPr lang="en-US" smtClean="0"/>
-              <a:t>5/18/2017</a:t>
+              <a:t>12/21/2018</a:t>
             </a:fld>
             <a:endParaRPr lang="en-US"/>
           </a:p>
@@ -1972,10 +2257,9 @@
           <a:lstStyle/>
           <a:p>
             <a:r>
-              <a:rPr lang="en-US" smtClean="0"/>
+              <a:rPr lang="en-US"/>
               <a:t>Click to edit Master title style</a:t>
             </a:r>
-            <a:endParaRPr lang="en-US"/>
           </a:p>
         </p:txBody>
       </p:sp>
@@ -1996,38 +2280,37 @@
           <a:p>
             <a:pPr lvl="0"/>
             <a:r>
-              <a:rPr lang="en-US" smtClean="0"/>
+              <a:rPr lang="en-US"/>
               <a:t>Click to edit Master text styles</a:t>
             </a:r>
           </a:p>
           <a:p>
             <a:pPr lvl="1"/>
             <a:r>
-              <a:rPr lang="en-US" smtClean="0"/>
+              <a:rPr lang="en-US"/>
               <a:t>Second level</a:t>
             </a:r>
           </a:p>
           <a:p>
             <a:pPr lvl="2"/>
             <a:r>
-              <a:rPr lang="en-US" smtClean="0"/>
+              <a:rPr lang="en-US"/>
               <a:t>Third level</a:t>
             </a:r>
           </a:p>
           <a:p>
             <a:pPr lvl="3"/>
             <a:r>
-              <a:rPr lang="en-US" smtClean="0"/>
+              <a:rPr lang="en-US"/>
               <a:t>Fourth level</a:t>
             </a:r>
           </a:p>
           <a:p>
             <a:pPr lvl="4"/>
             <a:r>
-              <a:rPr lang="en-US" smtClean="0"/>
+              <a:rPr lang="en-US"/>
               <a:t>Fifth level</a:t>
             </a:r>
-            <a:endParaRPr lang="en-US"/>
           </a:p>
         </p:txBody>
       </p:sp>
@@ -2048,7 +2331,7 @@
           <a:p>
             <a:fld id="{699DC775-C286-4358-8C92-D7E584E969B3}" type="datetimeFigureOut">
               <a:rPr lang="en-US" smtClean="0"/>
-              <a:t>5/18/2017</a:t>
+              <a:t>12/21/2018</a:t>
             </a:fld>
             <a:endParaRPr lang="en-US"/>
           </a:p>
@@ -2147,10 +2430,9 @@
           <a:lstStyle/>
           <a:p>
             <a:r>
-              <a:rPr lang="en-US" smtClean="0"/>
+              <a:rPr lang="en-US"/>
               <a:t>Click to edit Master title style</a:t>
             </a:r>
-            <a:endParaRPr lang="en-US"/>
           </a:p>
         </p:txBody>
       </p:sp>
@@ -2176,38 +2458,37 @@
           <a:p>
             <a:pPr lvl="0"/>
             <a:r>
-              <a:rPr lang="en-US" smtClean="0"/>
+              <a:rPr lang="en-US"/>
               <a:t>Click to edit Master text styles</a:t>
             </a:r>
           </a:p>
           <a:p>
             <a:pPr lvl="1"/>
             <a:r>
-              <a:rPr lang="en-US" smtClean="0"/>
+              <a:rPr lang="en-US"/>
               <a:t>Second level</a:t>
             </a:r>
           </a:p>
           <a:p>
             <a:pPr lvl="2"/>
             <a:r>
-              <a:rPr lang="en-US" smtClean="0"/>
+              <a:rPr lang="en-US"/>
               <a:t>Third level</a:t>
             </a:r>
           </a:p>
           <a:p>
             <a:pPr lvl="3"/>
             <a:r>
-              <a:rPr lang="en-US" smtClean="0"/>
+              <a:rPr lang="en-US"/>
               <a:t>Fourth level</a:t>
             </a:r>
           </a:p>
           <a:p>
             <a:pPr lvl="4"/>
             <a:r>
-              <a:rPr lang="en-US" smtClean="0"/>
+              <a:rPr lang="en-US"/>
               <a:t>Fifth level</a:t>
             </a:r>
-            <a:endParaRPr lang="en-US"/>
           </a:p>
         </p:txBody>
       </p:sp>
@@ -2228,7 +2509,7 @@
           <a:p>
             <a:fld id="{699DC775-C286-4358-8C92-D7E584E969B3}" type="datetimeFigureOut">
               <a:rPr lang="en-US" smtClean="0"/>
-              <a:t>5/18/2017</a:t>
+              <a:t>12/21/2018</a:t>
             </a:fld>
             <a:endParaRPr lang="en-US"/>
           </a:p>
@@ -2327,10 +2608,9 @@
           <a:lstStyle/>
           <a:p>
             <a:r>
-              <a:rPr lang="en-US" smtClean="0"/>
+              <a:rPr lang="en-US"/>
               <a:t>Click to edit Master title style</a:t>
             </a:r>
-            <a:endParaRPr lang="en-US"/>
           </a:p>
         </p:txBody>
       </p:sp>
@@ -2446,10 +2726,9 @@
           </a:lstStyle>
           <a:p>
             <a:r>
-              <a:rPr lang="en-US" smtClean="0"/>
+              <a:rPr lang="en-US"/>
               <a:t>Click to edit Master subtitle style</a:t>
             </a:r>
-            <a:endParaRPr lang="en-US"/>
           </a:p>
         </p:txBody>
       </p:sp>
@@ -2470,7 +2749,7 @@
           <a:p>
             <a:fld id="{699DC775-C286-4358-8C92-D7E584E969B3}" type="datetimeFigureOut">
               <a:rPr lang="en-US" smtClean="0"/>
-              <a:t>5/18/2017</a:t>
+              <a:t>12/21/2018</a:t>
             </a:fld>
             <a:endParaRPr lang="en-US"/>
           </a:p>
@@ -2564,10 +2843,9 @@
           <a:lstStyle/>
           <a:p>
             <a:r>
-              <a:rPr lang="en-US" smtClean="0"/>
+              <a:rPr lang="en-US"/>
               <a:t>Click to edit Master title style</a:t>
             </a:r>
-            <a:endParaRPr lang="en-US"/>
           </a:p>
         </p:txBody>
       </p:sp>
@@ -2588,38 +2866,37 @@
           <a:p>
             <a:pPr lvl="0"/>
             <a:r>
-              <a:rPr lang="en-US" smtClean="0"/>
+              <a:rPr lang="en-US"/>
               <a:t>Click to edit Master text styles</a:t>
             </a:r>
           </a:p>
           <a:p>
             <a:pPr lvl="1"/>
             <a:r>
-              <a:rPr lang="en-US" smtClean="0"/>
+              <a:rPr lang="en-US"/>
               <a:t>Second level</a:t>
             </a:r>
           </a:p>
           <a:p>
             <a:pPr lvl="2"/>
             <a:r>
-              <a:rPr lang="en-US" smtClean="0"/>
+              <a:rPr lang="en-US"/>
               <a:t>Third level</a:t>
             </a:r>
           </a:p>
           <a:p>
             <a:pPr lvl="3"/>
             <a:r>
-              <a:rPr lang="en-US" smtClean="0"/>
+              <a:rPr lang="en-US"/>
               <a:t>Fourth level</a:t>
             </a:r>
           </a:p>
           <a:p>
             <a:pPr lvl="4"/>
             <a:r>
-              <a:rPr lang="en-US" smtClean="0"/>
+              <a:rPr lang="en-US"/>
               <a:t>Fifth level</a:t>
             </a:r>
-            <a:endParaRPr lang="en-US"/>
           </a:p>
         </p:txBody>
       </p:sp>
@@ -2640,7 +2917,7 @@
           <a:p>
             <a:fld id="{699DC775-C286-4358-8C92-D7E584E969B3}" type="datetimeFigureOut">
               <a:rPr lang="en-US" smtClean="0"/>
-              <a:t>5/18/2017</a:t>
+              <a:t>12/21/2018</a:t>
             </a:fld>
             <a:endParaRPr lang="en-US"/>
           </a:p>
@@ -2743,10 +3020,9 @@
           </a:lstStyle>
           <a:p>
             <a:r>
-              <a:rPr lang="en-US" smtClean="0"/>
+              <a:rPr lang="en-US"/>
               <a:t>Click to edit Master title style</a:t>
             </a:r>
-            <a:endParaRPr lang="en-US"/>
           </a:p>
         </p:txBody>
       </p:sp>
@@ -2863,7 +3139,7 @@
           <a:p>
             <a:pPr lvl="0"/>
             <a:r>
-              <a:rPr lang="en-US" smtClean="0"/>
+              <a:rPr lang="en-US"/>
               <a:t>Click to edit Master text styles</a:t>
             </a:r>
           </a:p>
@@ -2886,7 +3162,7 @@
           <a:p>
             <a:fld id="{699DC775-C286-4358-8C92-D7E584E969B3}" type="datetimeFigureOut">
               <a:rPr lang="en-US" smtClean="0"/>
-              <a:t>5/18/2017</a:t>
+              <a:t>12/21/2018</a:t>
             </a:fld>
             <a:endParaRPr lang="en-US"/>
           </a:p>
@@ -2980,10 +3256,9 @@
           <a:lstStyle/>
           <a:p>
             <a:r>
-              <a:rPr lang="en-US" smtClean="0"/>
+              <a:rPr lang="en-US"/>
               <a:t>Click to edit Master title style</a:t>
             </a:r>
-            <a:endParaRPr lang="en-US"/>
           </a:p>
         </p:txBody>
       </p:sp>
@@ -3037,38 +3312,37 @@
           <a:p>
             <a:pPr lvl="0"/>
             <a:r>
-              <a:rPr lang="en-US" smtClean="0"/>
+              <a:rPr lang="en-US"/>
               <a:t>Click to edit Master text styles</a:t>
             </a:r>
           </a:p>
           <a:p>
             <a:pPr lvl="1"/>
             <a:r>
-              <a:rPr lang="en-US" smtClean="0"/>
+              <a:rPr lang="en-US"/>
               <a:t>Second level</a:t>
             </a:r>
           </a:p>
           <a:p>
             <a:pPr lvl="2"/>
             <a:r>
-              <a:rPr lang="en-US" smtClean="0"/>
+              <a:rPr lang="en-US"/>
               <a:t>Third level</a:t>
             </a:r>
           </a:p>
           <a:p>
             <a:pPr lvl="3"/>
             <a:r>
-              <a:rPr lang="en-US" smtClean="0"/>
+              <a:rPr lang="en-US"/>
               <a:t>Fourth level</a:t>
             </a:r>
           </a:p>
           <a:p>
             <a:pPr lvl="4"/>
             <a:r>
-              <a:rPr lang="en-US" smtClean="0"/>
+              <a:rPr lang="en-US"/>
               <a:t>Fifth level</a:t>
             </a:r>
-            <a:endParaRPr lang="en-US"/>
           </a:p>
         </p:txBody>
       </p:sp>
@@ -3122,38 +3396,37 @@
           <a:p>
             <a:pPr lvl="0"/>
             <a:r>
-              <a:rPr lang="en-US" smtClean="0"/>
+              <a:rPr lang="en-US"/>
               <a:t>Click to edit Master text styles</a:t>
             </a:r>
           </a:p>
           <a:p>
             <a:pPr lvl="1"/>
             <a:r>
-              <a:rPr lang="en-US" smtClean="0"/>
+              <a:rPr lang="en-US"/>
               <a:t>Second level</a:t>
             </a:r>
           </a:p>
           <a:p>
             <a:pPr lvl="2"/>
             <a:r>
-              <a:rPr lang="en-US" smtClean="0"/>
+              <a:rPr lang="en-US"/>
               <a:t>Third level</a:t>
             </a:r>
           </a:p>
           <a:p>
             <a:pPr lvl="3"/>
             <a:r>
-              <a:rPr lang="en-US" smtClean="0"/>
+              <a:rPr lang="en-US"/>
               <a:t>Fourth level</a:t>
             </a:r>
           </a:p>
           <a:p>
             <a:pPr lvl="4"/>
             <a:r>
-              <a:rPr lang="en-US" smtClean="0"/>
+              <a:rPr lang="en-US"/>
               <a:t>Fifth level</a:t>
             </a:r>
-            <a:endParaRPr lang="en-US"/>
           </a:p>
         </p:txBody>
       </p:sp>
@@ -3174,7 +3447,7 @@
           <a:p>
             <a:fld id="{699DC775-C286-4358-8C92-D7E584E969B3}" type="datetimeFigureOut">
               <a:rPr lang="en-US" smtClean="0"/>
-              <a:t>5/18/2017</a:t>
+              <a:t>12/21/2018</a:t>
             </a:fld>
             <a:endParaRPr lang="en-US"/>
           </a:p>
@@ -3272,10 +3545,9 @@
           </a:lstStyle>
           <a:p>
             <a:r>
-              <a:rPr lang="en-US" smtClean="0"/>
+              <a:rPr lang="en-US"/>
               <a:t>Click to edit Master title style</a:t>
             </a:r>
-            <a:endParaRPr lang="en-US"/>
           </a:p>
         </p:txBody>
       </p:sp>
@@ -3338,7 +3610,7 @@
           <a:p>
             <a:pPr lvl="0"/>
             <a:r>
-              <a:rPr lang="en-US" smtClean="0"/>
+              <a:rPr lang="en-US"/>
               <a:t>Click to edit Master text styles</a:t>
             </a:r>
           </a:p>
@@ -3394,38 +3666,37 @@
           <a:p>
             <a:pPr lvl="0"/>
             <a:r>
-              <a:rPr lang="en-US" smtClean="0"/>
+              <a:rPr lang="en-US"/>
               <a:t>Click to edit Master text styles</a:t>
             </a:r>
           </a:p>
           <a:p>
             <a:pPr lvl="1"/>
             <a:r>
-              <a:rPr lang="en-US" smtClean="0"/>
+              <a:rPr lang="en-US"/>
               <a:t>Second level</a:t>
             </a:r>
           </a:p>
           <a:p>
             <a:pPr lvl="2"/>
             <a:r>
-              <a:rPr lang="en-US" smtClean="0"/>
+              <a:rPr lang="en-US"/>
               <a:t>Third level</a:t>
             </a:r>
           </a:p>
           <a:p>
             <a:pPr lvl="3"/>
             <a:r>
-              <a:rPr lang="en-US" smtClean="0"/>
+              <a:rPr lang="en-US"/>
               <a:t>Fourth level</a:t>
             </a:r>
           </a:p>
           <a:p>
             <a:pPr lvl="4"/>
             <a:r>
-              <a:rPr lang="en-US" smtClean="0"/>
+              <a:rPr lang="en-US"/>
               <a:t>Fifth level</a:t>
             </a:r>
-            <a:endParaRPr lang="en-US"/>
           </a:p>
         </p:txBody>
       </p:sp>
@@ -3488,7 +3759,7 @@
           <a:p>
             <a:pPr lvl="0"/>
             <a:r>
-              <a:rPr lang="en-US" smtClean="0"/>
+              <a:rPr lang="en-US"/>
               <a:t>Click to edit Master text styles</a:t>
             </a:r>
           </a:p>
@@ -3544,38 +3815,37 @@
           <a:p>
             <a:pPr lvl="0"/>
             <a:r>
-              <a:rPr lang="en-US" smtClean="0"/>
+              <a:rPr lang="en-US"/>
               <a:t>Click to edit Master text styles</a:t>
             </a:r>
           </a:p>
           <a:p>
             <a:pPr lvl="1"/>
             <a:r>
-              <a:rPr lang="en-US" smtClean="0"/>
+              <a:rPr lang="en-US"/>
               <a:t>Second level</a:t>
             </a:r>
           </a:p>
           <a:p>
             <a:pPr lvl="2"/>
             <a:r>
-              <a:rPr lang="en-US" smtClean="0"/>
+              <a:rPr lang="en-US"/>
               <a:t>Third level</a:t>
             </a:r>
           </a:p>
           <a:p>
             <a:pPr lvl="3"/>
             <a:r>
-              <a:rPr lang="en-US" smtClean="0"/>
+              <a:rPr lang="en-US"/>
               <a:t>Fourth level</a:t>
             </a:r>
           </a:p>
           <a:p>
             <a:pPr lvl="4"/>
             <a:r>
-              <a:rPr lang="en-US" smtClean="0"/>
+              <a:rPr lang="en-US"/>
               <a:t>Fifth level</a:t>
             </a:r>
-            <a:endParaRPr lang="en-US"/>
           </a:p>
         </p:txBody>
       </p:sp>
@@ -3596,7 +3866,7 @@
           <a:p>
             <a:fld id="{699DC775-C286-4358-8C92-D7E584E969B3}" type="datetimeFigureOut">
               <a:rPr lang="en-US" smtClean="0"/>
-              <a:t>5/18/2017</a:t>
+              <a:t>12/21/2018</a:t>
             </a:fld>
             <a:endParaRPr lang="en-US"/>
           </a:p>
@@ -3690,10 +3960,9 @@
           <a:lstStyle/>
           <a:p>
             <a:r>
-              <a:rPr lang="en-US" smtClean="0"/>
+              <a:rPr lang="en-US"/>
               <a:t>Click to edit Master title style</a:t>
             </a:r>
-            <a:endParaRPr lang="en-US"/>
           </a:p>
         </p:txBody>
       </p:sp>
@@ -3714,7 +3983,7 @@
           <a:p>
             <a:fld id="{699DC775-C286-4358-8C92-D7E584E969B3}" type="datetimeFigureOut">
               <a:rPr lang="en-US" smtClean="0"/>
-              <a:t>5/18/2017</a:t>
+              <a:t>12/21/2018</a:t>
             </a:fld>
             <a:endParaRPr lang="en-US"/>
           </a:p>
@@ -3809,7 +4078,7 @@
           <a:p>
             <a:fld id="{699DC775-C286-4358-8C92-D7E584E969B3}" type="datetimeFigureOut">
               <a:rPr lang="en-US" smtClean="0"/>
-              <a:t>5/18/2017</a:t>
+              <a:t>12/21/2018</a:t>
             </a:fld>
             <a:endParaRPr lang="en-US"/>
           </a:p>
@@ -3912,10 +4181,9 @@
           </a:lstStyle>
           <a:p>
             <a:r>
-              <a:rPr lang="en-US" smtClean="0"/>
+              <a:rPr lang="en-US"/>
               <a:t>Click to edit Master title style</a:t>
             </a:r>
-            <a:endParaRPr lang="en-US"/>
           </a:p>
         </p:txBody>
       </p:sp>
@@ -3969,38 +4237,37 @@
           <a:p>
             <a:pPr lvl="0"/>
             <a:r>
-              <a:rPr lang="en-US" smtClean="0"/>
+              <a:rPr lang="en-US"/>
               <a:t>Click to edit Master text styles</a:t>
             </a:r>
           </a:p>
           <a:p>
             <a:pPr lvl="1"/>
             <a:r>
-              <a:rPr lang="en-US" smtClean="0"/>
+              <a:rPr lang="en-US"/>
               <a:t>Second level</a:t>
             </a:r>
           </a:p>
           <a:p>
             <a:pPr lvl="2"/>
             <a:r>
-              <a:rPr lang="en-US" smtClean="0"/>
+              <a:rPr lang="en-US"/>
               <a:t>Third level</a:t>
             </a:r>
           </a:p>
           <a:p>
             <a:pPr lvl="3"/>
             <a:r>
-              <a:rPr lang="en-US" smtClean="0"/>
+              <a:rPr lang="en-US"/>
               <a:t>Fourth level</a:t>
             </a:r>
           </a:p>
           <a:p>
             <a:pPr lvl="4"/>
             <a:r>
-              <a:rPr lang="en-US" smtClean="0"/>
+              <a:rPr lang="en-US"/>
               <a:t>Fifth level</a:t>
             </a:r>
-            <a:endParaRPr lang="en-US"/>
           </a:p>
         </p:txBody>
       </p:sp>
@@ -4063,7 +4330,7 @@
           <a:p>
             <a:pPr lvl="0"/>
             <a:r>
-              <a:rPr lang="en-US" smtClean="0"/>
+              <a:rPr lang="en-US"/>
               <a:t>Click to edit Master text styles</a:t>
             </a:r>
           </a:p>
@@ -4086,7 +4353,7 @@
           <a:p>
             <a:fld id="{699DC775-C286-4358-8C92-D7E584E969B3}" type="datetimeFigureOut">
               <a:rPr lang="en-US" smtClean="0"/>
-              <a:t>5/18/2017</a:t>
+              <a:t>12/21/2018</a:t>
             </a:fld>
             <a:endParaRPr lang="en-US"/>
           </a:p>
@@ -4180,10 +4447,9 @@
           <a:lstStyle/>
           <a:p>
             <a:r>
-              <a:rPr lang="en-US" smtClean="0"/>
+              <a:rPr lang="en-US"/>
               <a:t>Click to edit Master title style</a:t>
             </a:r>
-            <a:endParaRPr lang="en-US"/>
           </a:p>
         </p:txBody>
       </p:sp>
@@ -4204,38 +4470,37 @@
           <a:p>
             <a:pPr lvl="0"/>
             <a:r>
-              <a:rPr lang="en-US" smtClean="0"/>
+              <a:rPr lang="en-US"/>
               <a:t>Click to edit Master text styles</a:t>
             </a:r>
           </a:p>
           <a:p>
             <a:pPr lvl="1"/>
             <a:r>
-              <a:rPr lang="en-US" smtClean="0"/>
+              <a:rPr lang="en-US"/>
               <a:t>Second level</a:t>
             </a:r>
           </a:p>
           <a:p>
             <a:pPr lvl="2"/>
             <a:r>
-              <a:rPr lang="en-US" smtClean="0"/>
+              <a:rPr lang="en-US"/>
               <a:t>Third level</a:t>
             </a:r>
           </a:p>
           <a:p>
             <a:pPr lvl="3"/>
             <a:r>
-              <a:rPr lang="en-US" smtClean="0"/>
+              <a:rPr lang="en-US"/>
               <a:t>Fourth level</a:t>
             </a:r>
           </a:p>
           <a:p>
             <a:pPr lvl="4"/>
             <a:r>
-              <a:rPr lang="en-US" smtClean="0"/>
+              <a:rPr lang="en-US"/>
               <a:t>Fifth level</a:t>
             </a:r>
-            <a:endParaRPr lang="en-US"/>
           </a:p>
         </p:txBody>
       </p:sp>
@@ -4256,7 +4521,7 @@
           <a:p>
             <a:fld id="{699DC775-C286-4358-8C92-D7E584E969B3}" type="datetimeFigureOut">
               <a:rPr lang="en-US" smtClean="0"/>
-              <a:t>5/18/2017</a:t>
+              <a:t>12/21/2018</a:t>
             </a:fld>
             <a:endParaRPr lang="en-US"/>
           </a:p>
@@ -4359,10 +4624,9 @@
           </a:lstStyle>
           <a:p>
             <a:r>
-              <a:rPr lang="en-US" smtClean="0"/>
+              <a:rPr lang="en-US"/>
               <a:t>Click to edit Master title style</a:t>
             </a:r>
-            <a:endParaRPr lang="en-US"/>
           </a:p>
         </p:txBody>
       </p:sp>
@@ -4486,7 +4750,7 @@
           <a:p>
             <a:pPr lvl="0"/>
             <a:r>
-              <a:rPr lang="en-US" smtClean="0"/>
+              <a:rPr lang="en-US"/>
               <a:t>Click to edit Master text styles</a:t>
             </a:r>
           </a:p>
@@ -4509,7 +4773,7 @@
           <a:p>
             <a:fld id="{699DC775-C286-4358-8C92-D7E584E969B3}" type="datetimeFigureOut">
               <a:rPr lang="en-US" smtClean="0"/>
-              <a:t>5/18/2017</a:t>
+              <a:t>12/21/2018</a:t>
             </a:fld>
             <a:endParaRPr lang="en-US"/>
           </a:p>
@@ -4603,10 +4867,9 @@
           <a:lstStyle/>
           <a:p>
             <a:r>
-              <a:rPr lang="en-US" smtClean="0"/>
+              <a:rPr lang="en-US"/>
               <a:t>Click to edit Master title style</a:t>
             </a:r>
-            <a:endParaRPr lang="en-US"/>
           </a:p>
         </p:txBody>
       </p:sp>
@@ -4627,38 +4890,37 @@
           <a:p>
             <a:pPr lvl="0"/>
             <a:r>
-              <a:rPr lang="en-US" smtClean="0"/>
+              <a:rPr lang="en-US"/>
               <a:t>Click to edit Master text styles</a:t>
             </a:r>
           </a:p>
           <a:p>
             <a:pPr lvl="1"/>
             <a:r>
-              <a:rPr lang="en-US" smtClean="0"/>
+              <a:rPr lang="en-US"/>
               <a:t>Second level</a:t>
             </a:r>
           </a:p>
           <a:p>
             <a:pPr lvl="2"/>
             <a:r>
-              <a:rPr lang="en-US" smtClean="0"/>
+              <a:rPr lang="en-US"/>
               <a:t>Third level</a:t>
             </a:r>
           </a:p>
           <a:p>
             <a:pPr lvl="3"/>
             <a:r>
-              <a:rPr lang="en-US" smtClean="0"/>
+              <a:rPr lang="en-US"/>
               <a:t>Fourth level</a:t>
             </a:r>
           </a:p>
           <a:p>
             <a:pPr lvl="4"/>
             <a:r>
-              <a:rPr lang="en-US" smtClean="0"/>
+              <a:rPr lang="en-US"/>
               <a:t>Fifth level</a:t>
             </a:r>
-            <a:endParaRPr lang="en-US"/>
           </a:p>
         </p:txBody>
       </p:sp>
@@ -4679,7 +4941,7 @@
           <a:p>
             <a:fld id="{699DC775-C286-4358-8C92-D7E584E969B3}" type="datetimeFigureOut">
               <a:rPr lang="en-US" smtClean="0"/>
-              <a:t>5/18/2017</a:t>
+              <a:t>12/21/2018</a:t>
             </a:fld>
             <a:endParaRPr lang="en-US"/>
           </a:p>
@@ -4778,10 +5040,9 @@
           <a:lstStyle/>
           <a:p>
             <a:r>
-              <a:rPr lang="en-US" smtClean="0"/>
+              <a:rPr lang="en-US"/>
               <a:t>Click to edit Master title style</a:t>
             </a:r>
-            <a:endParaRPr lang="en-US"/>
           </a:p>
         </p:txBody>
       </p:sp>
@@ -4807,38 +5068,37 @@
           <a:p>
             <a:pPr lvl="0"/>
             <a:r>
-              <a:rPr lang="en-US" smtClean="0"/>
+              <a:rPr lang="en-US"/>
               <a:t>Click to edit Master text styles</a:t>
             </a:r>
           </a:p>
           <a:p>
             <a:pPr lvl="1"/>
             <a:r>
-              <a:rPr lang="en-US" smtClean="0"/>
+              <a:rPr lang="en-US"/>
               <a:t>Second level</a:t>
             </a:r>
           </a:p>
           <a:p>
             <a:pPr lvl="2"/>
             <a:r>
-              <a:rPr lang="en-US" smtClean="0"/>
+              <a:rPr lang="en-US"/>
               <a:t>Third level</a:t>
             </a:r>
           </a:p>
           <a:p>
             <a:pPr lvl="3"/>
             <a:r>
-              <a:rPr lang="en-US" smtClean="0"/>
+              <a:rPr lang="en-US"/>
               <a:t>Fourth level</a:t>
             </a:r>
           </a:p>
           <a:p>
             <a:pPr lvl="4"/>
             <a:r>
-              <a:rPr lang="en-US" smtClean="0"/>
+              <a:rPr lang="en-US"/>
               <a:t>Fifth level</a:t>
             </a:r>
-            <a:endParaRPr lang="en-US"/>
           </a:p>
         </p:txBody>
       </p:sp>
@@ -4859,7 +5119,7 @@
           <a:p>
             <a:fld id="{699DC775-C286-4358-8C92-D7E584E969B3}" type="datetimeFigureOut">
               <a:rPr lang="en-US" smtClean="0"/>
-              <a:t>5/18/2017</a:t>
+              <a:t>12/21/2018</a:t>
             </a:fld>
             <a:endParaRPr lang="en-US"/>
           </a:p>
@@ -4966,10 +5226,9 @@
           <a:lstStyle/>
           <a:p>
             <a:r>
-              <a:rPr lang="en-US" smtClean="0"/>
+              <a:rPr lang="en-US"/>
               <a:t>Click to edit Master title style</a:t>
             </a:r>
-            <a:endParaRPr lang="en-US"/>
           </a:p>
         </p:txBody>
       </p:sp>
@@ -5085,10 +5344,9 @@
           </a:lstStyle>
           <a:p>
             <a:r>
-              <a:rPr lang="en-US" smtClean="0"/>
+              <a:rPr lang="en-US"/>
               <a:t>Click to edit Master subtitle style</a:t>
             </a:r>
-            <a:endParaRPr lang="en-US"/>
           </a:p>
         </p:txBody>
       </p:sp>
@@ -5109,7 +5367,7 @@
           <a:p>
             <a:fld id="{699DC775-C286-4358-8C92-D7E584E969B3}" type="datetimeFigureOut">
               <a:rPr lang="en-US" smtClean="0"/>
-              <a:t>5/18/2017</a:t>
+              <a:t>12/21/2018</a:t>
             </a:fld>
             <a:endParaRPr lang="en-US"/>
           </a:p>
@@ -5211,10 +5469,9 @@
           <a:lstStyle/>
           <a:p>
             <a:r>
-              <a:rPr lang="en-US" smtClean="0"/>
+              <a:rPr lang="en-US"/>
               <a:t>Click to edit Master title style</a:t>
             </a:r>
-            <a:endParaRPr lang="en-US"/>
           </a:p>
         </p:txBody>
       </p:sp>
@@ -5235,38 +5492,37 @@
           <a:p>
             <a:pPr lvl="0"/>
             <a:r>
-              <a:rPr lang="en-US" smtClean="0"/>
+              <a:rPr lang="en-US"/>
               <a:t>Click to edit Master text styles</a:t>
             </a:r>
           </a:p>
           <a:p>
             <a:pPr lvl="1"/>
             <a:r>
-              <a:rPr lang="en-US" smtClean="0"/>
+              <a:rPr lang="en-US"/>
               <a:t>Second level</a:t>
             </a:r>
           </a:p>
           <a:p>
             <a:pPr lvl="2"/>
             <a:r>
-              <a:rPr lang="en-US" smtClean="0"/>
+              <a:rPr lang="en-US"/>
               <a:t>Third level</a:t>
             </a:r>
           </a:p>
           <a:p>
             <a:pPr lvl="3"/>
             <a:r>
-              <a:rPr lang="en-US" smtClean="0"/>
+              <a:rPr lang="en-US"/>
               <a:t>Fourth level</a:t>
             </a:r>
           </a:p>
           <a:p>
             <a:pPr lvl="4"/>
             <a:r>
-              <a:rPr lang="en-US" smtClean="0"/>
+              <a:rPr lang="en-US"/>
               <a:t>Fifth level</a:t>
             </a:r>
-            <a:endParaRPr lang="en-US"/>
           </a:p>
         </p:txBody>
       </p:sp>
@@ -5287,7 +5543,7 @@
           <a:p>
             <a:fld id="{699DC775-C286-4358-8C92-D7E584E969B3}" type="datetimeFigureOut">
               <a:rPr lang="en-US" smtClean="0"/>
-              <a:t>5/18/2017</a:t>
+              <a:t>12/21/2018</a:t>
             </a:fld>
             <a:endParaRPr lang="en-US"/>
           </a:p>
@@ -5398,10 +5654,9 @@
           </a:lstStyle>
           <a:p>
             <a:r>
-              <a:rPr lang="en-US" smtClean="0"/>
+              <a:rPr lang="en-US"/>
               <a:t>Click to edit Master title style</a:t>
             </a:r>
-            <a:endParaRPr lang="en-US"/>
           </a:p>
         </p:txBody>
       </p:sp>
@@ -5518,7 +5773,7 @@
           <a:p>
             <a:pPr lvl="0"/>
             <a:r>
-              <a:rPr lang="en-US" smtClean="0"/>
+              <a:rPr lang="en-US"/>
               <a:t>Click to edit Master text styles</a:t>
             </a:r>
           </a:p>
@@ -5541,7 +5796,7 @@
           <a:p>
             <a:fld id="{699DC775-C286-4358-8C92-D7E584E969B3}" type="datetimeFigureOut">
               <a:rPr lang="en-US" smtClean="0"/>
-              <a:t>5/18/2017</a:t>
+              <a:t>12/21/2018</a:t>
             </a:fld>
             <a:endParaRPr lang="en-US"/>
           </a:p>
@@ -5643,10 +5898,9 @@
           <a:lstStyle/>
           <a:p>
             <a:r>
-              <a:rPr lang="en-US" smtClean="0"/>
+              <a:rPr lang="en-US"/>
               <a:t>Click to edit Master title style</a:t>
             </a:r>
-            <a:endParaRPr lang="en-US"/>
           </a:p>
         </p:txBody>
       </p:sp>
@@ -5700,38 +5954,37 @@
           <a:p>
             <a:pPr lvl="0"/>
             <a:r>
-              <a:rPr lang="en-US" smtClean="0"/>
+              <a:rPr lang="en-US"/>
               <a:t>Click to edit Master text styles</a:t>
             </a:r>
           </a:p>
           <a:p>
             <a:pPr lvl="1"/>
             <a:r>
-              <a:rPr lang="en-US" smtClean="0"/>
+              <a:rPr lang="en-US"/>
               <a:t>Second level</a:t>
             </a:r>
           </a:p>
           <a:p>
             <a:pPr lvl="2"/>
             <a:r>
-              <a:rPr lang="en-US" smtClean="0"/>
+              <a:rPr lang="en-US"/>
               <a:t>Third level</a:t>
             </a:r>
           </a:p>
           <a:p>
             <a:pPr lvl="3"/>
             <a:r>
-              <a:rPr lang="en-US" smtClean="0"/>
+              <a:rPr lang="en-US"/>
               <a:t>Fourth level</a:t>
             </a:r>
           </a:p>
           <a:p>
             <a:pPr lvl="4"/>
             <a:r>
-              <a:rPr lang="en-US" smtClean="0"/>
+              <a:rPr lang="en-US"/>
               <a:t>Fifth level</a:t>
             </a:r>
-            <a:endParaRPr lang="en-US"/>
           </a:p>
         </p:txBody>
       </p:sp>
@@ -5785,38 +6038,37 @@
           <a:p>
             <a:pPr lvl="0"/>
             <a:r>
-              <a:rPr lang="en-US" smtClean="0"/>
+              <a:rPr lang="en-US"/>
               <a:t>Click to edit Master text styles</a:t>
             </a:r>
           </a:p>
           <a:p>
             <a:pPr lvl="1"/>
             <a:r>
-              <a:rPr lang="en-US" smtClean="0"/>
+              <a:rPr lang="en-US"/>
               <a:t>Second level</a:t>
             </a:r>
           </a:p>
           <a:p>
             <a:pPr lvl="2"/>
             <a:r>
-              <a:rPr lang="en-US" smtClean="0"/>
+              <a:rPr lang="en-US"/>
               <a:t>Third level</a:t>
             </a:r>
           </a:p>
           <a:p>
             <a:pPr lvl="3"/>
             <a:r>
-              <a:rPr lang="en-US" smtClean="0"/>
+              <a:rPr lang="en-US"/>
               <a:t>Fourth level</a:t>
             </a:r>
           </a:p>
           <a:p>
             <a:pPr lvl="4"/>
             <a:r>
-              <a:rPr lang="en-US" smtClean="0"/>
+              <a:rPr lang="en-US"/>
               <a:t>Fifth level</a:t>
             </a:r>
-            <a:endParaRPr lang="en-US"/>
           </a:p>
         </p:txBody>
       </p:sp>
@@ -5837,7 +6089,7 @@
           <a:p>
             <a:fld id="{699DC775-C286-4358-8C92-D7E584E969B3}" type="datetimeFigureOut">
               <a:rPr lang="en-US" smtClean="0"/>
-              <a:t>5/18/2017</a:t>
+              <a:t>12/21/2018</a:t>
             </a:fld>
             <a:endParaRPr lang="en-US"/>
           </a:p>
@@ -5943,10 +6195,9 @@
           </a:lstStyle>
           <a:p>
             <a:r>
-              <a:rPr lang="en-US" smtClean="0"/>
+              <a:rPr lang="en-US"/>
               <a:t>Click to edit Master title style</a:t>
             </a:r>
-            <a:endParaRPr lang="en-US"/>
           </a:p>
         </p:txBody>
       </p:sp>
@@ -6009,7 +6260,7 @@
           <a:p>
             <a:pPr lvl="0"/>
             <a:r>
-              <a:rPr lang="en-US" smtClean="0"/>
+              <a:rPr lang="en-US"/>
               <a:t>Click to edit Master text styles</a:t>
             </a:r>
           </a:p>
@@ -6065,38 +6316,37 @@
           <a:p>
             <a:pPr lvl="0"/>
             <a:r>
-              <a:rPr lang="en-US" smtClean="0"/>
+              <a:rPr lang="en-US"/>
               <a:t>Click to edit Master text styles</a:t>
             </a:r>
           </a:p>
           <a:p>
             <a:pPr lvl="1"/>
             <a:r>
-              <a:rPr lang="en-US" smtClean="0"/>
+              <a:rPr lang="en-US"/>
               <a:t>Second level</a:t>
             </a:r>
           </a:p>
           <a:p>
             <a:pPr lvl="2"/>
             <a:r>
-              <a:rPr lang="en-US" smtClean="0"/>
+              <a:rPr lang="en-US"/>
               <a:t>Third level</a:t>
             </a:r>
           </a:p>
           <a:p>
             <a:pPr lvl="3"/>
             <a:r>
-              <a:rPr lang="en-US" smtClean="0"/>
+              <a:rPr lang="en-US"/>
               <a:t>Fourth level</a:t>
             </a:r>
           </a:p>
           <a:p>
             <a:pPr lvl="4"/>
             <a:r>
-              <a:rPr lang="en-US" smtClean="0"/>
+              <a:rPr lang="en-US"/>
               <a:t>Fifth level</a:t>
             </a:r>
-            <a:endParaRPr lang="en-US"/>
           </a:p>
         </p:txBody>
       </p:sp>
@@ -6159,7 +6409,7 @@
           <a:p>
             <a:pPr lvl="0"/>
             <a:r>
-              <a:rPr lang="en-US" smtClean="0"/>
+              <a:rPr lang="en-US"/>
               <a:t>Click to edit Master text styles</a:t>
             </a:r>
           </a:p>
@@ -6215,38 +6465,37 @@
           <a:p>
             <a:pPr lvl="0"/>
             <a:r>
-              <a:rPr lang="en-US" smtClean="0"/>
+              <a:rPr lang="en-US"/>
               <a:t>Click to edit Master text styles</a:t>
             </a:r>
           </a:p>
           <a:p>
             <a:pPr lvl="1"/>
             <a:r>
-              <a:rPr lang="en-US" smtClean="0"/>
+              <a:rPr lang="en-US"/>
               <a:t>Second level</a:t>
             </a:r>
           </a:p>
           <a:p>
             <a:pPr lvl="2"/>
             <a:r>
-              <a:rPr lang="en-US" smtClean="0"/>
+              <a:rPr lang="en-US"/>
               <a:t>Third level</a:t>
             </a:r>
           </a:p>
           <a:p>
             <a:pPr lvl="3"/>
             <a:r>
-              <a:rPr lang="en-US" smtClean="0"/>
+              <a:rPr lang="en-US"/>
               <a:t>Fourth level</a:t>
             </a:r>
           </a:p>
           <a:p>
             <a:pPr lvl="4"/>
             <a:r>
-              <a:rPr lang="en-US" smtClean="0"/>
+              <a:rPr lang="en-US"/>
               <a:t>Fifth level</a:t>
             </a:r>
-            <a:endParaRPr lang="en-US"/>
           </a:p>
         </p:txBody>
       </p:sp>
@@ -6267,7 +6516,7 @@
           <a:p>
             <a:fld id="{699DC775-C286-4358-8C92-D7E584E969B3}" type="datetimeFigureOut">
               <a:rPr lang="en-US" smtClean="0"/>
-              <a:t>5/18/2017</a:t>
+              <a:t>12/21/2018</a:t>
             </a:fld>
             <a:endParaRPr lang="en-US"/>
           </a:p>
@@ -6369,10 +6618,9 @@
           <a:lstStyle/>
           <a:p>
             <a:r>
-              <a:rPr lang="en-US" smtClean="0"/>
+              <a:rPr lang="en-US"/>
               <a:t>Click to edit Master title style</a:t>
             </a:r>
-            <a:endParaRPr lang="en-US"/>
           </a:p>
         </p:txBody>
       </p:sp>
@@ -6393,7 +6641,7 @@
           <a:p>
             <a:fld id="{699DC775-C286-4358-8C92-D7E584E969B3}" type="datetimeFigureOut">
               <a:rPr lang="en-US" smtClean="0"/>
-              <a:t>5/18/2017</a:t>
+              <a:t>12/21/2018</a:t>
             </a:fld>
             <a:endParaRPr lang="en-US"/>
           </a:p>
@@ -6496,7 +6744,7 @@
           <a:p>
             <a:fld id="{699DC775-C286-4358-8C92-D7E584E969B3}" type="datetimeFigureOut">
               <a:rPr lang="en-US" smtClean="0"/>
-              <a:t>5/18/2017</a:t>
+              <a:t>12/21/2018</a:t>
             </a:fld>
             <a:endParaRPr lang="en-US"/>
           </a:p>
@@ -6599,10 +6847,9 @@
           </a:lstStyle>
           <a:p>
             <a:r>
-              <a:rPr lang="en-US" smtClean="0"/>
+              <a:rPr lang="en-US"/>
               <a:t>Click to edit Master title style</a:t>
             </a:r>
-            <a:endParaRPr lang="en-US"/>
           </a:p>
         </p:txBody>
       </p:sp>
@@ -6719,7 +6966,7 @@
           <a:p>
             <a:pPr lvl="0"/>
             <a:r>
-              <a:rPr lang="en-US" smtClean="0"/>
+              <a:rPr lang="en-US"/>
               <a:t>Click to edit Master text styles</a:t>
             </a:r>
           </a:p>
@@ -6742,7 +6989,7 @@
           <a:p>
             <a:fld id="{699DC775-C286-4358-8C92-D7E584E969B3}" type="datetimeFigureOut">
               <a:rPr lang="en-US" smtClean="0"/>
-              <a:t>5/18/2017</a:t>
+              <a:t>12/21/2018</a:t>
             </a:fld>
             <a:endParaRPr lang="en-US"/>
           </a:p>
@@ -6853,10 +7100,9 @@
           </a:lstStyle>
           <a:p>
             <a:r>
-              <a:rPr lang="en-US" smtClean="0"/>
+              <a:rPr lang="en-US"/>
               <a:t>Click to edit Master title style</a:t>
             </a:r>
-            <a:endParaRPr lang="en-US"/>
           </a:p>
         </p:txBody>
       </p:sp>
@@ -6910,38 +7156,37 @@
           <a:p>
             <a:pPr lvl="0"/>
             <a:r>
-              <a:rPr lang="en-US" smtClean="0"/>
+              <a:rPr lang="en-US"/>
               <a:t>Click to edit Master text styles</a:t>
             </a:r>
           </a:p>
           <a:p>
             <a:pPr lvl="1"/>
             <a:r>
-              <a:rPr lang="en-US" smtClean="0"/>
+              <a:rPr lang="en-US"/>
               <a:t>Second level</a:t>
             </a:r>
           </a:p>
           <a:p>
             <a:pPr lvl="2"/>
             <a:r>
-              <a:rPr lang="en-US" smtClean="0"/>
+              <a:rPr lang="en-US"/>
               <a:t>Third level</a:t>
             </a:r>
           </a:p>
           <a:p>
             <a:pPr lvl="3"/>
             <a:r>
-              <a:rPr lang="en-US" smtClean="0"/>
+              <a:rPr lang="en-US"/>
               <a:t>Fourth level</a:t>
             </a:r>
           </a:p>
           <a:p>
             <a:pPr lvl="4"/>
             <a:r>
-              <a:rPr lang="en-US" smtClean="0"/>
+              <a:rPr lang="en-US"/>
               <a:t>Fifth level</a:t>
             </a:r>
-            <a:endParaRPr lang="en-US"/>
           </a:p>
         </p:txBody>
       </p:sp>
@@ -7004,7 +7249,7 @@
           <a:p>
             <a:pPr lvl="0"/>
             <a:r>
-              <a:rPr lang="en-US" smtClean="0"/>
+              <a:rPr lang="en-US"/>
               <a:t>Click to edit Master text styles</a:t>
             </a:r>
           </a:p>
@@ -7027,7 +7272,7 @@
           <a:p>
             <a:fld id="{699DC775-C286-4358-8C92-D7E584E969B3}" type="datetimeFigureOut">
               <a:rPr lang="en-US" smtClean="0"/>
-              <a:t>5/18/2017</a:t>
+              <a:t>12/21/2018</a:t>
             </a:fld>
             <a:endParaRPr lang="en-US"/>
           </a:p>
@@ -7138,10 +7383,9 @@
           </a:lstStyle>
           <a:p>
             <a:r>
-              <a:rPr lang="en-US" smtClean="0"/>
+              <a:rPr lang="en-US"/>
               <a:t>Click to edit Master title style</a:t>
             </a:r>
-            <a:endParaRPr lang="en-US"/>
           </a:p>
         </p:txBody>
       </p:sp>
@@ -7265,7 +7509,7 @@
           <a:p>
             <a:pPr lvl="0"/>
             <a:r>
-              <a:rPr lang="en-US" smtClean="0"/>
+              <a:rPr lang="en-US"/>
               <a:t>Click to edit Master text styles</a:t>
             </a:r>
           </a:p>
@@ -7288,7 +7532,7 @@
           <a:p>
             <a:fld id="{699DC775-C286-4358-8C92-D7E584E969B3}" type="datetimeFigureOut">
               <a:rPr lang="en-US" smtClean="0"/>
-              <a:t>5/18/2017</a:t>
+              <a:t>12/21/2018</a:t>
             </a:fld>
             <a:endParaRPr lang="en-US"/>
           </a:p>
@@ -7390,10 +7634,9 @@
           <a:lstStyle/>
           <a:p>
             <a:r>
-              <a:rPr lang="en-US" smtClean="0"/>
+              <a:rPr lang="en-US"/>
               <a:t>Click to edit Master title style</a:t>
             </a:r>
-            <a:endParaRPr lang="en-US"/>
           </a:p>
         </p:txBody>
       </p:sp>
@@ -7414,38 +7657,37 @@
           <a:p>
             <a:pPr lvl="0"/>
             <a:r>
-              <a:rPr lang="en-US" smtClean="0"/>
+              <a:rPr lang="en-US"/>
               <a:t>Click to edit Master text styles</a:t>
             </a:r>
           </a:p>
           <a:p>
             <a:pPr lvl="1"/>
             <a:r>
-              <a:rPr lang="en-US" smtClean="0"/>
+              <a:rPr lang="en-US"/>
               <a:t>Second level</a:t>
             </a:r>
           </a:p>
           <a:p>
             <a:pPr lvl="2"/>
             <a:r>
-              <a:rPr lang="en-US" smtClean="0"/>
+              <a:rPr lang="en-US"/>
               <a:t>Third level</a:t>
             </a:r>
           </a:p>
           <a:p>
             <a:pPr lvl="3"/>
             <a:r>
-              <a:rPr lang="en-US" smtClean="0"/>
+              <a:rPr lang="en-US"/>
               <a:t>Fourth level</a:t>
             </a:r>
           </a:p>
           <a:p>
             <a:pPr lvl="4"/>
             <a:r>
-              <a:rPr lang="en-US" smtClean="0"/>
+              <a:rPr lang="en-US"/>
               <a:t>Fifth level</a:t>
             </a:r>
-            <a:endParaRPr lang="en-US"/>
           </a:p>
         </p:txBody>
       </p:sp>
@@ -7466,7 +7708,7 @@
           <a:p>
             <a:fld id="{699DC775-C286-4358-8C92-D7E584E969B3}" type="datetimeFigureOut">
               <a:rPr lang="en-US" smtClean="0"/>
-              <a:t>5/18/2017</a:t>
+              <a:t>12/21/2018</a:t>
             </a:fld>
             <a:endParaRPr lang="en-US"/>
           </a:p>
@@ -7573,10 +7815,9 @@
           <a:lstStyle/>
           <a:p>
             <a:r>
-              <a:rPr lang="en-US" smtClean="0"/>
+              <a:rPr lang="en-US"/>
               <a:t>Click to edit Master title style</a:t>
             </a:r>
-            <a:endParaRPr lang="en-US"/>
           </a:p>
         </p:txBody>
       </p:sp>
@@ -7602,38 +7843,37 @@
           <a:p>
             <a:pPr lvl="0"/>
             <a:r>
-              <a:rPr lang="en-US" smtClean="0"/>
+              <a:rPr lang="en-US"/>
               <a:t>Click to edit Master text styles</a:t>
             </a:r>
           </a:p>
           <a:p>
             <a:pPr lvl="1"/>
             <a:r>
-              <a:rPr lang="en-US" smtClean="0"/>
+              <a:rPr lang="en-US"/>
               <a:t>Second level</a:t>
             </a:r>
           </a:p>
           <a:p>
             <a:pPr lvl="2"/>
             <a:r>
-              <a:rPr lang="en-US" smtClean="0"/>
+              <a:rPr lang="en-US"/>
               <a:t>Third level</a:t>
             </a:r>
           </a:p>
           <a:p>
             <a:pPr lvl="3"/>
             <a:r>
-              <a:rPr lang="en-US" smtClean="0"/>
+              <a:rPr lang="en-US"/>
               <a:t>Fourth level</a:t>
             </a:r>
           </a:p>
           <a:p>
             <a:pPr lvl="4"/>
             <a:r>
-              <a:rPr lang="en-US" smtClean="0"/>
+              <a:rPr lang="en-US"/>
               <a:t>Fifth level</a:t>
             </a:r>
-            <a:endParaRPr lang="en-US"/>
           </a:p>
         </p:txBody>
       </p:sp>
@@ -7654,7 +7894,7 @@
           <a:p>
             <a:fld id="{699DC775-C286-4358-8C92-D7E584E969B3}" type="datetimeFigureOut">
               <a:rPr lang="en-US" smtClean="0"/>
-              <a:t>5/18/2017</a:t>
+              <a:t>12/21/2018</a:t>
             </a:fld>
             <a:endParaRPr lang="en-US"/>
           </a:p>
@@ -7748,10 +7988,9 @@
           <a:lstStyle/>
           <a:p>
             <a:r>
-              <a:rPr lang="en-US" smtClean="0"/>
+              <a:rPr lang="en-US"/>
               <a:t>Click to edit Master title style</a:t>
             </a:r>
-            <a:endParaRPr lang="en-US"/>
           </a:p>
         </p:txBody>
       </p:sp>
@@ -7805,38 +8044,37 @@
           <a:p>
             <a:pPr lvl="0"/>
             <a:r>
-              <a:rPr lang="en-US" smtClean="0"/>
+              <a:rPr lang="en-US"/>
               <a:t>Click to edit Master text styles</a:t>
             </a:r>
           </a:p>
           <a:p>
             <a:pPr lvl="1"/>
             <a:r>
-              <a:rPr lang="en-US" smtClean="0"/>
+              <a:rPr lang="en-US"/>
               <a:t>Second level</a:t>
             </a:r>
           </a:p>
           <a:p>
             <a:pPr lvl="2"/>
             <a:r>
-              <a:rPr lang="en-US" smtClean="0"/>
+              <a:rPr lang="en-US"/>
               <a:t>Third level</a:t>
             </a:r>
           </a:p>
           <a:p>
             <a:pPr lvl="3"/>
             <a:r>
-              <a:rPr lang="en-US" smtClean="0"/>
+              <a:rPr lang="en-US"/>
               <a:t>Fourth level</a:t>
             </a:r>
           </a:p>
           <a:p>
             <a:pPr lvl="4"/>
             <a:r>
-              <a:rPr lang="en-US" smtClean="0"/>
+              <a:rPr lang="en-US"/>
               <a:t>Fifth level</a:t>
             </a:r>
-            <a:endParaRPr lang="en-US"/>
           </a:p>
         </p:txBody>
       </p:sp>
@@ -7890,38 +8128,37 @@
           <a:p>
             <a:pPr lvl="0"/>
             <a:r>
-              <a:rPr lang="en-US" smtClean="0"/>
+              <a:rPr lang="en-US"/>
               <a:t>Click to edit Master text styles</a:t>
             </a:r>
           </a:p>
           <a:p>
             <a:pPr lvl="1"/>
             <a:r>
-              <a:rPr lang="en-US" smtClean="0"/>
+              <a:rPr lang="en-US"/>
               <a:t>Second level</a:t>
             </a:r>
           </a:p>
           <a:p>
             <a:pPr lvl="2"/>
             <a:r>
-              <a:rPr lang="en-US" smtClean="0"/>
+              <a:rPr lang="en-US"/>
               <a:t>Third level</a:t>
             </a:r>
           </a:p>
           <a:p>
             <a:pPr lvl="3"/>
             <a:r>
-              <a:rPr lang="en-US" smtClean="0"/>
+              <a:rPr lang="en-US"/>
               <a:t>Fourth level</a:t>
             </a:r>
           </a:p>
           <a:p>
             <a:pPr lvl="4"/>
             <a:r>
-              <a:rPr lang="en-US" smtClean="0"/>
+              <a:rPr lang="en-US"/>
               <a:t>Fifth level</a:t>
             </a:r>
-            <a:endParaRPr lang="en-US"/>
           </a:p>
         </p:txBody>
       </p:sp>
@@ -7942,7 +8179,7 @@
           <a:p>
             <a:fld id="{699DC775-C286-4358-8C92-D7E584E969B3}" type="datetimeFigureOut">
               <a:rPr lang="en-US" smtClean="0"/>
-              <a:t>5/18/2017</a:t>
+              <a:t>12/21/2018</a:t>
             </a:fld>
             <a:endParaRPr lang="en-US"/>
           </a:p>
@@ -8040,10 +8277,9 @@
           </a:lstStyle>
           <a:p>
             <a:r>
-              <a:rPr lang="en-US" smtClean="0"/>
+              <a:rPr lang="en-US"/>
               <a:t>Click to edit Master title style</a:t>
             </a:r>
-            <a:endParaRPr lang="en-US"/>
           </a:p>
         </p:txBody>
       </p:sp>
@@ -8106,7 +8342,7 @@
           <a:p>
             <a:pPr lvl="0"/>
             <a:r>
-              <a:rPr lang="en-US" smtClean="0"/>
+              <a:rPr lang="en-US"/>
               <a:t>Click to edit Master text styles</a:t>
             </a:r>
           </a:p>
@@ -8162,38 +8398,37 @@
           <a:p>
             <a:pPr lvl="0"/>
             <a:r>
-              <a:rPr lang="en-US" smtClean="0"/>
+              <a:rPr lang="en-US"/>
               <a:t>Click to edit Master text styles</a:t>
             </a:r>
           </a:p>
           <a:p>
             <a:pPr lvl="1"/>
             <a:r>
-              <a:rPr lang="en-US" smtClean="0"/>
+              <a:rPr lang="en-US"/>
               <a:t>Second level</a:t>
             </a:r>
           </a:p>
           <a:p>
             <a:pPr lvl="2"/>
             <a:r>
-              <a:rPr lang="en-US" smtClean="0"/>
+              <a:rPr lang="en-US"/>
               <a:t>Third level</a:t>
             </a:r>
           </a:p>
           <a:p>
             <a:pPr lvl="3"/>
             <a:r>
-              <a:rPr lang="en-US" smtClean="0"/>
+              <a:rPr lang="en-US"/>
               <a:t>Fourth level</a:t>
             </a:r>
           </a:p>
           <a:p>
             <a:pPr lvl="4"/>
             <a:r>
-              <a:rPr lang="en-US" smtClean="0"/>
+              <a:rPr lang="en-US"/>
               <a:t>Fifth level</a:t>
             </a:r>
-            <a:endParaRPr lang="en-US"/>
           </a:p>
         </p:txBody>
       </p:sp>
@@ -8256,7 +8491,7 @@
           <a:p>
             <a:pPr lvl="0"/>
             <a:r>
-              <a:rPr lang="en-US" smtClean="0"/>
+              <a:rPr lang="en-US"/>
               <a:t>Click to edit Master text styles</a:t>
             </a:r>
           </a:p>
@@ -8312,38 +8547,37 @@
           <a:p>
             <a:pPr lvl="0"/>
             <a:r>
-              <a:rPr lang="en-US" smtClean="0"/>
+              <a:rPr lang="en-US"/>
               <a:t>Click to edit Master text styles</a:t>
             </a:r>
           </a:p>
           <a:p>
             <a:pPr lvl="1"/>
             <a:r>
-              <a:rPr lang="en-US" smtClean="0"/>
+              <a:rPr lang="en-US"/>
               <a:t>Second level</a:t>
             </a:r>
           </a:p>
           <a:p>
             <a:pPr lvl="2"/>
             <a:r>
-              <a:rPr lang="en-US" smtClean="0"/>
+              <a:rPr lang="en-US"/>
               <a:t>Third level</a:t>
             </a:r>
           </a:p>
           <a:p>
             <a:pPr lvl="3"/>
             <a:r>
-              <a:rPr lang="en-US" smtClean="0"/>
+              <a:rPr lang="en-US"/>
               <a:t>Fourth level</a:t>
             </a:r>
           </a:p>
           <a:p>
             <a:pPr lvl="4"/>
             <a:r>
-              <a:rPr lang="en-US" smtClean="0"/>
+              <a:rPr lang="en-US"/>
               <a:t>Fifth level</a:t>
             </a:r>
-            <a:endParaRPr lang="en-US"/>
           </a:p>
         </p:txBody>
       </p:sp>
@@ -8364,7 +8598,7 @@
           <a:p>
             <a:fld id="{699DC775-C286-4358-8C92-D7E584E969B3}" type="datetimeFigureOut">
               <a:rPr lang="en-US" smtClean="0"/>
-              <a:t>5/18/2017</a:t>
+              <a:t>12/21/2018</a:t>
             </a:fld>
             <a:endParaRPr lang="en-US"/>
           </a:p>
@@ -8458,10 +8692,9 @@
           <a:lstStyle/>
           <a:p>
             <a:r>
-              <a:rPr lang="en-US" smtClean="0"/>
+              <a:rPr lang="en-US"/>
               <a:t>Click to edit Master title style</a:t>
             </a:r>
-            <a:endParaRPr lang="en-US"/>
           </a:p>
         </p:txBody>
       </p:sp>
@@ -8482,7 +8715,7 @@
           <a:p>
             <a:fld id="{699DC775-C286-4358-8C92-D7E584E969B3}" type="datetimeFigureOut">
               <a:rPr lang="en-US" smtClean="0"/>
-              <a:t>5/18/2017</a:t>
+              <a:t>12/21/2018</a:t>
             </a:fld>
             <a:endParaRPr lang="en-US"/>
           </a:p>
@@ -8577,7 +8810,7 @@
           <a:p>
             <a:fld id="{699DC775-C286-4358-8C92-D7E584E969B3}" type="datetimeFigureOut">
               <a:rPr lang="en-US" smtClean="0"/>
-              <a:t>5/18/2017</a:t>
+              <a:t>12/21/2018</a:t>
             </a:fld>
             <a:endParaRPr lang="en-US"/>
           </a:p>
@@ -8680,10 +8913,9 @@
           </a:lstStyle>
           <a:p>
             <a:r>
-              <a:rPr lang="en-US" smtClean="0"/>
+              <a:rPr lang="en-US"/>
               <a:t>Click to edit Master title style</a:t>
             </a:r>
-            <a:endParaRPr lang="en-US"/>
           </a:p>
         </p:txBody>
       </p:sp>
@@ -8737,38 +8969,37 @@
           <a:p>
             <a:pPr lvl="0"/>
             <a:r>
-              <a:rPr lang="en-US" smtClean="0"/>
+              <a:rPr lang="en-US"/>
               <a:t>Click to edit Master text styles</a:t>
             </a:r>
           </a:p>
           <a:p>
             <a:pPr lvl="1"/>
             <a:r>
-              <a:rPr lang="en-US" smtClean="0"/>
+              <a:rPr lang="en-US"/>
               <a:t>Second level</a:t>
             </a:r>
           </a:p>
           <a:p>
             <a:pPr lvl="2"/>
             <a:r>
-              <a:rPr lang="en-US" smtClean="0"/>
+              <a:rPr lang="en-US"/>
               <a:t>Third level</a:t>
             </a:r>
           </a:p>
           <a:p>
             <a:pPr lvl="3"/>
             <a:r>
-              <a:rPr lang="en-US" smtClean="0"/>
+              <a:rPr lang="en-US"/>
               <a:t>Fourth level</a:t>
             </a:r>
           </a:p>
           <a:p>
             <a:pPr lvl="4"/>
             <a:r>
-              <a:rPr lang="en-US" smtClean="0"/>
+              <a:rPr lang="en-US"/>
               <a:t>Fifth level</a:t>
             </a:r>
-            <a:endParaRPr lang="en-US"/>
           </a:p>
         </p:txBody>
       </p:sp>
@@ -8831,7 +9062,7 @@
           <a:p>
             <a:pPr lvl="0"/>
             <a:r>
-              <a:rPr lang="en-US" smtClean="0"/>
+              <a:rPr lang="en-US"/>
               <a:t>Click to edit Master text styles</a:t>
             </a:r>
           </a:p>
@@ -8854,7 +9085,7 @@
           <a:p>
             <a:fld id="{699DC775-C286-4358-8C92-D7E584E969B3}" type="datetimeFigureOut">
               <a:rPr lang="en-US" smtClean="0"/>
-              <a:t>5/18/2017</a:t>
+              <a:t>12/21/2018</a:t>
             </a:fld>
             <a:endParaRPr lang="en-US"/>
           </a:p>
@@ -8957,10 +9188,9 @@
           </a:lstStyle>
           <a:p>
             <a:r>
-              <a:rPr lang="en-US" smtClean="0"/>
+              <a:rPr lang="en-US"/>
               <a:t>Click to edit Master title style</a:t>
             </a:r>
-            <a:endParaRPr lang="en-US"/>
           </a:p>
         </p:txBody>
       </p:sp>
@@ -9084,7 +9314,7 @@
           <a:p>
             <a:pPr lvl="0"/>
             <a:r>
-              <a:rPr lang="en-US" smtClean="0"/>
+              <a:rPr lang="en-US"/>
               <a:t>Click to edit Master text styles</a:t>
             </a:r>
           </a:p>
@@ -9107,7 +9337,7 @@
           <a:p>
             <a:fld id="{699DC775-C286-4358-8C92-D7E584E969B3}" type="datetimeFigureOut">
               <a:rPr lang="en-US" smtClean="0"/>
-              <a:t>5/18/2017</a:t>
+              <a:t>12/21/2018</a:t>
             </a:fld>
             <a:endParaRPr lang="en-US"/>
           </a:p>
@@ -9216,10 +9446,9 @@
           <a:lstStyle/>
           <a:p>
             <a:r>
-              <a:rPr lang="en-US" smtClean="0"/>
+              <a:rPr lang="en-US"/>
               <a:t>Click to edit Master title style</a:t>
             </a:r>
-            <a:endParaRPr lang="en-US"/>
           </a:p>
         </p:txBody>
       </p:sp>
@@ -9250,38 +9479,37 @@
           <a:p>
             <a:pPr lvl="0"/>
             <a:r>
-              <a:rPr lang="en-US" smtClean="0"/>
+              <a:rPr lang="en-US"/>
               <a:t>Click to edit Master text styles</a:t>
             </a:r>
           </a:p>
           <a:p>
             <a:pPr lvl="1"/>
             <a:r>
-              <a:rPr lang="en-US" smtClean="0"/>
+              <a:rPr lang="en-US"/>
               <a:t>Second level</a:t>
             </a:r>
           </a:p>
           <a:p>
             <a:pPr lvl="2"/>
             <a:r>
-              <a:rPr lang="en-US" smtClean="0"/>
+              <a:rPr lang="en-US"/>
               <a:t>Third level</a:t>
             </a:r>
           </a:p>
           <a:p>
             <a:pPr lvl="3"/>
             <a:r>
-              <a:rPr lang="en-US" smtClean="0"/>
+              <a:rPr lang="en-US"/>
               <a:t>Fourth level</a:t>
             </a:r>
           </a:p>
           <a:p>
             <a:pPr lvl="4"/>
             <a:r>
-              <a:rPr lang="en-US" smtClean="0"/>
+              <a:rPr lang="en-US"/>
               <a:t>Fifth level</a:t>
             </a:r>
-            <a:endParaRPr lang="en-US"/>
           </a:p>
         </p:txBody>
       </p:sp>
@@ -9320,7 +9548,7 @@
           <a:p>
             <a:fld id="{699DC775-C286-4358-8C92-D7E584E969B3}" type="datetimeFigureOut">
               <a:rPr lang="en-US" smtClean="0"/>
-              <a:t>5/18/2017</a:t>
+              <a:t>12/21/2018</a:t>
             </a:fld>
             <a:endParaRPr lang="en-US"/>
           </a:p>
@@ -9731,10 +9959,9 @@
           <a:lstStyle/>
           <a:p>
             <a:r>
-              <a:rPr lang="en-US" smtClean="0"/>
+              <a:rPr lang="en-US"/>
               <a:t>Click to edit Master title style</a:t>
             </a:r>
-            <a:endParaRPr lang="en-US"/>
           </a:p>
         </p:txBody>
       </p:sp>
@@ -9765,38 +9992,37 @@
           <a:p>
             <a:pPr lvl="0"/>
             <a:r>
-              <a:rPr lang="en-US" smtClean="0"/>
+              <a:rPr lang="en-US"/>
               <a:t>Click to edit Master text styles</a:t>
             </a:r>
           </a:p>
           <a:p>
             <a:pPr lvl="1"/>
             <a:r>
-              <a:rPr lang="en-US" smtClean="0"/>
+              <a:rPr lang="en-US"/>
               <a:t>Second level</a:t>
             </a:r>
           </a:p>
           <a:p>
             <a:pPr lvl="2"/>
             <a:r>
-              <a:rPr lang="en-US" smtClean="0"/>
+              <a:rPr lang="en-US"/>
               <a:t>Third level</a:t>
             </a:r>
           </a:p>
           <a:p>
             <a:pPr lvl="3"/>
             <a:r>
-              <a:rPr lang="en-US" smtClean="0"/>
+              <a:rPr lang="en-US"/>
               <a:t>Fourth level</a:t>
             </a:r>
           </a:p>
           <a:p>
             <a:pPr lvl="4"/>
             <a:r>
-              <a:rPr lang="en-US" smtClean="0"/>
+              <a:rPr lang="en-US"/>
               <a:t>Fifth level</a:t>
             </a:r>
-            <a:endParaRPr lang="en-US"/>
           </a:p>
         </p:txBody>
       </p:sp>
@@ -9835,7 +10061,7 @@
           <a:p>
             <a:fld id="{699DC775-C286-4358-8C92-D7E584E969B3}" type="datetimeFigureOut">
               <a:rPr lang="en-US" smtClean="0"/>
-              <a:t>5/18/2017</a:t>
+              <a:t>12/21/2018</a:t>
             </a:fld>
             <a:endParaRPr lang="en-US"/>
           </a:p>
@@ -10244,10 +10470,9 @@
           <a:lstStyle/>
           <a:p>
             <a:r>
-              <a:rPr lang="en-US" dirty="0" smtClean="0"/>
+              <a:rPr lang="en-US" dirty="0"/>
               <a:t>Click to edit Master title style</a:t>
             </a:r>
-            <a:endParaRPr lang="en-US" dirty="0"/>
           </a:p>
         </p:txBody>
       </p:sp>
@@ -10278,38 +10503,37 @@
           <a:p>
             <a:pPr lvl="0"/>
             <a:r>
-              <a:rPr lang="en-US" smtClean="0"/>
+              <a:rPr lang="en-US"/>
               <a:t>Click to edit Master text styles</a:t>
             </a:r>
           </a:p>
           <a:p>
             <a:pPr lvl="1"/>
             <a:r>
-              <a:rPr lang="en-US" smtClean="0"/>
+              <a:rPr lang="en-US"/>
               <a:t>Second level</a:t>
             </a:r>
           </a:p>
           <a:p>
             <a:pPr lvl="2"/>
             <a:r>
-              <a:rPr lang="en-US" smtClean="0"/>
+              <a:rPr lang="en-US"/>
               <a:t>Third level</a:t>
             </a:r>
           </a:p>
           <a:p>
             <a:pPr lvl="3"/>
             <a:r>
-              <a:rPr lang="en-US" smtClean="0"/>
+              <a:rPr lang="en-US"/>
               <a:t>Fourth level</a:t>
             </a:r>
           </a:p>
           <a:p>
             <a:pPr lvl="4"/>
             <a:r>
-              <a:rPr lang="en-US" smtClean="0"/>
+              <a:rPr lang="en-US"/>
               <a:t>Fifth level</a:t>
             </a:r>
-            <a:endParaRPr lang="en-US"/>
           </a:p>
         </p:txBody>
       </p:sp>
@@ -10348,7 +10572,7 @@
           <a:p>
             <a:fld id="{699DC775-C286-4358-8C92-D7E584E969B3}" type="datetimeFigureOut">
               <a:rPr lang="en-US" smtClean="0"/>
-              <a:t>5/18/2017</a:t>
+              <a:t>12/21/2018</a:t>
             </a:fld>
             <a:endParaRPr lang="en-US"/>
           </a:p>
@@ -10741,7 +10965,7 @@
           <a:lstStyle/>
           <a:p>
             <a:r>
-              <a:rPr lang="en-US" sz="5400" b="1" dirty="0" err="1" smtClean="0">
+              <a:rPr lang="en-US" sz="5400" b="1" dirty="0" err="1">
                 <a:solidFill>
                   <a:schemeClr val="accent6">
                     <a:lumMod val="75000"/>
@@ -10751,7 +10975,7 @@
               <a:t>PowerPointLabs</a:t>
             </a:r>
             <a:r>
-              <a:rPr lang="en-US" sz="5400" b="1" dirty="0" smtClean="0">
+              <a:rPr lang="en-US" sz="5400" b="1" dirty="0">
                 <a:solidFill>
                   <a:schemeClr val="accent6">
                     <a:lumMod val="75000"/>
@@ -10789,7 +11013,7 @@
               <a:buNone/>
             </a:pPr>
             <a:r>
-              <a:rPr lang="en-US" b="1" dirty="0" smtClean="0">
+              <a:rPr lang="en-US" b="1" dirty="0">
                 <a:solidFill>
                   <a:srgbClr val="0070C0"/>
                 </a:solidFill>
@@ -10800,34 +11024,21 @@
           <a:p>
             <a:pPr marL="285750" indent="-285750"/>
             <a:r>
-              <a:rPr lang="en-US" b="1" dirty="0" smtClean="0">
-                <a:solidFill>
-                  <a:srgbClr val="0070C0"/>
-                </a:solidFill>
-              </a:rPr>
-              <a:t>DO </a:t>
-            </a:r>
-            <a:r>
               <a:rPr lang="en-US" b="1" dirty="0">
                 <a:solidFill>
                   <a:srgbClr val="0070C0"/>
                 </a:solidFill>
               </a:rPr>
-              <a:t>NOT SAVE </a:t>
+              <a:t>DO NOT SAVE </a:t>
             </a:r>
             <a:r>
-              <a:rPr lang="en-US" dirty="0" smtClean="0">
+              <a:rPr lang="en-US" dirty="0">
                 <a:solidFill>
                   <a:srgbClr val="0070C0"/>
                 </a:solidFill>
               </a:rPr>
               <a:t>these slides after testing. Keep this file in its original form.</a:t>
             </a:r>
-            <a:endParaRPr lang="en-US" dirty="0">
-              <a:solidFill>
-                <a:srgbClr val="0070C0"/>
-              </a:solidFill>
-            </a:endParaRPr>
           </a:p>
           <a:p>
             <a:pPr marL="285750" indent="-285750"/>
@@ -10837,47 +11048,7 @@
                   <a:srgbClr val="0070C0"/>
                 </a:solidFill>
               </a:rPr>
-              <a:t>If </a:t>
-            </a:r>
-            <a:r>
-              <a:rPr lang="en-US" dirty="0" smtClean="0">
-                <a:solidFill>
-                  <a:srgbClr val="0070C0"/>
-                </a:solidFill>
-              </a:rPr>
-              <a:t>your </a:t>
-            </a:r>
-            <a:r>
-              <a:rPr lang="en-US" dirty="0">
-                <a:solidFill>
-                  <a:srgbClr val="0070C0"/>
-                </a:solidFill>
-              </a:rPr>
-              <a:t>result </a:t>
-            </a:r>
-            <a:r>
-              <a:rPr lang="en-US" dirty="0" smtClean="0">
-                <a:solidFill>
-                  <a:srgbClr val="0070C0"/>
-                </a:solidFill>
-              </a:rPr>
-              <a:t>is different from the </a:t>
-            </a:r>
-            <a:r>
-              <a:rPr lang="en-US" dirty="0">
-                <a:solidFill>
-                  <a:srgbClr val="0070C0"/>
-                </a:solidFill>
-              </a:rPr>
-              <a:t>expected output, </a:t>
-            </a:r>
-            <a:r>
-              <a:rPr lang="en-US" dirty="0" smtClean="0">
-                <a:solidFill>
-                  <a:srgbClr val="0070C0"/>
-                </a:solidFill>
-              </a:rPr>
-              <a:t>please submit a bug report (attach slides/screenshots as necessary).</a:t>
+              <a:t>If your result is different from the expected output, please submit a bug report (attach slides/screenshots as necessary).</a:t>
             </a:r>
             <a:endParaRPr lang="en-SG" dirty="0">
               <a:solidFill>
@@ -11174,18 +11345,13 @@
             <a:p>
               <a:pPr algn="ctr"/>
               <a:r>
-                <a:rPr lang="en-US" smtClean="0">
+                <a:rPr lang="en-US">
                   <a:solidFill>
                     <a:srgbClr val="5A5A5A"/>
                   </a:solidFill>
                 </a:rPr>
                 <a:t>0</a:t>
               </a:r>
-              <a:endParaRPr lang="en-US">
-                <a:solidFill>
-                  <a:srgbClr val="5A5A5A"/>
-                </a:solidFill>
-              </a:endParaRPr>
             </a:p>
           </p:txBody>
         </p:sp>
@@ -11247,18 +11413,13 @@
             <a:p>
               <a:pPr algn="ctr"/>
               <a:r>
-                <a:rPr lang="en-US" smtClean="0">
+                <a:rPr lang="en-US">
                   <a:solidFill>
                     <a:srgbClr val="5A5A5A"/>
                   </a:solidFill>
                 </a:rPr>
                 <a:t>7</a:t>
               </a:r>
-              <a:endParaRPr lang="en-US">
-                <a:solidFill>
-                  <a:srgbClr val="5A5A5A"/>
-                </a:solidFill>
-              </a:endParaRPr>
             </a:p>
           </p:txBody>
         </p:sp>
@@ -11664,18 +11825,13 @@
             <a:p>
               <a:pPr algn="ctr"/>
               <a:r>
-                <a:rPr lang="en-US" smtClean="0">
+                <a:rPr lang="en-US">
                   <a:solidFill>
                     <a:srgbClr val="FF0000"/>
                   </a:solidFill>
                 </a:rPr>
                 <a:t>0</a:t>
               </a:r>
-              <a:endParaRPr lang="en-US">
-                <a:solidFill>
-                  <a:srgbClr val="FF0000"/>
-                </a:solidFill>
-              </a:endParaRPr>
             </a:p>
           </p:txBody>
         </p:sp>
@@ -11737,18 +11893,13 @@
             <a:p>
               <a:pPr algn="ctr"/>
               <a:r>
-                <a:rPr lang="en-US" smtClean="0">
+                <a:rPr lang="en-US">
                   <a:solidFill>
                     <a:srgbClr val="FF0000"/>
                   </a:solidFill>
                 </a:rPr>
                 <a:t>7</a:t>
               </a:r>
-              <a:endParaRPr lang="en-US">
-                <a:solidFill>
-                  <a:srgbClr val="FF0000"/>
-                </a:solidFill>
-              </a:endParaRPr>
             </a:p>
           </p:txBody>
         </p:sp>
@@ -13540,18 +13691,13 @@
             <a:p>
               <a:pPr algn="ctr"/>
               <a:r>
-                <a:rPr lang="en-US" smtClean="0">
+                <a:rPr lang="en-US">
                   <a:solidFill>
                     <a:srgbClr val="FF0000"/>
                   </a:solidFill>
                 </a:rPr>
                 <a:t>0</a:t>
               </a:r>
-              <a:endParaRPr lang="en-US">
-                <a:solidFill>
-                  <a:srgbClr val="FF0000"/>
-                </a:solidFill>
-              </a:endParaRPr>
             </a:p>
           </p:txBody>
         </p:sp>
@@ -13613,18 +13759,13 @@
             <a:p>
               <a:pPr algn="ctr"/>
               <a:r>
-                <a:rPr lang="en-US" smtClean="0">
+                <a:rPr lang="en-US">
                   <a:solidFill>
                     <a:srgbClr val="FF0000"/>
                   </a:solidFill>
                 </a:rPr>
                 <a:t>1</a:t>
               </a:r>
-              <a:endParaRPr lang="en-US">
-                <a:solidFill>
-                  <a:srgbClr val="FF0000"/>
-                </a:solidFill>
-              </a:endParaRPr>
             </a:p>
           </p:txBody>
         </p:sp>
@@ -13686,18 +13827,13 @@
             <a:p>
               <a:pPr algn="ctr"/>
               <a:r>
-                <a:rPr lang="en-US" smtClean="0">
+                <a:rPr lang="en-US">
                   <a:solidFill>
                     <a:srgbClr val="FF0000"/>
                   </a:solidFill>
                 </a:rPr>
                 <a:t>2</a:t>
               </a:r>
-              <a:endParaRPr lang="en-US">
-                <a:solidFill>
-                  <a:srgbClr val="FF0000"/>
-                </a:solidFill>
-              </a:endParaRPr>
             </a:p>
           </p:txBody>
         </p:sp>
@@ -13759,18 +13895,13 @@
             <a:p>
               <a:pPr algn="ctr"/>
               <a:r>
-                <a:rPr lang="en-US" smtClean="0">
+                <a:rPr lang="en-US">
                   <a:solidFill>
                     <a:srgbClr val="FF0000"/>
                   </a:solidFill>
                 </a:rPr>
                 <a:t>3</a:t>
               </a:r>
-              <a:endParaRPr lang="en-US">
-                <a:solidFill>
-                  <a:srgbClr val="FF0000"/>
-                </a:solidFill>
-              </a:endParaRPr>
             </a:p>
           </p:txBody>
         </p:sp>
@@ -13832,18 +13963,13 @@
             <a:p>
               <a:pPr algn="ctr"/>
               <a:r>
-                <a:rPr lang="en-US" smtClean="0">
+                <a:rPr lang="en-US">
                   <a:solidFill>
                     <a:srgbClr val="FF0000"/>
                   </a:solidFill>
                 </a:rPr>
                 <a:t>4</a:t>
               </a:r>
-              <a:endParaRPr lang="en-US">
-                <a:solidFill>
-                  <a:srgbClr val="FF0000"/>
-                </a:solidFill>
-              </a:endParaRPr>
             </a:p>
           </p:txBody>
         </p:sp>
@@ -13905,18 +14031,13 @@
             <a:p>
               <a:pPr algn="ctr"/>
               <a:r>
-                <a:rPr lang="en-US" smtClean="0">
+                <a:rPr lang="en-US">
                   <a:solidFill>
                     <a:srgbClr val="FF0000"/>
                   </a:solidFill>
                 </a:rPr>
                 <a:t>4.56</a:t>
               </a:r>
-              <a:endParaRPr lang="en-US">
-                <a:solidFill>
-                  <a:srgbClr val="FF0000"/>
-                </a:solidFill>
-              </a:endParaRPr>
             </a:p>
           </p:txBody>
         </p:sp>
@@ -15824,18 +15945,13 @@
             <a:p>
               <a:pPr algn="ctr"/>
               <a:r>
-                <a:rPr lang="en-US" smtClean="0">
+                <a:rPr lang="en-US">
                   <a:solidFill>
                     <a:srgbClr val="FF0000"/>
                   </a:solidFill>
                 </a:rPr>
                 <a:t>0</a:t>
               </a:r>
-              <a:endParaRPr lang="en-US">
-                <a:solidFill>
-                  <a:srgbClr val="FF0000"/>
-                </a:solidFill>
-              </a:endParaRPr>
             </a:p>
           </p:txBody>
         </p:sp>
@@ -15897,18 +16013,13 @@
             <a:p>
               <a:pPr algn="ctr"/>
               <a:r>
-                <a:rPr lang="en-US" smtClean="0">
+                <a:rPr lang="en-US">
                   <a:solidFill>
                     <a:srgbClr val="FF0000"/>
                   </a:solidFill>
                 </a:rPr>
                 <a:t>1</a:t>
               </a:r>
-              <a:endParaRPr lang="en-US">
-                <a:solidFill>
-                  <a:srgbClr val="FF0000"/>
-                </a:solidFill>
-              </a:endParaRPr>
             </a:p>
           </p:txBody>
         </p:sp>
@@ -15970,18 +16081,13 @@
             <a:p>
               <a:pPr algn="ctr"/>
               <a:r>
-                <a:rPr lang="en-US" smtClean="0">
+                <a:rPr lang="en-US">
                   <a:solidFill>
                     <a:srgbClr val="FF0000"/>
                   </a:solidFill>
                 </a:rPr>
                 <a:t>2</a:t>
               </a:r>
-              <a:endParaRPr lang="en-US">
-                <a:solidFill>
-                  <a:srgbClr val="FF0000"/>
-                </a:solidFill>
-              </a:endParaRPr>
             </a:p>
           </p:txBody>
         </p:sp>
@@ -16043,18 +16149,13 @@
             <a:p>
               <a:pPr algn="ctr"/>
               <a:r>
-                <a:rPr lang="en-US" smtClean="0">
+                <a:rPr lang="en-US">
                   <a:solidFill>
                     <a:srgbClr val="FF0000"/>
                   </a:solidFill>
                 </a:rPr>
                 <a:t>3</a:t>
               </a:r>
-              <a:endParaRPr lang="en-US">
-                <a:solidFill>
-                  <a:srgbClr val="FF0000"/>
-                </a:solidFill>
-              </a:endParaRPr>
             </a:p>
           </p:txBody>
         </p:sp>
@@ -16116,18 +16217,13 @@
             <a:p>
               <a:pPr algn="ctr"/>
               <a:r>
-                <a:rPr lang="en-US" smtClean="0">
+                <a:rPr lang="en-US">
                   <a:solidFill>
                     <a:srgbClr val="FF0000"/>
                   </a:solidFill>
                 </a:rPr>
                 <a:t>4</a:t>
               </a:r>
-              <a:endParaRPr lang="en-US">
-                <a:solidFill>
-                  <a:srgbClr val="FF0000"/>
-                </a:solidFill>
-              </a:endParaRPr>
             </a:p>
           </p:txBody>
         </p:sp>
@@ -16189,18 +16285,13 @@
             <a:p>
               <a:pPr algn="ctr"/>
               <a:r>
-                <a:rPr lang="en-US" smtClean="0">
+                <a:rPr lang="en-US">
                   <a:solidFill>
                     <a:srgbClr val="FF0000"/>
                   </a:solidFill>
                 </a:rPr>
                 <a:t>5</a:t>
               </a:r>
-              <a:endParaRPr lang="en-US">
-                <a:solidFill>
-                  <a:srgbClr val="FF0000"/>
-                </a:solidFill>
-              </a:endParaRPr>
             </a:p>
           </p:txBody>
         </p:sp>
@@ -16262,18 +16353,13 @@
             <a:p>
               <a:pPr algn="ctr"/>
               <a:r>
-                <a:rPr lang="en-US" smtClean="0">
+                <a:rPr lang="en-US">
                   <a:solidFill>
                     <a:srgbClr val="FF0000"/>
                   </a:solidFill>
                 </a:rPr>
                 <a:t>6</a:t>
               </a:r>
-              <a:endParaRPr lang="en-US">
-                <a:solidFill>
-                  <a:srgbClr val="FF0000"/>
-                </a:solidFill>
-              </a:endParaRPr>
             </a:p>
           </p:txBody>
         </p:sp>
@@ -16526,6 +16612,5533 @@
 </p:sld>
 </file>
 
+<file path=ppt/slides/slide14.xml><?xml version="1.0" encoding="utf-8"?>
+<p:sld xmlns:a="http://schemas.openxmlformats.org/drawingml/2006/main" xmlns:r="http://schemas.openxmlformats.org/officeDocument/2006/relationships" xmlns:p="http://schemas.openxmlformats.org/presentationml/2006/main">
+  <p:cSld>
+    <p:bg>
+      <p:bgPr>
+        <a:solidFill>
+          <a:schemeClr val="bg1"/>
+        </a:solidFill>
+        <a:effectLst/>
+      </p:bgPr>
+    </p:bg>
+    <p:spTree>
+      <p:nvGrpSpPr>
+        <p:cNvPr id="1" name=""/>
+        <p:cNvGrpSpPr/>
+        <p:nvPr/>
+      </p:nvGrpSpPr>
+      <p:grpSpPr>
+        <a:xfrm>
+          <a:off x="0" y="0"/>
+          <a:ext cx="0" cy="0"/>
+          <a:chOff x="0" y="0"/>
+          <a:chExt cx="0" cy="0"/>
+        </a:xfrm>
+      </p:grpSpPr>
+      <p:sp>
+        <p:nvSpPr>
+          <p:cNvPr id="16" name="TimerBody"/>
+          <p:cNvSpPr/>
+          <p:nvPr>
+            <p:custDataLst>
+              <p:tags r:id="rId1"/>
+            </p:custDataLst>
+          </p:nvPr>
+        </p:nvSpPr>
+        <p:spPr>
+          <a:xfrm>
+            <a:off x="419100" y="889000"/>
+            <a:ext cx="8305800" cy="5080000"/>
+          </a:xfrm>
+          <a:prstGeom prst="rect">
+            <a:avLst/>
+          </a:prstGeom>
+          <a:solidFill>
+            <a:srgbClr val="44546A"/>
+          </a:solidFill>
+          <a:ln>
+            <a:solidFill>
+              <a:srgbClr val="44546A"/>
+            </a:solidFill>
+          </a:ln>
+        </p:spPr>
+        <p:style>
+          <a:lnRef idx="2">
+            <a:schemeClr val="accent1">
+              <a:shade val="50000"/>
+            </a:schemeClr>
+          </a:lnRef>
+          <a:fillRef idx="1">
+            <a:schemeClr val="accent1"/>
+          </a:fillRef>
+          <a:effectRef idx="0">
+            <a:schemeClr val="accent1"/>
+          </a:effectRef>
+          <a:fontRef idx="minor">
+            <a:schemeClr val="lt1"/>
+          </a:fontRef>
+        </p:style>
+        <p:txBody>
+          <a:bodyPr rtlCol="0" anchor="ctr"/>
+          <a:lstStyle/>
+          <a:p>
+            <a:pPr algn="ctr"/>
+            <a:endParaRPr lang="en-US"/>
+          </a:p>
+        </p:txBody>
+      </p:sp>
+      <p:grpSp>
+        <p:nvGrpSpPr>
+          <p:cNvPr id="135" name="TimerLineMarkerGroup">
+            <a:extLst>
+              <a:ext uri="{FF2B5EF4-FFF2-40B4-BE49-F238E27FC236}">
+                <a16:creationId xmlns:a16="http://schemas.microsoft.com/office/drawing/2014/main" id="{9F5DAEC3-42EA-4A5D-8925-DF0F5BA61899}"/>
+              </a:ext>
+            </a:extLst>
+          </p:cNvPr>
+          <p:cNvGrpSpPr/>
+          <p:nvPr>
+            <p:custDataLst>
+              <p:tags r:id="rId2"/>
+            </p:custDataLst>
+          </p:nvPr>
+        </p:nvGrpSpPr>
+        <p:grpSpPr>
+          <a:xfrm>
+            <a:off x="649816" y="889000"/>
+            <a:ext cx="7844367" cy="5080000"/>
+            <a:chOff x="211667" y="0"/>
+            <a:chExt cx="7196666" cy="635000"/>
+          </a:xfrm>
+        </p:grpSpPr>
+        <p:cxnSp>
+          <p:nvCxnSpPr>
+            <p:cNvPr id="50" name="TimerLineMarker10">
+              <a:extLst>
+                <a:ext uri="{FF2B5EF4-FFF2-40B4-BE49-F238E27FC236}">
+                  <a16:creationId xmlns:a16="http://schemas.microsoft.com/office/drawing/2014/main" id="{CDD74748-F803-41DB-A11D-28DB1EAD3DE8}"/>
+                </a:ext>
+              </a:extLst>
+            </p:cNvPr>
+            <p:cNvCxnSpPr/>
+            <p:nvPr>
+              <p:custDataLst>
+                <p:tags r:id="rId13"/>
+              </p:custDataLst>
+            </p:nvPr>
+          </p:nvCxnSpPr>
+          <p:spPr>
+            <a:xfrm>
+              <a:off x="211667" y="0"/>
+              <a:ext cx="0" cy="635000"/>
+            </a:xfrm>
+            <a:prstGeom prst="line">
+              <a:avLst/>
+            </a:prstGeom>
+            <a:ln w="25400">
+              <a:solidFill>
+                <a:srgbClr val="4472C4"/>
+              </a:solidFill>
+            </a:ln>
+          </p:spPr>
+          <p:style>
+            <a:lnRef idx="1">
+              <a:schemeClr val="accent1"/>
+            </a:lnRef>
+            <a:fillRef idx="0">
+              <a:schemeClr val="accent1"/>
+            </a:fillRef>
+            <a:effectRef idx="0">
+              <a:schemeClr val="accent1"/>
+            </a:effectRef>
+            <a:fontRef idx="minor">
+              <a:schemeClr val="tx1"/>
+            </a:fontRef>
+          </p:style>
+        </p:cxnSp>
+        <p:cxnSp>
+          <p:nvCxnSpPr>
+            <p:cNvPr id="51" name="TimerLineMarker20">
+              <a:extLst>
+                <a:ext uri="{FF2B5EF4-FFF2-40B4-BE49-F238E27FC236}">
+                  <a16:creationId xmlns:a16="http://schemas.microsoft.com/office/drawing/2014/main" id="{300EA491-B075-4426-AFCD-B4AF95290A84}"/>
+                </a:ext>
+              </a:extLst>
+            </p:cNvPr>
+            <p:cNvCxnSpPr/>
+            <p:nvPr>
+              <p:custDataLst>
+                <p:tags r:id="rId14"/>
+              </p:custDataLst>
+            </p:nvPr>
+          </p:nvCxnSpPr>
+          <p:spPr>
+            <a:xfrm>
+              <a:off x="423333" y="0"/>
+              <a:ext cx="0" cy="635000"/>
+            </a:xfrm>
+            <a:prstGeom prst="line">
+              <a:avLst/>
+            </a:prstGeom>
+            <a:ln w="25400">
+              <a:solidFill>
+                <a:srgbClr val="4472C4"/>
+              </a:solidFill>
+            </a:ln>
+          </p:spPr>
+          <p:style>
+            <a:lnRef idx="1">
+              <a:schemeClr val="accent1"/>
+            </a:lnRef>
+            <a:fillRef idx="0">
+              <a:schemeClr val="accent1"/>
+            </a:fillRef>
+            <a:effectRef idx="0">
+              <a:schemeClr val="accent1"/>
+            </a:effectRef>
+            <a:fontRef idx="minor">
+              <a:schemeClr val="tx1"/>
+            </a:fontRef>
+          </p:style>
+        </p:cxnSp>
+        <p:cxnSp>
+          <p:nvCxnSpPr>
+            <p:cNvPr id="52" name="TimerLineMarker30">
+              <a:extLst>
+                <a:ext uri="{FF2B5EF4-FFF2-40B4-BE49-F238E27FC236}">
+                  <a16:creationId xmlns:a16="http://schemas.microsoft.com/office/drawing/2014/main" id="{7EC522B0-5B53-4E77-BDD6-67967B55CCF4}"/>
+                </a:ext>
+              </a:extLst>
+            </p:cNvPr>
+            <p:cNvCxnSpPr/>
+            <p:nvPr>
+              <p:custDataLst>
+                <p:tags r:id="rId15"/>
+              </p:custDataLst>
+            </p:nvPr>
+          </p:nvCxnSpPr>
+          <p:spPr>
+            <a:xfrm>
+              <a:off x="635000" y="0"/>
+              <a:ext cx="0" cy="635000"/>
+            </a:xfrm>
+            <a:prstGeom prst="line">
+              <a:avLst/>
+            </a:prstGeom>
+            <a:ln w="25400">
+              <a:solidFill>
+                <a:srgbClr val="4472C4"/>
+              </a:solidFill>
+            </a:ln>
+          </p:spPr>
+          <p:style>
+            <a:lnRef idx="1">
+              <a:schemeClr val="accent1"/>
+            </a:lnRef>
+            <a:fillRef idx="0">
+              <a:schemeClr val="accent1"/>
+            </a:fillRef>
+            <a:effectRef idx="0">
+              <a:schemeClr val="accent1"/>
+            </a:effectRef>
+            <a:fontRef idx="minor">
+              <a:schemeClr val="tx1"/>
+            </a:fontRef>
+          </p:style>
+        </p:cxnSp>
+        <p:cxnSp>
+          <p:nvCxnSpPr>
+            <p:cNvPr id="53" name="TimerLineMarker40">
+              <a:extLst>
+                <a:ext uri="{FF2B5EF4-FFF2-40B4-BE49-F238E27FC236}">
+                  <a16:creationId xmlns:a16="http://schemas.microsoft.com/office/drawing/2014/main" id="{AC9E3090-311D-49CB-A1EC-F44D0E8BC8D9}"/>
+                </a:ext>
+              </a:extLst>
+            </p:cNvPr>
+            <p:cNvCxnSpPr/>
+            <p:nvPr>
+              <p:custDataLst>
+                <p:tags r:id="rId16"/>
+              </p:custDataLst>
+            </p:nvPr>
+          </p:nvCxnSpPr>
+          <p:spPr>
+            <a:xfrm>
+              <a:off x="846667" y="0"/>
+              <a:ext cx="0" cy="635000"/>
+            </a:xfrm>
+            <a:prstGeom prst="line">
+              <a:avLst/>
+            </a:prstGeom>
+            <a:ln w="25400">
+              <a:solidFill>
+                <a:srgbClr val="4472C4"/>
+              </a:solidFill>
+            </a:ln>
+          </p:spPr>
+          <p:style>
+            <a:lnRef idx="1">
+              <a:schemeClr val="accent1"/>
+            </a:lnRef>
+            <a:fillRef idx="0">
+              <a:schemeClr val="accent1"/>
+            </a:fillRef>
+            <a:effectRef idx="0">
+              <a:schemeClr val="accent1"/>
+            </a:effectRef>
+            <a:fontRef idx="minor">
+              <a:schemeClr val="tx1"/>
+            </a:fontRef>
+          </p:style>
+        </p:cxnSp>
+        <p:cxnSp>
+          <p:nvCxnSpPr>
+            <p:cNvPr id="54" name="TimerLineMarker50">
+              <a:extLst>
+                <a:ext uri="{FF2B5EF4-FFF2-40B4-BE49-F238E27FC236}">
+                  <a16:creationId xmlns:a16="http://schemas.microsoft.com/office/drawing/2014/main" id="{7F44E3BB-593B-4C83-81F3-6266F7D11A8D}"/>
+                </a:ext>
+              </a:extLst>
+            </p:cNvPr>
+            <p:cNvCxnSpPr/>
+            <p:nvPr>
+              <p:custDataLst>
+                <p:tags r:id="rId17"/>
+              </p:custDataLst>
+            </p:nvPr>
+          </p:nvCxnSpPr>
+          <p:spPr>
+            <a:xfrm>
+              <a:off x="1058333" y="0"/>
+              <a:ext cx="0" cy="635000"/>
+            </a:xfrm>
+            <a:prstGeom prst="line">
+              <a:avLst/>
+            </a:prstGeom>
+            <a:ln w="25400">
+              <a:solidFill>
+                <a:srgbClr val="4472C4"/>
+              </a:solidFill>
+            </a:ln>
+          </p:spPr>
+          <p:style>
+            <a:lnRef idx="1">
+              <a:schemeClr val="accent1"/>
+            </a:lnRef>
+            <a:fillRef idx="0">
+              <a:schemeClr val="accent1"/>
+            </a:fillRef>
+            <a:effectRef idx="0">
+              <a:schemeClr val="accent1"/>
+            </a:effectRef>
+            <a:fontRef idx="minor">
+              <a:schemeClr val="tx1"/>
+            </a:fontRef>
+          </p:style>
+        </p:cxnSp>
+        <p:cxnSp>
+          <p:nvCxnSpPr>
+            <p:cNvPr id="56" name="TimerLineMarker60">
+              <a:extLst>
+                <a:ext uri="{FF2B5EF4-FFF2-40B4-BE49-F238E27FC236}">
+                  <a16:creationId xmlns:a16="http://schemas.microsoft.com/office/drawing/2014/main" id="{B1496781-42C8-4EFC-9C96-9DBD921F7341}"/>
+                </a:ext>
+              </a:extLst>
+            </p:cNvPr>
+            <p:cNvCxnSpPr/>
+            <p:nvPr>
+              <p:custDataLst>
+                <p:tags r:id="rId18"/>
+              </p:custDataLst>
+            </p:nvPr>
+          </p:nvCxnSpPr>
+          <p:spPr>
+            <a:xfrm>
+              <a:off x="1270000" y="0"/>
+              <a:ext cx="0" cy="635000"/>
+            </a:xfrm>
+            <a:prstGeom prst="line">
+              <a:avLst/>
+            </a:prstGeom>
+            <a:ln w="50800">
+              <a:solidFill>
+                <a:srgbClr val="4472C4"/>
+              </a:solidFill>
+            </a:ln>
+          </p:spPr>
+          <p:style>
+            <a:lnRef idx="1">
+              <a:schemeClr val="accent1"/>
+            </a:lnRef>
+            <a:fillRef idx="0">
+              <a:schemeClr val="accent1"/>
+            </a:fillRef>
+            <a:effectRef idx="0">
+              <a:schemeClr val="accent1"/>
+            </a:effectRef>
+            <a:fontRef idx="minor">
+              <a:schemeClr val="tx1"/>
+            </a:fontRef>
+          </p:style>
+        </p:cxnSp>
+        <p:cxnSp>
+          <p:nvCxnSpPr>
+            <p:cNvPr id="57" name="TimerLineMarker70">
+              <a:extLst>
+                <a:ext uri="{FF2B5EF4-FFF2-40B4-BE49-F238E27FC236}">
+                  <a16:creationId xmlns:a16="http://schemas.microsoft.com/office/drawing/2014/main" id="{AF2602BB-182B-4F8F-927F-4ACB94594D24}"/>
+                </a:ext>
+              </a:extLst>
+            </p:cNvPr>
+            <p:cNvCxnSpPr/>
+            <p:nvPr>
+              <p:custDataLst>
+                <p:tags r:id="rId19"/>
+              </p:custDataLst>
+            </p:nvPr>
+          </p:nvCxnSpPr>
+          <p:spPr>
+            <a:xfrm>
+              <a:off x="1481667" y="0"/>
+              <a:ext cx="0" cy="635000"/>
+            </a:xfrm>
+            <a:prstGeom prst="line">
+              <a:avLst/>
+            </a:prstGeom>
+            <a:ln w="25400">
+              <a:solidFill>
+                <a:srgbClr val="4472C4"/>
+              </a:solidFill>
+            </a:ln>
+          </p:spPr>
+          <p:style>
+            <a:lnRef idx="1">
+              <a:schemeClr val="accent1"/>
+            </a:lnRef>
+            <a:fillRef idx="0">
+              <a:schemeClr val="accent1"/>
+            </a:fillRef>
+            <a:effectRef idx="0">
+              <a:schemeClr val="accent1"/>
+            </a:effectRef>
+            <a:fontRef idx="minor">
+              <a:schemeClr val="tx1"/>
+            </a:fontRef>
+          </p:style>
+        </p:cxnSp>
+        <p:cxnSp>
+          <p:nvCxnSpPr>
+            <p:cNvPr id="58" name="TimerLineMarker80">
+              <a:extLst>
+                <a:ext uri="{FF2B5EF4-FFF2-40B4-BE49-F238E27FC236}">
+                  <a16:creationId xmlns:a16="http://schemas.microsoft.com/office/drawing/2014/main" id="{0F8B5470-3317-4CFB-9B12-3D02F29F9C33}"/>
+                </a:ext>
+              </a:extLst>
+            </p:cNvPr>
+            <p:cNvCxnSpPr/>
+            <p:nvPr>
+              <p:custDataLst>
+                <p:tags r:id="rId20"/>
+              </p:custDataLst>
+            </p:nvPr>
+          </p:nvCxnSpPr>
+          <p:spPr>
+            <a:xfrm>
+              <a:off x="1693333" y="0"/>
+              <a:ext cx="0" cy="635000"/>
+            </a:xfrm>
+            <a:prstGeom prst="line">
+              <a:avLst/>
+            </a:prstGeom>
+            <a:ln w="25400">
+              <a:solidFill>
+                <a:srgbClr val="4472C4"/>
+              </a:solidFill>
+            </a:ln>
+          </p:spPr>
+          <p:style>
+            <a:lnRef idx="1">
+              <a:schemeClr val="accent1"/>
+            </a:lnRef>
+            <a:fillRef idx="0">
+              <a:schemeClr val="accent1"/>
+            </a:fillRef>
+            <a:effectRef idx="0">
+              <a:schemeClr val="accent1"/>
+            </a:effectRef>
+            <a:fontRef idx="minor">
+              <a:schemeClr val="tx1"/>
+            </a:fontRef>
+          </p:style>
+        </p:cxnSp>
+        <p:cxnSp>
+          <p:nvCxnSpPr>
+            <p:cNvPr id="59" name="TimerLineMarker90">
+              <a:extLst>
+                <a:ext uri="{FF2B5EF4-FFF2-40B4-BE49-F238E27FC236}">
+                  <a16:creationId xmlns:a16="http://schemas.microsoft.com/office/drawing/2014/main" id="{CF0531E6-50BD-41BD-A766-9685F350A2AC}"/>
+                </a:ext>
+              </a:extLst>
+            </p:cNvPr>
+            <p:cNvCxnSpPr/>
+            <p:nvPr>
+              <p:custDataLst>
+                <p:tags r:id="rId21"/>
+              </p:custDataLst>
+            </p:nvPr>
+          </p:nvCxnSpPr>
+          <p:spPr>
+            <a:xfrm>
+              <a:off x="1905000" y="0"/>
+              <a:ext cx="0" cy="635000"/>
+            </a:xfrm>
+            <a:prstGeom prst="line">
+              <a:avLst/>
+            </a:prstGeom>
+            <a:ln w="25400">
+              <a:solidFill>
+                <a:srgbClr val="4472C4"/>
+              </a:solidFill>
+            </a:ln>
+          </p:spPr>
+          <p:style>
+            <a:lnRef idx="1">
+              <a:schemeClr val="accent1"/>
+            </a:lnRef>
+            <a:fillRef idx="0">
+              <a:schemeClr val="accent1"/>
+            </a:fillRef>
+            <a:effectRef idx="0">
+              <a:schemeClr val="accent1"/>
+            </a:effectRef>
+            <a:fontRef idx="minor">
+              <a:schemeClr val="tx1"/>
+            </a:fontRef>
+          </p:style>
+        </p:cxnSp>
+        <p:cxnSp>
+          <p:nvCxnSpPr>
+            <p:cNvPr id="60" name="TimerLineMarker100">
+              <a:extLst>
+                <a:ext uri="{FF2B5EF4-FFF2-40B4-BE49-F238E27FC236}">
+                  <a16:creationId xmlns:a16="http://schemas.microsoft.com/office/drawing/2014/main" id="{4AA9AB36-8D1F-408D-82FD-6ED420D8438A}"/>
+                </a:ext>
+              </a:extLst>
+            </p:cNvPr>
+            <p:cNvCxnSpPr/>
+            <p:nvPr>
+              <p:custDataLst>
+                <p:tags r:id="rId22"/>
+              </p:custDataLst>
+            </p:nvPr>
+          </p:nvCxnSpPr>
+          <p:spPr>
+            <a:xfrm>
+              <a:off x="2116667" y="0"/>
+              <a:ext cx="0" cy="635000"/>
+            </a:xfrm>
+            <a:prstGeom prst="line">
+              <a:avLst/>
+            </a:prstGeom>
+            <a:ln w="25400">
+              <a:solidFill>
+                <a:srgbClr val="4472C4"/>
+              </a:solidFill>
+            </a:ln>
+          </p:spPr>
+          <p:style>
+            <a:lnRef idx="1">
+              <a:schemeClr val="accent1"/>
+            </a:lnRef>
+            <a:fillRef idx="0">
+              <a:schemeClr val="accent1"/>
+            </a:fillRef>
+            <a:effectRef idx="0">
+              <a:schemeClr val="accent1"/>
+            </a:effectRef>
+            <a:fontRef idx="minor">
+              <a:schemeClr val="tx1"/>
+            </a:fontRef>
+          </p:style>
+        </p:cxnSp>
+        <p:cxnSp>
+          <p:nvCxnSpPr>
+            <p:cNvPr id="61" name="TimerLineMarker110">
+              <a:extLst>
+                <a:ext uri="{FF2B5EF4-FFF2-40B4-BE49-F238E27FC236}">
+                  <a16:creationId xmlns:a16="http://schemas.microsoft.com/office/drawing/2014/main" id="{C2BADAC7-68D3-4023-BA88-79F3EC181CEF}"/>
+                </a:ext>
+              </a:extLst>
+            </p:cNvPr>
+            <p:cNvCxnSpPr/>
+            <p:nvPr>
+              <p:custDataLst>
+                <p:tags r:id="rId23"/>
+              </p:custDataLst>
+            </p:nvPr>
+          </p:nvCxnSpPr>
+          <p:spPr>
+            <a:xfrm>
+              <a:off x="2328333" y="0"/>
+              <a:ext cx="0" cy="635000"/>
+            </a:xfrm>
+            <a:prstGeom prst="line">
+              <a:avLst/>
+            </a:prstGeom>
+            <a:ln w="25400">
+              <a:solidFill>
+                <a:srgbClr val="4472C4"/>
+              </a:solidFill>
+            </a:ln>
+          </p:spPr>
+          <p:style>
+            <a:lnRef idx="1">
+              <a:schemeClr val="accent1"/>
+            </a:lnRef>
+            <a:fillRef idx="0">
+              <a:schemeClr val="accent1"/>
+            </a:fillRef>
+            <a:effectRef idx="0">
+              <a:schemeClr val="accent1"/>
+            </a:effectRef>
+            <a:fontRef idx="minor">
+              <a:schemeClr val="tx1"/>
+            </a:fontRef>
+          </p:style>
+        </p:cxnSp>
+        <p:cxnSp>
+          <p:nvCxnSpPr>
+            <p:cNvPr id="63" name="TimerLineMarker120">
+              <a:extLst>
+                <a:ext uri="{FF2B5EF4-FFF2-40B4-BE49-F238E27FC236}">
+                  <a16:creationId xmlns:a16="http://schemas.microsoft.com/office/drawing/2014/main" id="{03CC66A2-D597-4C3D-B082-1CB8ACD8C28C}"/>
+                </a:ext>
+              </a:extLst>
+            </p:cNvPr>
+            <p:cNvCxnSpPr/>
+            <p:nvPr>
+              <p:custDataLst>
+                <p:tags r:id="rId24"/>
+              </p:custDataLst>
+            </p:nvPr>
+          </p:nvCxnSpPr>
+          <p:spPr>
+            <a:xfrm>
+              <a:off x="2540000" y="0"/>
+              <a:ext cx="0" cy="635000"/>
+            </a:xfrm>
+            <a:prstGeom prst="line">
+              <a:avLst/>
+            </a:prstGeom>
+            <a:ln w="50800">
+              <a:solidFill>
+                <a:srgbClr val="4472C4"/>
+              </a:solidFill>
+            </a:ln>
+          </p:spPr>
+          <p:style>
+            <a:lnRef idx="1">
+              <a:schemeClr val="accent1"/>
+            </a:lnRef>
+            <a:fillRef idx="0">
+              <a:schemeClr val="accent1"/>
+            </a:fillRef>
+            <a:effectRef idx="0">
+              <a:schemeClr val="accent1"/>
+            </a:effectRef>
+            <a:fontRef idx="minor">
+              <a:schemeClr val="tx1"/>
+            </a:fontRef>
+          </p:style>
+        </p:cxnSp>
+        <p:cxnSp>
+          <p:nvCxnSpPr>
+            <p:cNvPr id="64" name="TimerLineMarker130">
+              <a:extLst>
+                <a:ext uri="{FF2B5EF4-FFF2-40B4-BE49-F238E27FC236}">
+                  <a16:creationId xmlns:a16="http://schemas.microsoft.com/office/drawing/2014/main" id="{77AB6588-D4C9-4392-A93B-1478076B689C}"/>
+                </a:ext>
+              </a:extLst>
+            </p:cNvPr>
+            <p:cNvCxnSpPr/>
+            <p:nvPr>
+              <p:custDataLst>
+                <p:tags r:id="rId25"/>
+              </p:custDataLst>
+            </p:nvPr>
+          </p:nvCxnSpPr>
+          <p:spPr>
+            <a:xfrm>
+              <a:off x="2751667" y="0"/>
+              <a:ext cx="0" cy="635000"/>
+            </a:xfrm>
+            <a:prstGeom prst="line">
+              <a:avLst/>
+            </a:prstGeom>
+            <a:ln w="25400">
+              <a:solidFill>
+                <a:srgbClr val="4472C4"/>
+              </a:solidFill>
+            </a:ln>
+          </p:spPr>
+          <p:style>
+            <a:lnRef idx="1">
+              <a:schemeClr val="accent1"/>
+            </a:lnRef>
+            <a:fillRef idx="0">
+              <a:schemeClr val="accent1"/>
+            </a:fillRef>
+            <a:effectRef idx="0">
+              <a:schemeClr val="accent1"/>
+            </a:effectRef>
+            <a:fontRef idx="minor">
+              <a:schemeClr val="tx1"/>
+            </a:fontRef>
+          </p:style>
+        </p:cxnSp>
+        <p:cxnSp>
+          <p:nvCxnSpPr>
+            <p:cNvPr id="65" name="TimerLineMarker140">
+              <a:extLst>
+                <a:ext uri="{FF2B5EF4-FFF2-40B4-BE49-F238E27FC236}">
+                  <a16:creationId xmlns:a16="http://schemas.microsoft.com/office/drawing/2014/main" id="{31DFBE16-69EC-43D5-B976-889EF432F120}"/>
+                </a:ext>
+              </a:extLst>
+            </p:cNvPr>
+            <p:cNvCxnSpPr/>
+            <p:nvPr>
+              <p:custDataLst>
+                <p:tags r:id="rId26"/>
+              </p:custDataLst>
+            </p:nvPr>
+          </p:nvCxnSpPr>
+          <p:spPr>
+            <a:xfrm>
+              <a:off x="2963333" y="0"/>
+              <a:ext cx="0" cy="635000"/>
+            </a:xfrm>
+            <a:prstGeom prst="line">
+              <a:avLst/>
+            </a:prstGeom>
+            <a:ln w="25400">
+              <a:solidFill>
+                <a:srgbClr val="4472C4"/>
+              </a:solidFill>
+            </a:ln>
+          </p:spPr>
+          <p:style>
+            <a:lnRef idx="1">
+              <a:schemeClr val="accent1"/>
+            </a:lnRef>
+            <a:fillRef idx="0">
+              <a:schemeClr val="accent1"/>
+            </a:fillRef>
+            <a:effectRef idx="0">
+              <a:schemeClr val="accent1"/>
+            </a:effectRef>
+            <a:fontRef idx="minor">
+              <a:schemeClr val="tx1"/>
+            </a:fontRef>
+          </p:style>
+        </p:cxnSp>
+        <p:cxnSp>
+          <p:nvCxnSpPr>
+            <p:cNvPr id="66" name="TimerLineMarker150">
+              <a:extLst>
+                <a:ext uri="{FF2B5EF4-FFF2-40B4-BE49-F238E27FC236}">
+                  <a16:creationId xmlns:a16="http://schemas.microsoft.com/office/drawing/2014/main" id="{2C5D8306-A9B1-409F-BC69-3B87BA0FA763}"/>
+                </a:ext>
+              </a:extLst>
+            </p:cNvPr>
+            <p:cNvCxnSpPr/>
+            <p:nvPr>
+              <p:custDataLst>
+                <p:tags r:id="rId27"/>
+              </p:custDataLst>
+            </p:nvPr>
+          </p:nvCxnSpPr>
+          <p:spPr>
+            <a:xfrm>
+              <a:off x="3175000" y="0"/>
+              <a:ext cx="0" cy="635000"/>
+            </a:xfrm>
+            <a:prstGeom prst="line">
+              <a:avLst/>
+            </a:prstGeom>
+            <a:ln w="25400">
+              <a:solidFill>
+                <a:srgbClr val="4472C4"/>
+              </a:solidFill>
+            </a:ln>
+          </p:spPr>
+          <p:style>
+            <a:lnRef idx="1">
+              <a:schemeClr val="accent1"/>
+            </a:lnRef>
+            <a:fillRef idx="0">
+              <a:schemeClr val="accent1"/>
+            </a:fillRef>
+            <a:effectRef idx="0">
+              <a:schemeClr val="accent1"/>
+            </a:effectRef>
+            <a:fontRef idx="minor">
+              <a:schemeClr val="tx1"/>
+            </a:fontRef>
+          </p:style>
+        </p:cxnSp>
+        <p:cxnSp>
+          <p:nvCxnSpPr>
+            <p:cNvPr id="67" name="TimerLineMarker160">
+              <a:extLst>
+                <a:ext uri="{FF2B5EF4-FFF2-40B4-BE49-F238E27FC236}">
+                  <a16:creationId xmlns:a16="http://schemas.microsoft.com/office/drawing/2014/main" id="{C0C45CDC-C1B6-4B46-8CFF-03FC20567AE5}"/>
+                </a:ext>
+              </a:extLst>
+            </p:cNvPr>
+            <p:cNvCxnSpPr/>
+            <p:nvPr>
+              <p:custDataLst>
+                <p:tags r:id="rId28"/>
+              </p:custDataLst>
+            </p:nvPr>
+          </p:nvCxnSpPr>
+          <p:spPr>
+            <a:xfrm>
+              <a:off x="3386667" y="0"/>
+              <a:ext cx="0" cy="635000"/>
+            </a:xfrm>
+            <a:prstGeom prst="line">
+              <a:avLst/>
+            </a:prstGeom>
+            <a:ln w="25400">
+              <a:solidFill>
+                <a:srgbClr val="4472C4"/>
+              </a:solidFill>
+            </a:ln>
+          </p:spPr>
+          <p:style>
+            <a:lnRef idx="1">
+              <a:schemeClr val="accent1"/>
+            </a:lnRef>
+            <a:fillRef idx="0">
+              <a:schemeClr val="accent1"/>
+            </a:fillRef>
+            <a:effectRef idx="0">
+              <a:schemeClr val="accent1"/>
+            </a:effectRef>
+            <a:fontRef idx="minor">
+              <a:schemeClr val="tx1"/>
+            </a:fontRef>
+          </p:style>
+        </p:cxnSp>
+        <p:cxnSp>
+          <p:nvCxnSpPr>
+            <p:cNvPr id="68" name="TimerLineMarker170">
+              <a:extLst>
+                <a:ext uri="{FF2B5EF4-FFF2-40B4-BE49-F238E27FC236}">
+                  <a16:creationId xmlns:a16="http://schemas.microsoft.com/office/drawing/2014/main" id="{0545903C-4C86-4ED3-9C40-61F5E02059F5}"/>
+                </a:ext>
+              </a:extLst>
+            </p:cNvPr>
+            <p:cNvCxnSpPr/>
+            <p:nvPr>
+              <p:custDataLst>
+                <p:tags r:id="rId29"/>
+              </p:custDataLst>
+            </p:nvPr>
+          </p:nvCxnSpPr>
+          <p:spPr>
+            <a:xfrm>
+              <a:off x="3598333" y="0"/>
+              <a:ext cx="0" cy="635000"/>
+            </a:xfrm>
+            <a:prstGeom prst="line">
+              <a:avLst/>
+            </a:prstGeom>
+            <a:ln w="25400">
+              <a:solidFill>
+                <a:srgbClr val="4472C4"/>
+              </a:solidFill>
+            </a:ln>
+          </p:spPr>
+          <p:style>
+            <a:lnRef idx="1">
+              <a:schemeClr val="accent1"/>
+            </a:lnRef>
+            <a:fillRef idx="0">
+              <a:schemeClr val="accent1"/>
+            </a:fillRef>
+            <a:effectRef idx="0">
+              <a:schemeClr val="accent1"/>
+            </a:effectRef>
+            <a:fontRef idx="minor">
+              <a:schemeClr val="tx1"/>
+            </a:fontRef>
+          </p:style>
+        </p:cxnSp>
+        <p:cxnSp>
+          <p:nvCxnSpPr>
+            <p:cNvPr id="70" name="TimerLineMarker180">
+              <a:extLst>
+                <a:ext uri="{FF2B5EF4-FFF2-40B4-BE49-F238E27FC236}">
+                  <a16:creationId xmlns:a16="http://schemas.microsoft.com/office/drawing/2014/main" id="{9E5DF439-2E27-4BB0-8C34-EE6C5874A1CC}"/>
+                </a:ext>
+              </a:extLst>
+            </p:cNvPr>
+            <p:cNvCxnSpPr/>
+            <p:nvPr>
+              <p:custDataLst>
+                <p:tags r:id="rId30"/>
+              </p:custDataLst>
+            </p:nvPr>
+          </p:nvCxnSpPr>
+          <p:spPr>
+            <a:xfrm>
+              <a:off x="3810000" y="0"/>
+              <a:ext cx="0" cy="635000"/>
+            </a:xfrm>
+            <a:prstGeom prst="line">
+              <a:avLst/>
+            </a:prstGeom>
+            <a:ln w="50800">
+              <a:solidFill>
+                <a:srgbClr val="4472C4"/>
+              </a:solidFill>
+            </a:ln>
+          </p:spPr>
+          <p:style>
+            <a:lnRef idx="1">
+              <a:schemeClr val="accent1"/>
+            </a:lnRef>
+            <a:fillRef idx="0">
+              <a:schemeClr val="accent1"/>
+            </a:fillRef>
+            <a:effectRef idx="0">
+              <a:schemeClr val="accent1"/>
+            </a:effectRef>
+            <a:fontRef idx="minor">
+              <a:schemeClr val="tx1"/>
+            </a:fontRef>
+          </p:style>
+        </p:cxnSp>
+        <p:cxnSp>
+          <p:nvCxnSpPr>
+            <p:cNvPr id="71" name="TimerLineMarker190">
+              <a:extLst>
+                <a:ext uri="{FF2B5EF4-FFF2-40B4-BE49-F238E27FC236}">
+                  <a16:creationId xmlns:a16="http://schemas.microsoft.com/office/drawing/2014/main" id="{69F4E339-6690-4EB2-802F-3E2981F3B832}"/>
+                </a:ext>
+              </a:extLst>
+            </p:cNvPr>
+            <p:cNvCxnSpPr/>
+            <p:nvPr>
+              <p:custDataLst>
+                <p:tags r:id="rId31"/>
+              </p:custDataLst>
+            </p:nvPr>
+          </p:nvCxnSpPr>
+          <p:spPr>
+            <a:xfrm>
+              <a:off x="4021667" y="0"/>
+              <a:ext cx="0" cy="635000"/>
+            </a:xfrm>
+            <a:prstGeom prst="line">
+              <a:avLst/>
+            </a:prstGeom>
+            <a:ln w="25400">
+              <a:solidFill>
+                <a:srgbClr val="4472C4"/>
+              </a:solidFill>
+            </a:ln>
+          </p:spPr>
+          <p:style>
+            <a:lnRef idx="1">
+              <a:schemeClr val="accent1"/>
+            </a:lnRef>
+            <a:fillRef idx="0">
+              <a:schemeClr val="accent1"/>
+            </a:fillRef>
+            <a:effectRef idx="0">
+              <a:schemeClr val="accent1"/>
+            </a:effectRef>
+            <a:fontRef idx="minor">
+              <a:schemeClr val="tx1"/>
+            </a:fontRef>
+          </p:style>
+        </p:cxnSp>
+        <p:cxnSp>
+          <p:nvCxnSpPr>
+            <p:cNvPr id="72" name="TimerLineMarker200">
+              <a:extLst>
+                <a:ext uri="{FF2B5EF4-FFF2-40B4-BE49-F238E27FC236}">
+                  <a16:creationId xmlns:a16="http://schemas.microsoft.com/office/drawing/2014/main" id="{05E4E5A5-1904-4DA6-9DDC-8C88B5B85C0D}"/>
+                </a:ext>
+              </a:extLst>
+            </p:cNvPr>
+            <p:cNvCxnSpPr/>
+            <p:nvPr>
+              <p:custDataLst>
+                <p:tags r:id="rId32"/>
+              </p:custDataLst>
+            </p:nvPr>
+          </p:nvCxnSpPr>
+          <p:spPr>
+            <a:xfrm>
+              <a:off x="4233333" y="0"/>
+              <a:ext cx="0" cy="635000"/>
+            </a:xfrm>
+            <a:prstGeom prst="line">
+              <a:avLst/>
+            </a:prstGeom>
+            <a:ln w="25400">
+              <a:solidFill>
+                <a:srgbClr val="4472C4"/>
+              </a:solidFill>
+            </a:ln>
+          </p:spPr>
+          <p:style>
+            <a:lnRef idx="1">
+              <a:schemeClr val="accent1"/>
+            </a:lnRef>
+            <a:fillRef idx="0">
+              <a:schemeClr val="accent1"/>
+            </a:fillRef>
+            <a:effectRef idx="0">
+              <a:schemeClr val="accent1"/>
+            </a:effectRef>
+            <a:fontRef idx="minor">
+              <a:schemeClr val="tx1"/>
+            </a:fontRef>
+          </p:style>
+        </p:cxnSp>
+        <p:cxnSp>
+          <p:nvCxnSpPr>
+            <p:cNvPr id="73" name="TimerLineMarker210">
+              <a:extLst>
+                <a:ext uri="{FF2B5EF4-FFF2-40B4-BE49-F238E27FC236}">
+                  <a16:creationId xmlns:a16="http://schemas.microsoft.com/office/drawing/2014/main" id="{3E6704C2-18DD-435D-8F3E-1E3C82DBBC26}"/>
+                </a:ext>
+              </a:extLst>
+            </p:cNvPr>
+            <p:cNvCxnSpPr/>
+            <p:nvPr>
+              <p:custDataLst>
+                <p:tags r:id="rId33"/>
+              </p:custDataLst>
+            </p:nvPr>
+          </p:nvCxnSpPr>
+          <p:spPr>
+            <a:xfrm>
+              <a:off x="4445000" y="0"/>
+              <a:ext cx="0" cy="635000"/>
+            </a:xfrm>
+            <a:prstGeom prst="line">
+              <a:avLst/>
+            </a:prstGeom>
+            <a:ln w="25400">
+              <a:solidFill>
+                <a:srgbClr val="4472C4"/>
+              </a:solidFill>
+            </a:ln>
+          </p:spPr>
+          <p:style>
+            <a:lnRef idx="1">
+              <a:schemeClr val="accent1"/>
+            </a:lnRef>
+            <a:fillRef idx="0">
+              <a:schemeClr val="accent1"/>
+            </a:fillRef>
+            <a:effectRef idx="0">
+              <a:schemeClr val="accent1"/>
+            </a:effectRef>
+            <a:fontRef idx="minor">
+              <a:schemeClr val="tx1"/>
+            </a:fontRef>
+          </p:style>
+        </p:cxnSp>
+        <p:cxnSp>
+          <p:nvCxnSpPr>
+            <p:cNvPr id="74" name="TimerLineMarker220">
+              <a:extLst>
+                <a:ext uri="{FF2B5EF4-FFF2-40B4-BE49-F238E27FC236}">
+                  <a16:creationId xmlns:a16="http://schemas.microsoft.com/office/drawing/2014/main" id="{3196E09E-F119-40A8-AC6C-E0A2115294E2}"/>
+                </a:ext>
+              </a:extLst>
+            </p:cNvPr>
+            <p:cNvCxnSpPr/>
+            <p:nvPr>
+              <p:custDataLst>
+                <p:tags r:id="rId34"/>
+              </p:custDataLst>
+            </p:nvPr>
+          </p:nvCxnSpPr>
+          <p:spPr>
+            <a:xfrm>
+              <a:off x="4656667" y="0"/>
+              <a:ext cx="0" cy="635000"/>
+            </a:xfrm>
+            <a:prstGeom prst="line">
+              <a:avLst/>
+            </a:prstGeom>
+            <a:ln w="25400">
+              <a:solidFill>
+                <a:srgbClr val="4472C4"/>
+              </a:solidFill>
+            </a:ln>
+          </p:spPr>
+          <p:style>
+            <a:lnRef idx="1">
+              <a:schemeClr val="accent1"/>
+            </a:lnRef>
+            <a:fillRef idx="0">
+              <a:schemeClr val="accent1"/>
+            </a:fillRef>
+            <a:effectRef idx="0">
+              <a:schemeClr val="accent1"/>
+            </a:effectRef>
+            <a:fontRef idx="minor">
+              <a:schemeClr val="tx1"/>
+            </a:fontRef>
+          </p:style>
+        </p:cxnSp>
+        <p:cxnSp>
+          <p:nvCxnSpPr>
+            <p:cNvPr id="75" name="TimerLineMarker230">
+              <a:extLst>
+                <a:ext uri="{FF2B5EF4-FFF2-40B4-BE49-F238E27FC236}">
+                  <a16:creationId xmlns:a16="http://schemas.microsoft.com/office/drawing/2014/main" id="{D0A29FF5-9E8E-41F2-846F-46079F62F91A}"/>
+                </a:ext>
+              </a:extLst>
+            </p:cNvPr>
+            <p:cNvCxnSpPr/>
+            <p:nvPr>
+              <p:custDataLst>
+                <p:tags r:id="rId35"/>
+              </p:custDataLst>
+            </p:nvPr>
+          </p:nvCxnSpPr>
+          <p:spPr>
+            <a:xfrm>
+              <a:off x="4868333" y="0"/>
+              <a:ext cx="0" cy="635000"/>
+            </a:xfrm>
+            <a:prstGeom prst="line">
+              <a:avLst/>
+            </a:prstGeom>
+            <a:ln w="25400">
+              <a:solidFill>
+                <a:srgbClr val="4472C4"/>
+              </a:solidFill>
+            </a:ln>
+          </p:spPr>
+          <p:style>
+            <a:lnRef idx="1">
+              <a:schemeClr val="accent1"/>
+            </a:lnRef>
+            <a:fillRef idx="0">
+              <a:schemeClr val="accent1"/>
+            </a:fillRef>
+            <a:effectRef idx="0">
+              <a:schemeClr val="accent1"/>
+            </a:effectRef>
+            <a:fontRef idx="minor">
+              <a:schemeClr val="tx1"/>
+            </a:fontRef>
+          </p:style>
+        </p:cxnSp>
+        <p:cxnSp>
+          <p:nvCxnSpPr>
+            <p:cNvPr id="77" name="TimerLineMarker240">
+              <a:extLst>
+                <a:ext uri="{FF2B5EF4-FFF2-40B4-BE49-F238E27FC236}">
+                  <a16:creationId xmlns:a16="http://schemas.microsoft.com/office/drawing/2014/main" id="{C155C012-E9ED-4528-9D85-6E184C8E921E}"/>
+                </a:ext>
+              </a:extLst>
+            </p:cNvPr>
+            <p:cNvCxnSpPr/>
+            <p:nvPr>
+              <p:custDataLst>
+                <p:tags r:id="rId36"/>
+              </p:custDataLst>
+            </p:nvPr>
+          </p:nvCxnSpPr>
+          <p:spPr>
+            <a:xfrm>
+              <a:off x="5080000" y="0"/>
+              <a:ext cx="0" cy="635000"/>
+            </a:xfrm>
+            <a:prstGeom prst="line">
+              <a:avLst/>
+            </a:prstGeom>
+            <a:ln w="50800">
+              <a:solidFill>
+                <a:srgbClr val="4472C4"/>
+              </a:solidFill>
+            </a:ln>
+          </p:spPr>
+          <p:style>
+            <a:lnRef idx="1">
+              <a:schemeClr val="accent1"/>
+            </a:lnRef>
+            <a:fillRef idx="0">
+              <a:schemeClr val="accent1"/>
+            </a:fillRef>
+            <a:effectRef idx="0">
+              <a:schemeClr val="accent1"/>
+            </a:effectRef>
+            <a:fontRef idx="minor">
+              <a:schemeClr val="tx1"/>
+            </a:fontRef>
+          </p:style>
+        </p:cxnSp>
+        <p:cxnSp>
+          <p:nvCxnSpPr>
+            <p:cNvPr id="78" name="TimerLineMarker250">
+              <a:extLst>
+                <a:ext uri="{FF2B5EF4-FFF2-40B4-BE49-F238E27FC236}">
+                  <a16:creationId xmlns:a16="http://schemas.microsoft.com/office/drawing/2014/main" id="{375AA062-440B-4701-8F2F-865E058A1BAA}"/>
+                </a:ext>
+              </a:extLst>
+            </p:cNvPr>
+            <p:cNvCxnSpPr/>
+            <p:nvPr>
+              <p:custDataLst>
+                <p:tags r:id="rId37"/>
+              </p:custDataLst>
+            </p:nvPr>
+          </p:nvCxnSpPr>
+          <p:spPr>
+            <a:xfrm>
+              <a:off x="5291667" y="0"/>
+              <a:ext cx="0" cy="635000"/>
+            </a:xfrm>
+            <a:prstGeom prst="line">
+              <a:avLst/>
+            </a:prstGeom>
+            <a:ln w="25400">
+              <a:solidFill>
+                <a:srgbClr val="4472C4"/>
+              </a:solidFill>
+            </a:ln>
+          </p:spPr>
+          <p:style>
+            <a:lnRef idx="1">
+              <a:schemeClr val="accent1"/>
+            </a:lnRef>
+            <a:fillRef idx="0">
+              <a:schemeClr val="accent1"/>
+            </a:fillRef>
+            <a:effectRef idx="0">
+              <a:schemeClr val="accent1"/>
+            </a:effectRef>
+            <a:fontRef idx="minor">
+              <a:schemeClr val="tx1"/>
+            </a:fontRef>
+          </p:style>
+        </p:cxnSp>
+        <p:cxnSp>
+          <p:nvCxnSpPr>
+            <p:cNvPr id="79" name="TimerLineMarker260">
+              <a:extLst>
+                <a:ext uri="{FF2B5EF4-FFF2-40B4-BE49-F238E27FC236}">
+                  <a16:creationId xmlns:a16="http://schemas.microsoft.com/office/drawing/2014/main" id="{67F026DC-BEEC-4D90-9BC2-A7E4DCB9481E}"/>
+                </a:ext>
+              </a:extLst>
+            </p:cNvPr>
+            <p:cNvCxnSpPr/>
+            <p:nvPr>
+              <p:custDataLst>
+                <p:tags r:id="rId38"/>
+              </p:custDataLst>
+            </p:nvPr>
+          </p:nvCxnSpPr>
+          <p:spPr>
+            <a:xfrm>
+              <a:off x="5503333" y="0"/>
+              <a:ext cx="0" cy="635000"/>
+            </a:xfrm>
+            <a:prstGeom prst="line">
+              <a:avLst/>
+            </a:prstGeom>
+            <a:ln w="25400">
+              <a:solidFill>
+                <a:srgbClr val="4472C4"/>
+              </a:solidFill>
+            </a:ln>
+          </p:spPr>
+          <p:style>
+            <a:lnRef idx="1">
+              <a:schemeClr val="accent1"/>
+            </a:lnRef>
+            <a:fillRef idx="0">
+              <a:schemeClr val="accent1"/>
+            </a:fillRef>
+            <a:effectRef idx="0">
+              <a:schemeClr val="accent1"/>
+            </a:effectRef>
+            <a:fontRef idx="minor">
+              <a:schemeClr val="tx1"/>
+            </a:fontRef>
+          </p:style>
+        </p:cxnSp>
+        <p:cxnSp>
+          <p:nvCxnSpPr>
+            <p:cNvPr id="80" name="TimerLineMarker270">
+              <a:extLst>
+                <a:ext uri="{FF2B5EF4-FFF2-40B4-BE49-F238E27FC236}">
+                  <a16:creationId xmlns:a16="http://schemas.microsoft.com/office/drawing/2014/main" id="{DF38E1A2-0474-4753-BC43-1A730EC15AED}"/>
+                </a:ext>
+              </a:extLst>
+            </p:cNvPr>
+            <p:cNvCxnSpPr/>
+            <p:nvPr>
+              <p:custDataLst>
+                <p:tags r:id="rId39"/>
+              </p:custDataLst>
+            </p:nvPr>
+          </p:nvCxnSpPr>
+          <p:spPr>
+            <a:xfrm>
+              <a:off x="5715000" y="0"/>
+              <a:ext cx="0" cy="635000"/>
+            </a:xfrm>
+            <a:prstGeom prst="line">
+              <a:avLst/>
+            </a:prstGeom>
+            <a:ln w="25400">
+              <a:solidFill>
+                <a:srgbClr val="4472C4"/>
+              </a:solidFill>
+            </a:ln>
+          </p:spPr>
+          <p:style>
+            <a:lnRef idx="1">
+              <a:schemeClr val="accent1"/>
+            </a:lnRef>
+            <a:fillRef idx="0">
+              <a:schemeClr val="accent1"/>
+            </a:fillRef>
+            <a:effectRef idx="0">
+              <a:schemeClr val="accent1"/>
+            </a:effectRef>
+            <a:fontRef idx="minor">
+              <a:schemeClr val="tx1"/>
+            </a:fontRef>
+          </p:style>
+        </p:cxnSp>
+        <p:cxnSp>
+          <p:nvCxnSpPr>
+            <p:cNvPr id="81" name="TimerLineMarker280">
+              <a:extLst>
+                <a:ext uri="{FF2B5EF4-FFF2-40B4-BE49-F238E27FC236}">
+                  <a16:creationId xmlns:a16="http://schemas.microsoft.com/office/drawing/2014/main" id="{94F731E7-7F61-425B-934E-307E2129A216}"/>
+                </a:ext>
+              </a:extLst>
+            </p:cNvPr>
+            <p:cNvCxnSpPr/>
+            <p:nvPr>
+              <p:custDataLst>
+                <p:tags r:id="rId40"/>
+              </p:custDataLst>
+            </p:nvPr>
+          </p:nvCxnSpPr>
+          <p:spPr>
+            <a:xfrm>
+              <a:off x="5926667" y="0"/>
+              <a:ext cx="0" cy="635000"/>
+            </a:xfrm>
+            <a:prstGeom prst="line">
+              <a:avLst/>
+            </a:prstGeom>
+            <a:ln w="25400">
+              <a:solidFill>
+                <a:srgbClr val="4472C4"/>
+              </a:solidFill>
+            </a:ln>
+          </p:spPr>
+          <p:style>
+            <a:lnRef idx="1">
+              <a:schemeClr val="accent1"/>
+            </a:lnRef>
+            <a:fillRef idx="0">
+              <a:schemeClr val="accent1"/>
+            </a:fillRef>
+            <a:effectRef idx="0">
+              <a:schemeClr val="accent1"/>
+            </a:effectRef>
+            <a:fontRef idx="minor">
+              <a:schemeClr val="tx1"/>
+            </a:fontRef>
+          </p:style>
+        </p:cxnSp>
+        <p:cxnSp>
+          <p:nvCxnSpPr>
+            <p:cNvPr id="82" name="TimerLineMarker290">
+              <a:extLst>
+                <a:ext uri="{FF2B5EF4-FFF2-40B4-BE49-F238E27FC236}">
+                  <a16:creationId xmlns:a16="http://schemas.microsoft.com/office/drawing/2014/main" id="{128D6689-467D-40A6-9F87-B26608713741}"/>
+                </a:ext>
+              </a:extLst>
+            </p:cNvPr>
+            <p:cNvCxnSpPr/>
+            <p:nvPr>
+              <p:custDataLst>
+                <p:tags r:id="rId41"/>
+              </p:custDataLst>
+            </p:nvPr>
+          </p:nvCxnSpPr>
+          <p:spPr>
+            <a:xfrm>
+              <a:off x="6138333" y="0"/>
+              <a:ext cx="0" cy="635000"/>
+            </a:xfrm>
+            <a:prstGeom prst="line">
+              <a:avLst/>
+            </a:prstGeom>
+            <a:ln w="25400">
+              <a:solidFill>
+                <a:srgbClr val="4472C4"/>
+              </a:solidFill>
+            </a:ln>
+          </p:spPr>
+          <p:style>
+            <a:lnRef idx="1">
+              <a:schemeClr val="accent1"/>
+            </a:lnRef>
+            <a:fillRef idx="0">
+              <a:schemeClr val="accent1"/>
+            </a:fillRef>
+            <a:effectRef idx="0">
+              <a:schemeClr val="accent1"/>
+            </a:effectRef>
+            <a:fontRef idx="minor">
+              <a:schemeClr val="tx1"/>
+            </a:fontRef>
+          </p:style>
+        </p:cxnSp>
+        <p:cxnSp>
+          <p:nvCxnSpPr>
+            <p:cNvPr id="84" name="TimerLineMarker300">
+              <a:extLst>
+                <a:ext uri="{FF2B5EF4-FFF2-40B4-BE49-F238E27FC236}">
+                  <a16:creationId xmlns:a16="http://schemas.microsoft.com/office/drawing/2014/main" id="{A68F03B4-68E9-497C-B52C-D5F01A889E7A}"/>
+                </a:ext>
+              </a:extLst>
+            </p:cNvPr>
+            <p:cNvCxnSpPr/>
+            <p:nvPr>
+              <p:custDataLst>
+                <p:tags r:id="rId42"/>
+              </p:custDataLst>
+            </p:nvPr>
+          </p:nvCxnSpPr>
+          <p:spPr>
+            <a:xfrm>
+              <a:off x="6350000" y="0"/>
+              <a:ext cx="0" cy="635000"/>
+            </a:xfrm>
+            <a:prstGeom prst="line">
+              <a:avLst/>
+            </a:prstGeom>
+            <a:ln w="50800">
+              <a:solidFill>
+                <a:srgbClr val="4472C4"/>
+              </a:solidFill>
+            </a:ln>
+          </p:spPr>
+          <p:style>
+            <a:lnRef idx="1">
+              <a:schemeClr val="accent1"/>
+            </a:lnRef>
+            <a:fillRef idx="0">
+              <a:schemeClr val="accent1"/>
+            </a:fillRef>
+            <a:effectRef idx="0">
+              <a:schemeClr val="accent1"/>
+            </a:effectRef>
+            <a:fontRef idx="minor">
+              <a:schemeClr val="tx1"/>
+            </a:fontRef>
+          </p:style>
+        </p:cxnSp>
+        <p:cxnSp>
+          <p:nvCxnSpPr>
+            <p:cNvPr id="85" name="TimerLineMarker310">
+              <a:extLst>
+                <a:ext uri="{FF2B5EF4-FFF2-40B4-BE49-F238E27FC236}">
+                  <a16:creationId xmlns:a16="http://schemas.microsoft.com/office/drawing/2014/main" id="{BD1DCCD0-2E7C-4825-8204-3E5943BCACC8}"/>
+                </a:ext>
+              </a:extLst>
+            </p:cNvPr>
+            <p:cNvCxnSpPr/>
+            <p:nvPr>
+              <p:custDataLst>
+                <p:tags r:id="rId43"/>
+              </p:custDataLst>
+            </p:nvPr>
+          </p:nvCxnSpPr>
+          <p:spPr>
+            <a:xfrm>
+              <a:off x="6561666" y="0"/>
+              <a:ext cx="0" cy="635000"/>
+            </a:xfrm>
+            <a:prstGeom prst="line">
+              <a:avLst/>
+            </a:prstGeom>
+            <a:ln w="25400">
+              <a:solidFill>
+                <a:srgbClr val="4472C4"/>
+              </a:solidFill>
+            </a:ln>
+          </p:spPr>
+          <p:style>
+            <a:lnRef idx="1">
+              <a:schemeClr val="accent1"/>
+            </a:lnRef>
+            <a:fillRef idx="0">
+              <a:schemeClr val="accent1"/>
+            </a:fillRef>
+            <a:effectRef idx="0">
+              <a:schemeClr val="accent1"/>
+            </a:effectRef>
+            <a:fontRef idx="minor">
+              <a:schemeClr val="tx1"/>
+            </a:fontRef>
+          </p:style>
+        </p:cxnSp>
+        <p:cxnSp>
+          <p:nvCxnSpPr>
+            <p:cNvPr id="130" name="TimerLineMarker320">
+              <a:extLst>
+                <a:ext uri="{FF2B5EF4-FFF2-40B4-BE49-F238E27FC236}">
+                  <a16:creationId xmlns:a16="http://schemas.microsoft.com/office/drawing/2014/main" id="{B103603D-D775-47A7-8547-63F6F0CB4FB8}"/>
+                </a:ext>
+              </a:extLst>
+            </p:cNvPr>
+            <p:cNvCxnSpPr/>
+            <p:nvPr>
+              <p:custDataLst>
+                <p:tags r:id="rId44"/>
+              </p:custDataLst>
+            </p:nvPr>
+          </p:nvCxnSpPr>
+          <p:spPr>
+            <a:xfrm>
+              <a:off x="6773333" y="0"/>
+              <a:ext cx="0" cy="635000"/>
+            </a:xfrm>
+            <a:prstGeom prst="line">
+              <a:avLst/>
+            </a:prstGeom>
+            <a:ln w="25400">
+              <a:solidFill>
+                <a:srgbClr val="4472C4"/>
+              </a:solidFill>
+            </a:ln>
+          </p:spPr>
+          <p:style>
+            <a:lnRef idx="1">
+              <a:schemeClr val="accent1"/>
+            </a:lnRef>
+            <a:fillRef idx="0">
+              <a:schemeClr val="accent1"/>
+            </a:fillRef>
+            <a:effectRef idx="0">
+              <a:schemeClr val="accent1"/>
+            </a:effectRef>
+            <a:fontRef idx="minor">
+              <a:schemeClr val="tx1"/>
+            </a:fontRef>
+          </p:style>
+        </p:cxnSp>
+        <p:cxnSp>
+          <p:nvCxnSpPr>
+            <p:cNvPr id="131" name="TimerLineMarker330">
+              <a:extLst>
+                <a:ext uri="{FF2B5EF4-FFF2-40B4-BE49-F238E27FC236}">
+                  <a16:creationId xmlns:a16="http://schemas.microsoft.com/office/drawing/2014/main" id="{3499BD1C-8676-4D6F-8989-15F77EF43AFB}"/>
+                </a:ext>
+              </a:extLst>
+            </p:cNvPr>
+            <p:cNvCxnSpPr/>
+            <p:nvPr>
+              <p:custDataLst>
+                <p:tags r:id="rId45"/>
+              </p:custDataLst>
+            </p:nvPr>
+          </p:nvCxnSpPr>
+          <p:spPr>
+            <a:xfrm>
+              <a:off x="6985000" y="0"/>
+              <a:ext cx="0" cy="635000"/>
+            </a:xfrm>
+            <a:prstGeom prst="line">
+              <a:avLst/>
+            </a:prstGeom>
+            <a:ln w="25400">
+              <a:solidFill>
+                <a:srgbClr val="4472C4"/>
+              </a:solidFill>
+            </a:ln>
+          </p:spPr>
+          <p:style>
+            <a:lnRef idx="1">
+              <a:schemeClr val="accent1"/>
+            </a:lnRef>
+            <a:fillRef idx="0">
+              <a:schemeClr val="accent1"/>
+            </a:fillRef>
+            <a:effectRef idx="0">
+              <a:schemeClr val="accent1"/>
+            </a:effectRef>
+            <a:fontRef idx="minor">
+              <a:schemeClr val="tx1"/>
+            </a:fontRef>
+          </p:style>
+        </p:cxnSp>
+        <p:cxnSp>
+          <p:nvCxnSpPr>
+            <p:cNvPr id="132" name="TimerLineMarker340">
+              <a:extLst>
+                <a:ext uri="{FF2B5EF4-FFF2-40B4-BE49-F238E27FC236}">
+                  <a16:creationId xmlns:a16="http://schemas.microsoft.com/office/drawing/2014/main" id="{D4AAF354-E241-490E-9D09-3D89C5AEFF97}"/>
+                </a:ext>
+              </a:extLst>
+            </p:cNvPr>
+            <p:cNvCxnSpPr/>
+            <p:nvPr>
+              <p:custDataLst>
+                <p:tags r:id="rId46"/>
+              </p:custDataLst>
+            </p:nvPr>
+          </p:nvCxnSpPr>
+          <p:spPr>
+            <a:xfrm>
+              <a:off x="7196666" y="0"/>
+              <a:ext cx="0" cy="635000"/>
+            </a:xfrm>
+            <a:prstGeom prst="line">
+              <a:avLst/>
+            </a:prstGeom>
+            <a:ln w="25400">
+              <a:solidFill>
+                <a:srgbClr val="4472C4"/>
+              </a:solidFill>
+            </a:ln>
+          </p:spPr>
+          <p:style>
+            <a:lnRef idx="1">
+              <a:schemeClr val="accent1"/>
+            </a:lnRef>
+            <a:fillRef idx="0">
+              <a:schemeClr val="accent1"/>
+            </a:fillRef>
+            <a:effectRef idx="0">
+              <a:schemeClr val="accent1"/>
+            </a:effectRef>
+            <a:fontRef idx="minor">
+              <a:schemeClr val="tx1"/>
+            </a:fontRef>
+          </p:style>
+        </p:cxnSp>
+        <p:cxnSp>
+          <p:nvCxnSpPr>
+            <p:cNvPr id="133" name="TimerLineMarker350">
+              <a:extLst>
+                <a:ext uri="{FF2B5EF4-FFF2-40B4-BE49-F238E27FC236}">
+                  <a16:creationId xmlns:a16="http://schemas.microsoft.com/office/drawing/2014/main" id="{D8A7A29B-BEDE-4771-9833-9C7748A26128}"/>
+                </a:ext>
+              </a:extLst>
+            </p:cNvPr>
+            <p:cNvCxnSpPr/>
+            <p:nvPr>
+              <p:custDataLst>
+                <p:tags r:id="rId47"/>
+              </p:custDataLst>
+            </p:nvPr>
+          </p:nvCxnSpPr>
+          <p:spPr>
+            <a:xfrm>
+              <a:off x="7408333" y="0"/>
+              <a:ext cx="0" cy="635000"/>
+            </a:xfrm>
+            <a:prstGeom prst="line">
+              <a:avLst/>
+            </a:prstGeom>
+            <a:ln w="25400">
+              <a:solidFill>
+                <a:srgbClr val="4472C4"/>
+              </a:solidFill>
+            </a:ln>
+          </p:spPr>
+          <p:style>
+            <a:lnRef idx="1">
+              <a:schemeClr val="accent1"/>
+            </a:lnRef>
+            <a:fillRef idx="0">
+              <a:schemeClr val="accent1"/>
+            </a:fillRef>
+            <a:effectRef idx="0">
+              <a:schemeClr val="accent1"/>
+            </a:effectRef>
+            <a:fontRef idx="minor">
+              <a:schemeClr val="tx1"/>
+            </a:fontRef>
+          </p:style>
+        </p:cxnSp>
+      </p:grpSp>
+      <p:grpSp>
+        <p:nvGrpSpPr>
+          <p:cNvPr id="136" name="TimerTimeMarkerGroup">
+            <a:extLst>
+              <a:ext uri="{FF2B5EF4-FFF2-40B4-BE49-F238E27FC236}">
+                <a16:creationId xmlns:a16="http://schemas.microsoft.com/office/drawing/2014/main" id="{45E344CA-368B-480A-BC58-4FB2CE48E5E8}"/>
+              </a:ext>
+            </a:extLst>
+          </p:cNvPr>
+          <p:cNvGrpSpPr/>
+          <p:nvPr>
+            <p:custDataLst>
+              <p:tags r:id="rId3"/>
+            </p:custDataLst>
+          </p:nvPr>
+        </p:nvGrpSpPr>
+        <p:grpSpPr>
+          <a:xfrm>
+            <a:off x="419100" y="5969000"/>
+            <a:ext cx="8305800" cy="381000"/>
+            <a:chOff x="0" y="0"/>
+            <a:chExt cx="7632700" cy="381000"/>
+          </a:xfrm>
+        </p:grpSpPr>
+        <p:sp>
+          <p:nvSpPr>
+            <p:cNvPr id="49" name="TimerTimeMarker360">
+              <a:extLst>
+                <a:ext uri="{FF2B5EF4-FFF2-40B4-BE49-F238E27FC236}">
+                  <a16:creationId xmlns:a16="http://schemas.microsoft.com/office/drawing/2014/main" id="{5F25C88B-C66F-438E-AB0C-3993584E5C9D}"/>
+                </a:ext>
+              </a:extLst>
+            </p:cNvPr>
+            <p:cNvSpPr/>
+            <p:nvPr>
+              <p:custDataLst>
+                <p:tags r:id="rId6"/>
+              </p:custDataLst>
+            </p:nvPr>
+          </p:nvSpPr>
+          <p:spPr>
+            <a:xfrm>
+              <a:off x="0" y="0"/>
+              <a:ext cx="12700" cy="381000"/>
+            </a:xfrm>
+            <a:prstGeom prst="rect">
+              <a:avLst/>
+            </a:prstGeom>
+            <a:solidFill>
+              <a:schemeClr val="accent1">
+                <a:alpha val="0"/>
+              </a:schemeClr>
+            </a:solidFill>
+            <a:ln w="25400" cap="flat" cmpd="sng" algn="ctr">
+              <a:solidFill>
+                <a:schemeClr val="accent1">
+                  <a:shade val="50000"/>
+                  <a:alpha val="0"/>
+                </a:schemeClr>
+              </a:solidFill>
+              <a:prstDash val="solid"/>
+              <a:round/>
+              <a:headEnd type="none" w="med" len="med"/>
+              <a:tailEnd type="none" w="med" len="med"/>
+            </a:ln>
+          </p:spPr>
+          <p:style>
+            <a:lnRef idx="2">
+              <a:schemeClr val="accent1">
+                <a:shade val="50000"/>
+              </a:schemeClr>
+            </a:lnRef>
+            <a:fillRef idx="1">
+              <a:schemeClr val="accent1"/>
+            </a:fillRef>
+            <a:effectRef idx="0">
+              <a:schemeClr val="accent1"/>
+            </a:effectRef>
+            <a:fontRef idx="minor">
+              <a:schemeClr val="lt1"/>
+            </a:fontRef>
+          </p:style>
+          <p:txBody>
+            <a:bodyPr wrap="none" rtlCol="0" anchor="ctr"/>
+            <a:lstStyle/>
+            <a:p>
+              <a:pPr algn="ctr"/>
+              <a:r>
+                <a:rPr lang="en-SG">
+                  <a:solidFill>
+                    <a:srgbClr val="FF0000"/>
+                  </a:solidFill>
+                </a:rPr>
+                <a:t>6</a:t>
+              </a:r>
+            </a:p>
+          </p:txBody>
+        </p:sp>
+        <p:sp>
+          <p:nvSpPr>
+            <p:cNvPr id="55" name="TimerTimeMarker300">
+              <a:extLst>
+                <a:ext uri="{FF2B5EF4-FFF2-40B4-BE49-F238E27FC236}">
+                  <a16:creationId xmlns:a16="http://schemas.microsoft.com/office/drawing/2014/main" id="{F9ED6834-9A13-4F10-A06D-D84D55275837}"/>
+                </a:ext>
+              </a:extLst>
+            </p:cNvPr>
+            <p:cNvSpPr/>
+            <p:nvPr>
+              <p:custDataLst>
+                <p:tags r:id="rId7"/>
+              </p:custDataLst>
+            </p:nvPr>
+          </p:nvSpPr>
+          <p:spPr>
+            <a:xfrm>
+              <a:off x="1270000" y="0"/>
+              <a:ext cx="12700" cy="381000"/>
+            </a:xfrm>
+            <a:prstGeom prst="rect">
+              <a:avLst/>
+            </a:prstGeom>
+            <a:solidFill>
+              <a:schemeClr val="accent1">
+                <a:alpha val="0"/>
+              </a:schemeClr>
+            </a:solidFill>
+            <a:ln w="25400" cap="flat" cmpd="sng" algn="ctr">
+              <a:solidFill>
+                <a:schemeClr val="accent1">
+                  <a:shade val="50000"/>
+                  <a:alpha val="0"/>
+                </a:schemeClr>
+              </a:solidFill>
+              <a:prstDash val="solid"/>
+              <a:round/>
+              <a:headEnd type="none" w="med" len="med"/>
+              <a:tailEnd type="none" w="med" len="med"/>
+            </a:ln>
+          </p:spPr>
+          <p:style>
+            <a:lnRef idx="2">
+              <a:schemeClr val="accent1">
+                <a:shade val="50000"/>
+              </a:schemeClr>
+            </a:lnRef>
+            <a:fillRef idx="1">
+              <a:schemeClr val="accent1"/>
+            </a:fillRef>
+            <a:effectRef idx="0">
+              <a:schemeClr val="accent1"/>
+            </a:effectRef>
+            <a:fontRef idx="minor">
+              <a:schemeClr val="lt1"/>
+            </a:fontRef>
+          </p:style>
+          <p:txBody>
+            <a:bodyPr wrap="none" rtlCol="0" anchor="ctr"/>
+            <a:lstStyle/>
+            <a:p>
+              <a:pPr algn="ctr"/>
+              <a:r>
+                <a:rPr lang="en-SG">
+                  <a:solidFill>
+                    <a:srgbClr val="FF0000"/>
+                  </a:solidFill>
+                </a:rPr>
+                <a:t>5</a:t>
+              </a:r>
+            </a:p>
+          </p:txBody>
+        </p:sp>
+        <p:sp>
+          <p:nvSpPr>
+            <p:cNvPr id="62" name="TimerTimeMarker240">
+              <a:extLst>
+                <a:ext uri="{FF2B5EF4-FFF2-40B4-BE49-F238E27FC236}">
+                  <a16:creationId xmlns:a16="http://schemas.microsoft.com/office/drawing/2014/main" id="{0EF5FFCB-47FC-4D64-BAEF-A6E87E97B197}"/>
+                </a:ext>
+              </a:extLst>
+            </p:cNvPr>
+            <p:cNvSpPr/>
+            <p:nvPr>
+              <p:custDataLst>
+                <p:tags r:id="rId8"/>
+              </p:custDataLst>
+            </p:nvPr>
+          </p:nvSpPr>
+          <p:spPr>
+            <a:xfrm>
+              <a:off x="2540000" y="0"/>
+              <a:ext cx="12700" cy="381000"/>
+            </a:xfrm>
+            <a:prstGeom prst="rect">
+              <a:avLst/>
+            </a:prstGeom>
+            <a:solidFill>
+              <a:schemeClr val="accent1">
+                <a:alpha val="0"/>
+              </a:schemeClr>
+            </a:solidFill>
+            <a:ln w="25400" cap="flat" cmpd="sng" algn="ctr">
+              <a:solidFill>
+                <a:schemeClr val="accent1">
+                  <a:shade val="50000"/>
+                  <a:alpha val="0"/>
+                </a:schemeClr>
+              </a:solidFill>
+              <a:prstDash val="solid"/>
+              <a:round/>
+              <a:headEnd type="none" w="med" len="med"/>
+              <a:tailEnd type="none" w="med" len="med"/>
+            </a:ln>
+          </p:spPr>
+          <p:style>
+            <a:lnRef idx="2">
+              <a:schemeClr val="accent1">
+                <a:shade val="50000"/>
+              </a:schemeClr>
+            </a:lnRef>
+            <a:fillRef idx="1">
+              <a:schemeClr val="accent1"/>
+            </a:fillRef>
+            <a:effectRef idx="0">
+              <a:schemeClr val="accent1"/>
+            </a:effectRef>
+            <a:fontRef idx="minor">
+              <a:schemeClr val="lt1"/>
+            </a:fontRef>
+          </p:style>
+          <p:txBody>
+            <a:bodyPr wrap="none" rtlCol="0" anchor="ctr"/>
+            <a:lstStyle/>
+            <a:p>
+              <a:pPr algn="ctr"/>
+              <a:r>
+                <a:rPr lang="en-SG">
+                  <a:solidFill>
+                    <a:srgbClr val="FF0000"/>
+                  </a:solidFill>
+                </a:rPr>
+                <a:t>4</a:t>
+              </a:r>
+            </a:p>
+          </p:txBody>
+        </p:sp>
+        <p:sp>
+          <p:nvSpPr>
+            <p:cNvPr id="69" name="TimerTimeMarker180">
+              <a:extLst>
+                <a:ext uri="{FF2B5EF4-FFF2-40B4-BE49-F238E27FC236}">
+                  <a16:creationId xmlns:a16="http://schemas.microsoft.com/office/drawing/2014/main" id="{433E7A1B-D0D2-4A64-B91D-222C0E6C3345}"/>
+                </a:ext>
+              </a:extLst>
+            </p:cNvPr>
+            <p:cNvSpPr/>
+            <p:nvPr>
+              <p:custDataLst>
+                <p:tags r:id="rId9"/>
+              </p:custDataLst>
+            </p:nvPr>
+          </p:nvSpPr>
+          <p:spPr>
+            <a:xfrm>
+              <a:off x="3810000" y="0"/>
+              <a:ext cx="12700" cy="381000"/>
+            </a:xfrm>
+            <a:prstGeom prst="rect">
+              <a:avLst/>
+            </a:prstGeom>
+            <a:solidFill>
+              <a:schemeClr val="accent1">
+                <a:alpha val="0"/>
+              </a:schemeClr>
+            </a:solidFill>
+            <a:ln w="25400" cap="flat" cmpd="sng" algn="ctr">
+              <a:solidFill>
+                <a:schemeClr val="accent1">
+                  <a:shade val="50000"/>
+                  <a:alpha val="0"/>
+                </a:schemeClr>
+              </a:solidFill>
+              <a:prstDash val="solid"/>
+              <a:round/>
+              <a:headEnd type="none" w="med" len="med"/>
+              <a:tailEnd type="none" w="med" len="med"/>
+            </a:ln>
+          </p:spPr>
+          <p:style>
+            <a:lnRef idx="2">
+              <a:schemeClr val="accent1">
+                <a:shade val="50000"/>
+              </a:schemeClr>
+            </a:lnRef>
+            <a:fillRef idx="1">
+              <a:schemeClr val="accent1"/>
+            </a:fillRef>
+            <a:effectRef idx="0">
+              <a:schemeClr val="accent1"/>
+            </a:effectRef>
+            <a:fontRef idx="minor">
+              <a:schemeClr val="lt1"/>
+            </a:fontRef>
+          </p:style>
+          <p:txBody>
+            <a:bodyPr wrap="none" rtlCol="0" anchor="ctr"/>
+            <a:lstStyle/>
+            <a:p>
+              <a:pPr algn="ctr"/>
+              <a:r>
+                <a:rPr lang="en-SG">
+                  <a:solidFill>
+                    <a:srgbClr val="FF0000"/>
+                  </a:solidFill>
+                </a:rPr>
+                <a:t>3</a:t>
+              </a:r>
+            </a:p>
+          </p:txBody>
+        </p:sp>
+        <p:sp>
+          <p:nvSpPr>
+            <p:cNvPr id="76" name="TimerTimeMarker120">
+              <a:extLst>
+                <a:ext uri="{FF2B5EF4-FFF2-40B4-BE49-F238E27FC236}">
+                  <a16:creationId xmlns:a16="http://schemas.microsoft.com/office/drawing/2014/main" id="{D09A81A9-EF37-4507-856C-451E31CC121A}"/>
+                </a:ext>
+              </a:extLst>
+            </p:cNvPr>
+            <p:cNvSpPr/>
+            <p:nvPr>
+              <p:custDataLst>
+                <p:tags r:id="rId10"/>
+              </p:custDataLst>
+            </p:nvPr>
+          </p:nvSpPr>
+          <p:spPr>
+            <a:xfrm>
+              <a:off x="5080000" y="0"/>
+              <a:ext cx="12700" cy="381000"/>
+            </a:xfrm>
+            <a:prstGeom prst="rect">
+              <a:avLst/>
+            </a:prstGeom>
+            <a:solidFill>
+              <a:schemeClr val="accent1">
+                <a:alpha val="0"/>
+              </a:schemeClr>
+            </a:solidFill>
+            <a:ln w="25400" cap="flat" cmpd="sng" algn="ctr">
+              <a:solidFill>
+                <a:schemeClr val="accent1">
+                  <a:shade val="50000"/>
+                  <a:alpha val="0"/>
+                </a:schemeClr>
+              </a:solidFill>
+              <a:prstDash val="solid"/>
+              <a:round/>
+              <a:headEnd type="none" w="med" len="med"/>
+              <a:tailEnd type="none" w="med" len="med"/>
+            </a:ln>
+          </p:spPr>
+          <p:style>
+            <a:lnRef idx="2">
+              <a:schemeClr val="accent1">
+                <a:shade val="50000"/>
+              </a:schemeClr>
+            </a:lnRef>
+            <a:fillRef idx="1">
+              <a:schemeClr val="accent1"/>
+            </a:fillRef>
+            <a:effectRef idx="0">
+              <a:schemeClr val="accent1"/>
+            </a:effectRef>
+            <a:fontRef idx="minor">
+              <a:schemeClr val="lt1"/>
+            </a:fontRef>
+          </p:style>
+          <p:txBody>
+            <a:bodyPr wrap="none" rtlCol="0" anchor="ctr"/>
+            <a:lstStyle/>
+            <a:p>
+              <a:pPr algn="ctr"/>
+              <a:r>
+                <a:rPr lang="en-SG">
+                  <a:solidFill>
+                    <a:srgbClr val="FF0000"/>
+                  </a:solidFill>
+                </a:rPr>
+                <a:t>2</a:t>
+              </a:r>
+            </a:p>
+          </p:txBody>
+        </p:sp>
+        <p:sp>
+          <p:nvSpPr>
+            <p:cNvPr id="83" name="TimerTimeMarker60">
+              <a:extLst>
+                <a:ext uri="{FF2B5EF4-FFF2-40B4-BE49-F238E27FC236}">
+                  <a16:creationId xmlns:a16="http://schemas.microsoft.com/office/drawing/2014/main" id="{B7BB1F2B-2232-4E37-B9D1-1DD83B588408}"/>
+                </a:ext>
+              </a:extLst>
+            </p:cNvPr>
+            <p:cNvSpPr/>
+            <p:nvPr>
+              <p:custDataLst>
+                <p:tags r:id="rId11"/>
+              </p:custDataLst>
+            </p:nvPr>
+          </p:nvSpPr>
+          <p:spPr>
+            <a:xfrm>
+              <a:off x="6350000" y="0"/>
+              <a:ext cx="12700" cy="381000"/>
+            </a:xfrm>
+            <a:prstGeom prst="rect">
+              <a:avLst/>
+            </a:prstGeom>
+            <a:solidFill>
+              <a:schemeClr val="accent1">
+                <a:alpha val="0"/>
+              </a:schemeClr>
+            </a:solidFill>
+            <a:ln w="25400" cap="flat" cmpd="sng" algn="ctr">
+              <a:solidFill>
+                <a:schemeClr val="accent1">
+                  <a:shade val="50000"/>
+                  <a:alpha val="0"/>
+                </a:schemeClr>
+              </a:solidFill>
+              <a:prstDash val="solid"/>
+              <a:round/>
+              <a:headEnd type="none" w="med" len="med"/>
+              <a:tailEnd type="none" w="med" len="med"/>
+            </a:ln>
+          </p:spPr>
+          <p:style>
+            <a:lnRef idx="2">
+              <a:schemeClr val="accent1">
+                <a:shade val="50000"/>
+              </a:schemeClr>
+            </a:lnRef>
+            <a:fillRef idx="1">
+              <a:schemeClr val="accent1"/>
+            </a:fillRef>
+            <a:effectRef idx="0">
+              <a:schemeClr val="accent1"/>
+            </a:effectRef>
+            <a:fontRef idx="minor">
+              <a:schemeClr val="lt1"/>
+            </a:fontRef>
+          </p:style>
+          <p:txBody>
+            <a:bodyPr wrap="none" rtlCol="0" anchor="ctr"/>
+            <a:lstStyle/>
+            <a:p>
+              <a:pPr algn="ctr"/>
+              <a:r>
+                <a:rPr lang="en-SG">
+                  <a:solidFill>
+                    <a:srgbClr val="FF0000"/>
+                  </a:solidFill>
+                </a:rPr>
+                <a:t>1</a:t>
+              </a:r>
+            </a:p>
+          </p:txBody>
+        </p:sp>
+        <p:sp>
+          <p:nvSpPr>
+            <p:cNvPr id="134" name="TimerTimeMarker0">
+              <a:extLst>
+                <a:ext uri="{FF2B5EF4-FFF2-40B4-BE49-F238E27FC236}">
+                  <a16:creationId xmlns:a16="http://schemas.microsoft.com/office/drawing/2014/main" id="{B557B2A3-0BD1-49F2-9E0E-0E4F935B5635}"/>
+                </a:ext>
+              </a:extLst>
+            </p:cNvPr>
+            <p:cNvSpPr/>
+            <p:nvPr>
+              <p:custDataLst>
+                <p:tags r:id="rId12"/>
+              </p:custDataLst>
+            </p:nvPr>
+          </p:nvSpPr>
+          <p:spPr>
+            <a:xfrm>
+              <a:off x="7620000" y="0"/>
+              <a:ext cx="12700" cy="381000"/>
+            </a:xfrm>
+            <a:prstGeom prst="rect">
+              <a:avLst/>
+            </a:prstGeom>
+            <a:solidFill>
+              <a:schemeClr val="accent1">
+                <a:alpha val="0"/>
+              </a:schemeClr>
+            </a:solidFill>
+            <a:ln w="25400" cap="flat" cmpd="sng" algn="ctr">
+              <a:solidFill>
+                <a:schemeClr val="accent1">
+                  <a:shade val="50000"/>
+                  <a:alpha val="0"/>
+                </a:schemeClr>
+              </a:solidFill>
+              <a:prstDash val="solid"/>
+              <a:round/>
+              <a:headEnd type="none" w="med" len="med"/>
+              <a:tailEnd type="none" w="med" len="med"/>
+            </a:ln>
+          </p:spPr>
+          <p:style>
+            <a:lnRef idx="2">
+              <a:schemeClr val="accent1">
+                <a:shade val="50000"/>
+              </a:schemeClr>
+            </a:lnRef>
+            <a:fillRef idx="1">
+              <a:schemeClr val="accent1"/>
+            </a:fillRef>
+            <a:effectRef idx="0">
+              <a:schemeClr val="accent1"/>
+            </a:effectRef>
+            <a:fontRef idx="minor">
+              <a:schemeClr val="lt1"/>
+            </a:fontRef>
+          </p:style>
+          <p:txBody>
+            <a:bodyPr wrap="none" rtlCol="0" anchor="ctr"/>
+            <a:lstStyle/>
+            <a:p>
+              <a:pPr algn="ctr"/>
+              <a:r>
+                <a:rPr lang="en-SG">
+                  <a:solidFill>
+                    <a:srgbClr val="FF0000"/>
+                  </a:solidFill>
+                </a:rPr>
+                <a:t>0</a:t>
+              </a:r>
+            </a:p>
+          </p:txBody>
+        </p:sp>
+      </p:grpSp>
+      <p:sp>
+        <p:nvSpPr>
+          <p:cNvPr id="8" name="TimerSliderHead"/>
+          <p:cNvSpPr/>
+          <p:nvPr>
+            <p:custDataLst>
+              <p:tags r:id="rId4"/>
+            </p:custDataLst>
+          </p:nvPr>
+        </p:nvSpPr>
+        <p:spPr>
+          <a:xfrm rot="10800000">
+            <a:off x="292100" y="762000"/>
+            <a:ext cx="254000" cy="254000"/>
+          </a:xfrm>
+          <a:prstGeom prst="triangle">
+            <a:avLst/>
+          </a:prstGeom>
+          <a:solidFill>
+            <a:srgbClr val="F79646"/>
+          </a:solidFill>
+          <a:ln w="25400" cap="flat" cmpd="sng" algn="ctr">
+            <a:solidFill>
+              <a:schemeClr val="accent1">
+                <a:shade val="50000"/>
+                <a:alpha val="0"/>
+              </a:schemeClr>
+            </a:solidFill>
+            <a:prstDash val="solid"/>
+            <a:round/>
+            <a:headEnd type="none" w="med" len="med"/>
+            <a:tailEnd type="none" w="med" len="med"/>
+          </a:ln>
+        </p:spPr>
+        <p:style>
+          <a:lnRef idx="2">
+            <a:schemeClr val="accent1">
+              <a:shade val="50000"/>
+            </a:schemeClr>
+          </a:lnRef>
+          <a:fillRef idx="1">
+            <a:schemeClr val="accent1"/>
+          </a:fillRef>
+          <a:effectRef idx="0">
+            <a:schemeClr val="accent1"/>
+          </a:effectRef>
+          <a:fontRef idx="minor">
+            <a:schemeClr val="lt1"/>
+          </a:fontRef>
+        </p:style>
+        <p:txBody>
+          <a:bodyPr rtlCol="0" anchor="ctr"/>
+          <a:lstStyle/>
+          <a:p>
+            <a:pPr algn="ctr"/>
+            <a:endParaRPr lang="en-US"/>
+          </a:p>
+        </p:txBody>
+      </p:sp>
+      <p:sp>
+        <p:nvSpPr>
+          <p:cNvPr id="9" name="TimerSliderBody"/>
+          <p:cNvSpPr/>
+          <p:nvPr>
+            <p:custDataLst>
+              <p:tags r:id="rId5"/>
+            </p:custDataLst>
+          </p:nvPr>
+        </p:nvSpPr>
+        <p:spPr>
+          <a:xfrm>
+            <a:off x="393700" y="889000"/>
+            <a:ext cx="50800" cy="5080000"/>
+          </a:xfrm>
+          <a:prstGeom prst="rect">
+            <a:avLst/>
+          </a:prstGeom>
+          <a:solidFill>
+            <a:srgbClr val="F79646"/>
+          </a:solidFill>
+          <a:ln w="25400" cap="flat" cmpd="sng" algn="ctr">
+            <a:solidFill>
+              <a:schemeClr val="accent1">
+                <a:shade val="50000"/>
+                <a:alpha val="0"/>
+              </a:schemeClr>
+            </a:solidFill>
+            <a:prstDash val="solid"/>
+            <a:round/>
+            <a:headEnd type="none" w="med" len="med"/>
+            <a:tailEnd type="none" w="med" len="med"/>
+          </a:ln>
+        </p:spPr>
+        <p:style>
+          <a:lnRef idx="2">
+            <a:schemeClr val="accent1">
+              <a:shade val="50000"/>
+            </a:schemeClr>
+          </a:lnRef>
+          <a:fillRef idx="1">
+            <a:schemeClr val="accent1"/>
+          </a:fillRef>
+          <a:effectRef idx="0">
+            <a:schemeClr val="accent1"/>
+          </a:effectRef>
+          <a:fontRef idx="minor">
+            <a:schemeClr val="lt1"/>
+          </a:fontRef>
+        </p:style>
+        <p:txBody>
+          <a:bodyPr rtlCol="0" anchor="ctr"/>
+          <a:lstStyle/>
+          <a:p>
+            <a:pPr algn="ctr"/>
+            <a:endParaRPr lang="en-US"/>
+          </a:p>
+        </p:txBody>
+      </p:sp>
+    </p:spTree>
+    <p:extLst>
+      <p:ext uri="{BB962C8B-B14F-4D97-AF65-F5344CB8AC3E}">
+        <p14:creationId xmlns:p14="http://schemas.microsoft.com/office/powerpoint/2010/main" val="236200289"/>
+      </p:ext>
+    </p:extLst>
+  </p:cSld>
+  <p:clrMapOvr>
+    <a:masterClrMapping/>
+  </p:clrMapOvr>
+  <p:timing>
+    <p:tnLst>
+      <p:par>
+        <p:cTn id="1" dur="indefinite" restart="never" nodeType="tmRoot">
+          <p:childTnLst>
+            <p:seq concurrent="1" nextAc="seek">
+              <p:cTn id="2" dur="indefinite" nodeType="mainSeq">
+                <p:childTnLst>
+                  <p:par>
+                    <p:cTn id="3" fill="hold">
+                      <p:stCondLst>
+                        <p:cond delay="indefinite"/>
+                      </p:stCondLst>
+                      <p:childTnLst>
+                        <p:par>
+                          <p:cTn id="4" fill="hold">
+                            <p:stCondLst>
+                              <p:cond delay="0"/>
+                            </p:stCondLst>
+                            <p:childTnLst>
+                              <p:par>
+                                <p:cTn id="5" presetID="63" presetClass="path" presetSubtype="0" fill="hold" grpId="0" nodeType="clickEffect">
+                                  <p:stCondLst>
+                                    <p:cond delay="0"/>
+                                  </p:stCondLst>
+                                  <p:childTnLst>
+                                    <p:animMotion origin="layout" path="M 0 0 L 0.9083334 0 E" pathEditMode="relative" ptsTypes="">
+                                      <p:cBhvr>
+                                        <p:cTn id="6" dur="360000" fill="hold"/>
+                                        <p:tgtEl>
+                                          <p:spTgt spid="8"/>
+                                        </p:tgtEl>
+                                        <p:attrNameLst>
+                                          <p:attrName>ppt_x</p:attrName>
+                                          <p:attrName>ppt_y</p:attrName>
+                                        </p:attrNameLst>
+                                      </p:cBhvr>
+                                    </p:animMotion>
+                                  </p:childTnLst>
+                                </p:cTn>
+                              </p:par>
+                              <p:par>
+                                <p:cTn id="7" presetID="63" presetClass="path" presetSubtype="0" fill="hold" grpId="0" nodeType="withEffect">
+                                  <p:stCondLst>
+                                    <p:cond delay="0"/>
+                                  </p:stCondLst>
+                                  <p:childTnLst>
+                                    <p:animMotion origin="layout" path="M 0 0 L 0.9083334 0 E" pathEditMode="relative" ptsTypes="">
+                                      <p:cBhvr>
+                                        <p:cTn id="8" dur="360000" fill="hold"/>
+                                        <p:tgtEl>
+                                          <p:spTgt spid="9"/>
+                                        </p:tgtEl>
+                                        <p:attrNameLst>
+                                          <p:attrName>ppt_x</p:attrName>
+                                          <p:attrName>ppt_y</p:attrName>
+                                        </p:attrNameLst>
+                                      </p:cBhvr>
+                                    </p:animMotion>
+                                  </p:childTnLst>
+                                </p:cTn>
+                              </p:par>
+                            </p:childTnLst>
+                          </p:cTn>
+                        </p:par>
+                        <p:par>
+                          <p:cTn id="9" fill="hold">
+                            <p:stCondLst>
+                              <p:cond delay="360000"/>
+                            </p:stCondLst>
+                            <p:childTnLst>
+                              <p:par>
+                                <p:cTn id="10" presetID="24" presetClass="emph" presetSubtype="0" fill="hold" grpId="1" nodeType="afterEffect">
+                                  <p:stCondLst>
+                                    <p:cond delay="0"/>
+                                  </p:stCondLst>
+                                  <p:childTnLst>
+                                    <p:animClr clrSpc="hsl" dir="cw">
+                                      <p:cBhvr override="childStyle">
+                                        <p:cTn id="11" dur="1" fill="hold"/>
+                                        <p:tgtEl>
+                                          <p:spTgt spid="8"/>
+                                        </p:tgtEl>
+                                        <p:attrNameLst>
+                                          <p:attrName>style.color</p:attrName>
+                                        </p:attrNameLst>
+                                      </p:cBhvr>
+                                      <p:by>
+                                        <p:hsl h="0" s="-12549" l="-25098"/>
+                                      </p:by>
+                                    </p:animClr>
+                                    <p:animClr clrSpc="hsl" dir="cw">
+                                      <p:cBhvr>
+                                        <p:cTn id="12" dur="1" fill="hold"/>
+                                        <p:tgtEl>
+                                          <p:spTgt spid="8"/>
+                                        </p:tgtEl>
+                                        <p:attrNameLst>
+                                          <p:attrName>fillcolor</p:attrName>
+                                        </p:attrNameLst>
+                                      </p:cBhvr>
+                                      <p:by>
+                                        <p:hsl h="0" s="-12549" l="-25098"/>
+                                      </p:by>
+                                    </p:animClr>
+                                    <p:animClr clrSpc="hsl" dir="cw">
+                                      <p:cBhvr>
+                                        <p:cTn id="13" dur="1" fill="hold"/>
+                                        <p:tgtEl>
+                                          <p:spTgt spid="8"/>
+                                        </p:tgtEl>
+                                        <p:attrNameLst>
+                                          <p:attrName>stroke.color</p:attrName>
+                                        </p:attrNameLst>
+                                      </p:cBhvr>
+                                      <p:by>
+                                        <p:hsl h="0" s="-12549" l="-25098"/>
+                                      </p:by>
+                                    </p:animClr>
+                                    <p:set>
+                                      <p:cBhvr>
+                                        <p:cTn id="14" dur="1" fill="hold"/>
+                                        <p:tgtEl>
+                                          <p:spTgt spid="8"/>
+                                        </p:tgtEl>
+                                        <p:attrNameLst>
+                                          <p:attrName>fill.type</p:attrName>
+                                        </p:attrNameLst>
+                                      </p:cBhvr>
+                                      <p:to>
+                                        <p:strVal val="solid"/>
+                                      </p:to>
+                                    </p:set>
+                                  </p:childTnLst>
+                                </p:cTn>
+                              </p:par>
+                              <p:par>
+                                <p:cTn id="15" presetID="24" presetClass="emph" presetSubtype="0" fill="hold" grpId="1" nodeType="withEffect">
+                                  <p:stCondLst>
+                                    <p:cond delay="0"/>
+                                  </p:stCondLst>
+                                  <p:childTnLst>
+                                    <p:animClr clrSpc="hsl" dir="cw">
+                                      <p:cBhvr override="childStyle">
+                                        <p:cTn id="16" dur="1" fill="hold"/>
+                                        <p:tgtEl>
+                                          <p:spTgt spid="9"/>
+                                        </p:tgtEl>
+                                        <p:attrNameLst>
+                                          <p:attrName>style.color</p:attrName>
+                                        </p:attrNameLst>
+                                      </p:cBhvr>
+                                      <p:by>
+                                        <p:hsl h="0" s="-12549" l="-25098"/>
+                                      </p:by>
+                                    </p:animClr>
+                                    <p:animClr clrSpc="hsl" dir="cw">
+                                      <p:cBhvr>
+                                        <p:cTn id="17" dur="1" fill="hold"/>
+                                        <p:tgtEl>
+                                          <p:spTgt spid="9"/>
+                                        </p:tgtEl>
+                                        <p:attrNameLst>
+                                          <p:attrName>fillcolor</p:attrName>
+                                        </p:attrNameLst>
+                                      </p:cBhvr>
+                                      <p:by>
+                                        <p:hsl h="0" s="-12549" l="-25098"/>
+                                      </p:by>
+                                    </p:animClr>
+                                    <p:animClr clrSpc="hsl" dir="cw">
+                                      <p:cBhvr>
+                                        <p:cTn id="18" dur="1" fill="hold"/>
+                                        <p:tgtEl>
+                                          <p:spTgt spid="9"/>
+                                        </p:tgtEl>
+                                        <p:attrNameLst>
+                                          <p:attrName>stroke.color</p:attrName>
+                                        </p:attrNameLst>
+                                      </p:cBhvr>
+                                      <p:by>
+                                        <p:hsl h="0" s="-12549" l="-25098"/>
+                                      </p:by>
+                                    </p:animClr>
+                                    <p:set>
+                                      <p:cBhvr>
+                                        <p:cTn id="19" dur="1" fill="hold"/>
+                                        <p:tgtEl>
+                                          <p:spTgt spid="9"/>
+                                        </p:tgtEl>
+                                        <p:attrNameLst>
+                                          <p:attrName>fill.type</p:attrName>
+                                        </p:attrNameLst>
+                                      </p:cBhvr>
+                                      <p:to>
+                                        <p:strVal val="solid"/>
+                                      </p:to>
+                                    </p:set>
+                                  </p:childTnLst>
+                                </p:cTn>
+                              </p:par>
+                            </p:childTnLst>
+                          </p:cTn>
+                        </p:par>
+                      </p:childTnLst>
+                    </p:cTn>
+                  </p:par>
+                </p:childTnLst>
+              </p:cTn>
+              <p:prevCondLst>
+                <p:cond evt="onPrev" delay="0">
+                  <p:tgtEl>
+                    <p:sldTgt/>
+                  </p:tgtEl>
+                </p:cond>
+              </p:prevCondLst>
+              <p:nextCondLst>
+                <p:cond evt="onNext" delay="0">
+                  <p:tgtEl>
+                    <p:sldTgt/>
+                  </p:tgtEl>
+                </p:cond>
+              </p:nextCondLst>
+            </p:seq>
+          </p:childTnLst>
+        </p:cTn>
+      </p:par>
+    </p:tnLst>
+    <p:bldLst>
+      <p:bldP spid="8" grpId="0" animBg="1"/>
+      <p:bldP spid="8" grpId="1" animBg="1"/>
+      <p:bldP spid="9" grpId="0" animBg="1"/>
+      <p:bldP spid="9" grpId="1" animBg="1"/>
+    </p:bldLst>
+  </p:timing>
+</p:sld>
+</file>
+
+<file path=ppt/slides/slide15.xml><?xml version="1.0" encoding="utf-8"?>
+<p:sld xmlns:a="http://schemas.openxmlformats.org/drawingml/2006/main" xmlns:r="http://schemas.openxmlformats.org/officeDocument/2006/relationships" xmlns:p="http://schemas.openxmlformats.org/presentationml/2006/main">
+  <p:cSld>
+    <p:bg>
+      <p:bgPr>
+        <a:solidFill>
+          <a:schemeClr val="bg1"/>
+        </a:solidFill>
+        <a:effectLst/>
+      </p:bgPr>
+    </p:bg>
+    <p:spTree>
+      <p:nvGrpSpPr>
+        <p:cNvPr id="1" name=""/>
+        <p:cNvGrpSpPr/>
+        <p:nvPr/>
+      </p:nvGrpSpPr>
+      <p:grpSpPr>
+        <a:xfrm>
+          <a:off x="0" y="0"/>
+          <a:ext cx="0" cy="0"/>
+          <a:chOff x="0" y="0"/>
+          <a:chExt cx="0" cy="0"/>
+        </a:xfrm>
+      </p:grpSpPr>
+      <p:sp>
+        <p:nvSpPr>
+          <p:cNvPr id="16" name="TimerBody"/>
+          <p:cNvSpPr/>
+          <p:nvPr>
+            <p:custDataLst>
+              <p:tags r:id="rId1"/>
+            </p:custDataLst>
+          </p:nvPr>
+        </p:nvSpPr>
+        <p:spPr>
+          <a:xfrm>
+            <a:off x="419100" y="889000"/>
+            <a:ext cx="8305800" cy="5080000"/>
+          </a:xfrm>
+          <a:prstGeom prst="rect">
+            <a:avLst/>
+          </a:prstGeom>
+          <a:solidFill>
+            <a:srgbClr val="44546A"/>
+          </a:solidFill>
+          <a:ln>
+            <a:solidFill>
+              <a:srgbClr val="44546A"/>
+            </a:solidFill>
+          </a:ln>
+        </p:spPr>
+        <p:style>
+          <a:lnRef idx="2">
+            <a:schemeClr val="accent1">
+              <a:shade val="50000"/>
+            </a:schemeClr>
+          </a:lnRef>
+          <a:fillRef idx="1">
+            <a:schemeClr val="accent1"/>
+          </a:fillRef>
+          <a:effectRef idx="0">
+            <a:schemeClr val="accent1"/>
+          </a:effectRef>
+          <a:fontRef idx="minor">
+            <a:schemeClr val="lt1"/>
+          </a:fontRef>
+        </p:style>
+        <p:txBody>
+          <a:bodyPr rtlCol="0" anchor="ctr"/>
+          <a:lstStyle/>
+          <a:p>
+            <a:pPr algn="ctr"/>
+            <a:endParaRPr lang="en-US"/>
+          </a:p>
+        </p:txBody>
+      </p:sp>
+      <p:grpSp>
+        <p:nvGrpSpPr>
+          <p:cNvPr id="10" name="TimerLineMarkerGroup">
+            <a:extLst>
+              <a:ext uri="{FF2B5EF4-FFF2-40B4-BE49-F238E27FC236}">
+                <a16:creationId xmlns:a16="http://schemas.microsoft.com/office/drawing/2014/main" id="{331623F3-DD9F-40EB-BFBE-17C6DBA9D45A}"/>
+              </a:ext>
+            </a:extLst>
+          </p:cNvPr>
+          <p:cNvGrpSpPr/>
+          <p:nvPr>
+            <p:custDataLst>
+              <p:tags r:id="rId2"/>
+            </p:custDataLst>
+          </p:nvPr>
+        </p:nvGrpSpPr>
+        <p:grpSpPr>
+          <a:xfrm>
+            <a:off x="3187700" y="889000"/>
+            <a:ext cx="2768600" cy="5080000"/>
+            <a:chOff x="2768600" y="0"/>
+            <a:chExt cx="2768600" cy="5080000"/>
+          </a:xfrm>
+        </p:grpSpPr>
+        <p:cxnSp>
+          <p:nvCxnSpPr>
+            <p:cNvPr id="4" name="TimerLineMarker10">
+              <a:extLst>
+                <a:ext uri="{FF2B5EF4-FFF2-40B4-BE49-F238E27FC236}">
+                  <a16:creationId xmlns:a16="http://schemas.microsoft.com/office/drawing/2014/main" id="{B315987E-B63F-44B2-9EEC-5E1A6A5D67AE}"/>
+                </a:ext>
+              </a:extLst>
+            </p:cNvPr>
+            <p:cNvCxnSpPr/>
+            <p:nvPr>
+              <p:custDataLst>
+                <p:tags r:id="rId10"/>
+              </p:custDataLst>
+            </p:nvPr>
+          </p:nvCxnSpPr>
+          <p:spPr>
+            <a:xfrm>
+              <a:off x="2768600" y="0"/>
+              <a:ext cx="0" cy="5080000"/>
+            </a:xfrm>
+            <a:prstGeom prst="line">
+              <a:avLst/>
+            </a:prstGeom>
+            <a:ln w="25400">
+              <a:solidFill>
+                <a:srgbClr val="4472C4"/>
+              </a:solidFill>
+            </a:ln>
+          </p:spPr>
+          <p:style>
+            <a:lnRef idx="1">
+              <a:schemeClr val="accent1"/>
+            </a:lnRef>
+            <a:fillRef idx="0">
+              <a:schemeClr val="accent1"/>
+            </a:fillRef>
+            <a:effectRef idx="0">
+              <a:schemeClr val="accent1"/>
+            </a:effectRef>
+            <a:fontRef idx="minor">
+              <a:schemeClr val="tx1"/>
+            </a:fontRef>
+          </p:style>
+        </p:cxnSp>
+        <p:cxnSp>
+          <p:nvCxnSpPr>
+            <p:cNvPr id="6" name="TimerLineMarker20">
+              <a:extLst>
+                <a:ext uri="{FF2B5EF4-FFF2-40B4-BE49-F238E27FC236}">
+                  <a16:creationId xmlns:a16="http://schemas.microsoft.com/office/drawing/2014/main" id="{4F1126EF-B906-476F-BB57-C98A4018A88E}"/>
+                </a:ext>
+              </a:extLst>
+            </p:cNvPr>
+            <p:cNvCxnSpPr/>
+            <p:nvPr>
+              <p:custDataLst>
+                <p:tags r:id="rId11"/>
+              </p:custDataLst>
+            </p:nvPr>
+          </p:nvCxnSpPr>
+          <p:spPr>
+            <a:xfrm>
+              <a:off x="5537200" y="0"/>
+              <a:ext cx="0" cy="5080000"/>
+            </a:xfrm>
+            <a:prstGeom prst="line">
+              <a:avLst/>
+            </a:prstGeom>
+            <a:ln w="25400">
+              <a:solidFill>
+                <a:srgbClr val="4472C4"/>
+              </a:solidFill>
+            </a:ln>
+          </p:spPr>
+          <p:style>
+            <a:lnRef idx="1">
+              <a:schemeClr val="accent1"/>
+            </a:lnRef>
+            <a:fillRef idx="0">
+              <a:schemeClr val="accent1"/>
+            </a:fillRef>
+            <a:effectRef idx="0">
+              <a:schemeClr val="accent1"/>
+            </a:effectRef>
+            <a:fontRef idx="minor">
+              <a:schemeClr val="tx1"/>
+            </a:fontRef>
+          </p:style>
+        </p:cxnSp>
+      </p:grpSp>
+      <p:grpSp>
+        <p:nvGrpSpPr>
+          <p:cNvPr id="11" name="TimerTimeMarkerGroup">
+            <a:extLst>
+              <a:ext uri="{FF2B5EF4-FFF2-40B4-BE49-F238E27FC236}">
+                <a16:creationId xmlns:a16="http://schemas.microsoft.com/office/drawing/2014/main" id="{0710CA62-9EAF-4F0D-B531-C9666B4EC97C}"/>
+              </a:ext>
+            </a:extLst>
+          </p:cNvPr>
+          <p:cNvGrpSpPr/>
+          <p:nvPr>
+            <p:custDataLst>
+              <p:tags r:id="rId3"/>
+            </p:custDataLst>
+          </p:nvPr>
+        </p:nvGrpSpPr>
+        <p:grpSpPr>
+          <a:xfrm>
+            <a:off x="419100" y="5969000"/>
+            <a:ext cx="8305800" cy="381000"/>
+            <a:chOff x="0" y="0"/>
+            <a:chExt cx="8318500" cy="381000"/>
+          </a:xfrm>
+        </p:grpSpPr>
+        <p:sp>
+          <p:nvSpPr>
+            <p:cNvPr id="2" name="TimerTimeMarker30">
+              <a:extLst>
+                <a:ext uri="{FF2B5EF4-FFF2-40B4-BE49-F238E27FC236}">
+                  <a16:creationId xmlns:a16="http://schemas.microsoft.com/office/drawing/2014/main" id="{4B856515-49EF-45E0-B1EE-A355F867AAA1}"/>
+                </a:ext>
+              </a:extLst>
+            </p:cNvPr>
+            <p:cNvSpPr/>
+            <p:nvPr>
+              <p:custDataLst>
+                <p:tags r:id="rId6"/>
+              </p:custDataLst>
+            </p:nvPr>
+          </p:nvSpPr>
+          <p:spPr>
+            <a:xfrm>
+              <a:off x="0" y="0"/>
+              <a:ext cx="12700" cy="381000"/>
+            </a:xfrm>
+            <a:prstGeom prst="rect">
+              <a:avLst/>
+            </a:prstGeom>
+            <a:solidFill>
+              <a:schemeClr val="accent1">
+                <a:alpha val="0"/>
+              </a:schemeClr>
+            </a:solidFill>
+            <a:ln w="25400" cap="flat" cmpd="sng" algn="ctr">
+              <a:solidFill>
+                <a:schemeClr val="accent1">
+                  <a:shade val="50000"/>
+                  <a:alpha val="0"/>
+                </a:schemeClr>
+              </a:solidFill>
+              <a:prstDash val="solid"/>
+              <a:round/>
+              <a:headEnd type="none" w="med" len="med"/>
+              <a:tailEnd type="none" w="med" len="med"/>
+            </a:ln>
+          </p:spPr>
+          <p:style>
+            <a:lnRef idx="2">
+              <a:schemeClr val="accent1">
+                <a:shade val="50000"/>
+              </a:schemeClr>
+            </a:lnRef>
+            <a:fillRef idx="1">
+              <a:schemeClr val="accent1"/>
+            </a:fillRef>
+            <a:effectRef idx="0">
+              <a:schemeClr val="accent1"/>
+            </a:effectRef>
+            <a:fontRef idx="minor">
+              <a:schemeClr val="lt1"/>
+            </a:fontRef>
+          </p:style>
+          <p:txBody>
+            <a:bodyPr wrap="none" rtlCol="0" anchor="ctr"/>
+            <a:lstStyle/>
+            <a:p>
+              <a:pPr algn="ctr"/>
+              <a:r>
+                <a:rPr lang="en-SG">
+                  <a:solidFill>
+                    <a:srgbClr val="FF0000"/>
+                  </a:solidFill>
+                </a:rPr>
+                <a:t>30</a:t>
+              </a:r>
+            </a:p>
+          </p:txBody>
+        </p:sp>
+        <p:sp>
+          <p:nvSpPr>
+            <p:cNvPr id="3" name="TimerTimeMarker20">
+              <a:extLst>
+                <a:ext uri="{FF2B5EF4-FFF2-40B4-BE49-F238E27FC236}">
+                  <a16:creationId xmlns:a16="http://schemas.microsoft.com/office/drawing/2014/main" id="{05F39B34-9D9B-4789-88FE-18CF5DA96221}"/>
+                </a:ext>
+              </a:extLst>
+            </p:cNvPr>
+            <p:cNvSpPr/>
+            <p:nvPr>
+              <p:custDataLst>
+                <p:tags r:id="rId7"/>
+              </p:custDataLst>
+            </p:nvPr>
+          </p:nvSpPr>
+          <p:spPr>
+            <a:xfrm>
+              <a:off x="2768600" y="0"/>
+              <a:ext cx="12700" cy="381000"/>
+            </a:xfrm>
+            <a:prstGeom prst="rect">
+              <a:avLst/>
+            </a:prstGeom>
+            <a:solidFill>
+              <a:schemeClr val="accent1">
+                <a:alpha val="0"/>
+              </a:schemeClr>
+            </a:solidFill>
+            <a:ln w="25400" cap="flat" cmpd="sng" algn="ctr">
+              <a:solidFill>
+                <a:schemeClr val="accent1">
+                  <a:shade val="50000"/>
+                  <a:alpha val="0"/>
+                </a:schemeClr>
+              </a:solidFill>
+              <a:prstDash val="solid"/>
+              <a:round/>
+              <a:headEnd type="none" w="med" len="med"/>
+              <a:tailEnd type="none" w="med" len="med"/>
+            </a:ln>
+          </p:spPr>
+          <p:style>
+            <a:lnRef idx="2">
+              <a:schemeClr val="accent1">
+                <a:shade val="50000"/>
+              </a:schemeClr>
+            </a:lnRef>
+            <a:fillRef idx="1">
+              <a:schemeClr val="accent1"/>
+            </a:fillRef>
+            <a:effectRef idx="0">
+              <a:schemeClr val="accent1"/>
+            </a:effectRef>
+            <a:fontRef idx="minor">
+              <a:schemeClr val="lt1"/>
+            </a:fontRef>
+          </p:style>
+          <p:txBody>
+            <a:bodyPr wrap="none" rtlCol="0" anchor="ctr"/>
+            <a:lstStyle/>
+            <a:p>
+              <a:pPr algn="ctr"/>
+              <a:r>
+                <a:rPr lang="en-SG">
+                  <a:solidFill>
+                    <a:srgbClr val="FF0000"/>
+                  </a:solidFill>
+                </a:rPr>
+                <a:t>20</a:t>
+              </a:r>
+            </a:p>
+          </p:txBody>
+        </p:sp>
+        <p:sp>
+          <p:nvSpPr>
+            <p:cNvPr id="5" name="TimerTimeMarker10">
+              <a:extLst>
+                <a:ext uri="{FF2B5EF4-FFF2-40B4-BE49-F238E27FC236}">
+                  <a16:creationId xmlns:a16="http://schemas.microsoft.com/office/drawing/2014/main" id="{5016F05A-BED4-4671-AED0-2E7BB17ECAA7}"/>
+                </a:ext>
+              </a:extLst>
+            </p:cNvPr>
+            <p:cNvSpPr/>
+            <p:nvPr>
+              <p:custDataLst>
+                <p:tags r:id="rId8"/>
+              </p:custDataLst>
+            </p:nvPr>
+          </p:nvSpPr>
+          <p:spPr>
+            <a:xfrm>
+              <a:off x="5537200" y="0"/>
+              <a:ext cx="12700" cy="381000"/>
+            </a:xfrm>
+            <a:prstGeom prst="rect">
+              <a:avLst/>
+            </a:prstGeom>
+            <a:solidFill>
+              <a:schemeClr val="accent1">
+                <a:alpha val="0"/>
+              </a:schemeClr>
+            </a:solidFill>
+            <a:ln w="25400" cap="flat" cmpd="sng" algn="ctr">
+              <a:solidFill>
+                <a:schemeClr val="accent1">
+                  <a:shade val="50000"/>
+                  <a:alpha val="0"/>
+                </a:schemeClr>
+              </a:solidFill>
+              <a:prstDash val="solid"/>
+              <a:round/>
+              <a:headEnd type="none" w="med" len="med"/>
+              <a:tailEnd type="none" w="med" len="med"/>
+            </a:ln>
+          </p:spPr>
+          <p:style>
+            <a:lnRef idx="2">
+              <a:schemeClr val="accent1">
+                <a:shade val="50000"/>
+              </a:schemeClr>
+            </a:lnRef>
+            <a:fillRef idx="1">
+              <a:schemeClr val="accent1"/>
+            </a:fillRef>
+            <a:effectRef idx="0">
+              <a:schemeClr val="accent1"/>
+            </a:effectRef>
+            <a:fontRef idx="minor">
+              <a:schemeClr val="lt1"/>
+            </a:fontRef>
+          </p:style>
+          <p:txBody>
+            <a:bodyPr wrap="none" rtlCol="0" anchor="ctr"/>
+            <a:lstStyle/>
+            <a:p>
+              <a:pPr algn="ctr"/>
+              <a:r>
+                <a:rPr lang="en-SG">
+                  <a:solidFill>
+                    <a:srgbClr val="FF0000"/>
+                  </a:solidFill>
+                </a:rPr>
+                <a:t>10</a:t>
+              </a:r>
+            </a:p>
+          </p:txBody>
+        </p:sp>
+        <p:sp>
+          <p:nvSpPr>
+            <p:cNvPr id="7" name="TimerTimeMarker0">
+              <a:extLst>
+                <a:ext uri="{FF2B5EF4-FFF2-40B4-BE49-F238E27FC236}">
+                  <a16:creationId xmlns:a16="http://schemas.microsoft.com/office/drawing/2014/main" id="{72BE8A2F-F9E8-425B-99D7-B64C1BEC67A0}"/>
+                </a:ext>
+              </a:extLst>
+            </p:cNvPr>
+            <p:cNvSpPr/>
+            <p:nvPr>
+              <p:custDataLst>
+                <p:tags r:id="rId9"/>
+              </p:custDataLst>
+            </p:nvPr>
+          </p:nvSpPr>
+          <p:spPr>
+            <a:xfrm>
+              <a:off x="8305800" y="0"/>
+              <a:ext cx="12700" cy="381000"/>
+            </a:xfrm>
+            <a:prstGeom prst="rect">
+              <a:avLst/>
+            </a:prstGeom>
+            <a:solidFill>
+              <a:schemeClr val="accent1">
+                <a:alpha val="0"/>
+              </a:schemeClr>
+            </a:solidFill>
+            <a:ln w="25400" cap="flat" cmpd="sng" algn="ctr">
+              <a:solidFill>
+                <a:schemeClr val="accent1">
+                  <a:shade val="50000"/>
+                  <a:alpha val="0"/>
+                </a:schemeClr>
+              </a:solidFill>
+              <a:prstDash val="solid"/>
+              <a:round/>
+              <a:headEnd type="none" w="med" len="med"/>
+              <a:tailEnd type="none" w="med" len="med"/>
+            </a:ln>
+          </p:spPr>
+          <p:style>
+            <a:lnRef idx="2">
+              <a:schemeClr val="accent1">
+                <a:shade val="50000"/>
+              </a:schemeClr>
+            </a:lnRef>
+            <a:fillRef idx="1">
+              <a:schemeClr val="accent1"/>
+            </a:fillRef>
+            <a:effectRef idx="0">
+              <a:schemeClr val="accent1"/>
+            </a:effectRef>
+            <a:fontRef idx="minor">
+              <a:schemeClr val="lt1"/>
+            </a:fontRef>
+          </p:style>
+          <p:txBody>
+            <a:bodyPr wrap="none" rtlCol="0" anchor="ctr"/>
+            <a:lstStyle/>
+            <a:p>
+              <a:pPr algn="ctr"/>
+              <a:r>
+                <a:rPr lang="en-SG">
+                  <a:solidFill>
+                    <a:srgbClr val="FF0000"/>
+                  </a:solidFill>
+                </a:rPr>
+                <a:t>0</a:t>
+              </a:r>
+            </a:p>
+          </p:txBody>
+        </p:sp>
+      </p:grpSp>
+      <p:sp>
+        <p:nvSpPr>
+          <p:cNvPr id="8" name="TimerSliderHead"/>
+          <p:cNvSpPr/>
+          <p:nvPr>
+            <p:custDataLst>
+              <p:tags r:id="rId4"/>
+            </p:custDataLst>
+          </p:nvPr>
+        </p:nvSpPr>
+        <p:spPr>
+          <a:xfrm rot="10800000">
+            <a:off x="292100" y="762000"/>
+            <a:ext cx="254000" cy="254000"/>
+          </a:xfrm>
+          <a:prstGeom prst="triangle">
+            <a:avLst/>
+          </a:prstGeom>
+          <a:solidFill>
+            <a:srgbClr val="F79646"/>
+          </a:solidFill>
+          <a:ln w="25400" cap="flat" cmpd="sng" algn="ctr">
+            <a:solidFill>
+              <a:schemeClr val="accent1">
+                <a:shade val="50000"/>
+                <a:alpha val="0"/>
+              </a:schemeClr>
+            </a:solidFill>
+            <a:prstDash val="solid"/>
+            <a:round/>
+            <a:headEnd type="none" w="med" len="med"/>
+            <a:tailEnd type="none" w="med" len="med"/>
+          </a:ln>
+        </p:spPr>
+        <p:style>
+          <a:lnRef idx="2">
+            <a:schemeClr val="accent1">
+              <a:shade val="50000"/>
+            </a:schemeClr>
+          </a:lnRef>
+          <a:fillRef idx="1">
+            <a:schemeClr val="accent1"/>
+          </a:fillRef>
+          <a:effectRef idx="0">
+            <a:schemeClr val="accent1"/>
+          </a:effectRef>
+          <a:fontRef idx="minor">
+            <a:schemeClr val="lt1"/>
+          </a:fontRef>
+        </p:style>
+        <p:txBody>
+          <a:bodyPr rtlCol="0" anchor="ctr"/>
+          <a:lstStyle/>
+          <a:p>
+            <a:pPr algn="ctr"/>
+            <a:endParaRPr lang="en-US"/>
+          </a:p>
+        </p:txBody>
+      </p:sp>
+      <p:sp>
+        <p:nvSpPr>
+          <p:cNvPr id="9" name="TimerSliderBody"/>
+          <p:cNvSpPr/>
+          <p:nvPr>
+            <p:custDataLst>
+              <p:tags r:id="rId5"/>
+            </p:custDataLst>
+          </p:nvPr>
+        </p:nvSpPr>
+        <p:spPr>
+          <a:xfrm>
+            <a:off x="393700" y="889000"/>
+            <a:ext cx="50800" cy="5080000"/>
+          </a:xfrm>
+          <a:prstGeom prst="rect">
+            <a:avLst/>
+          </a:prstGeom>
+          <a:solidFill>
+            <a:srgbClr val="F79646"/>
+          </a:solidFill>
+          <a:ln w="25400" cap="flat" cmpd="sng" algn="ctr">
+            <a:solidFill>
+              <a:schemeClr val="accent1">
+                <a:shade val="50000"/>
+                <a:alpha val="0"/>
+              </a:schemeClr>
+            </a:solidFill>
+            <a:prstDash val="solid"/>
+            <a:round/>
+            <a:headEnd type="none" w="med" len="med"/>
+            <a:tailEnd type="none" w="med" len="med"/>
+          </a:ln>
+        </p:spPr>
+        <p:style>
+          <a:lnRef idx="2">
+            <a:schemeClr val="accent1">
+              <a:shade val="50000"/>
+            </a:schemeClr>
+          </a:lnRef>
+          <a:fillRef idx="1">
+            <a:schemeClr val="accent1"/>
+          </a:fillRef>
+          <a:effectRef idx="0">
+            <a:schemeClr val="accent1"/>
+          </a:effectRef>
+          <a:fontRef idx="minor">
+            <a:schemeClr val="lt1"/>
+          </a:fontRef>
+        </p:style>
+        <p:txBody>
+          <a:bodyPr rtlCol="0" anchor="ctr"/>
+          <a:lstStyle/>
+          <a:p>
+            <a:pPr algn="ctr"/>
+            <a:endParaRPr lang="en-US"/>
+          </a:p>
+        </p:txBody>
+      </p:sp>
+    </p:spTree>
+    <p:extLst>
+      <p:ext uri="{BB962C8B-B14F-4D97-AF65-F5344CB8AC3E}">
+        <p14:creationId xmlns:p14="http://schemas.microsoft.com/office/powerpoint/2010/main" val="3337337094"/>
+      </p:ext>
+    </p:extLst>
+  </p:cSld>
+  <p:clrMapOvr>
+    <a:masterClrMapping/>
+  </p:clrMapOvr>
+  <p:timing>
+    <p:tnLst>
+      <p:par>
+        <p:cTn id="1" dur="indefinite" restart="never" nodeType="tmRoot">
+          <p:childTnLst>
+            <p:seq concurrent="1" nextAc="seek">
+              <p:cTn id="2" dur="indefinite" nodeType="mainSeq">
+                <p:childTnLst>
+                  <p:par>
+                    <p:cTn id="3" fill="hold">
+                      <p:stCondLst>
+                        <p:cond delay="indefinite"/>
+                      </p:stCondLst>
+                      <p:childTnLst>
+                        <p:par>
+                          <p:cTn id="4" fill="hold">
+                            <p:stCondLst>
+                              <p:cond delay="0"/>
+                            </p:stCondLst>
+                            <p:childTnLst>
+                              <p:par>
+                                <p:cTn id="5" presetID="63" presetClass="path" presetSubtype="0" fill="hold" grpId="0" nodeType="clickEffect">
+                                  <p:stCondLst>
+                                    <p:cond delay="0"/>
+                                  </p:stCondLst>
+                                  <p:childTnLst>
+                                    <p:animMotion origin="layout" path="M 0 0 L 0.9083334 0 E" pathEditMode="relative" ptsTypes="">
+                                      <p:cBhvr>
+                                        <p:cTn id="6" dur="30000" fill="hold"/>
+                                        <p:tgtEl>
+                                          <p:spTgt spid="8"/>
+                                        </p:tgtEl>
+                                        <p:attrNameLst>
+                                          <p:attrName>ppt_x</p:attrName>
+                                          <p:attrName>ppt_y</p:attrName>
+                                        </p:attrNameLst>
+                                      </p:cBhvr>
+                                    </p:animMotion>
+                                  </p:childTnLst>
+                                </p:cTn>
+                              </p:par>
+                              <p:par>
+                                <p:cTn id="7" presetID="63" presetClass="path" presetSubtype="0" fill="hold" grpId="0" nodeType="withEffect">
+                                  <p:stCondLst>
+                                    <p:cond delay="0"/>
+                                  </p:stCondLst>
+                                  <p:childTnLst>
+                                    <p:animMotion origin="layout" path="M 0 0 L 0.9083334 0 E" pathEditMode="relative" ptsTypes="">
+                                      <p:cBhvr>
+                                        <p:cTn id="8" dur="30000" fill="hold"/>
+                                        <p:tgtEl>
+                                          <p:spTgt spid="9"/>
+                                        </p:tgtEl>
+                                        <p:attrNameLst>
+                                          <p:attrName>ppt_x</p:attrName>
+                                          <p:attrName>ppt_y</p:attrName>
+                                        </p:attrNameLst>
+                                      </p:cBhvr>
+                                    </p:animMotion>
+                                  </p:childTnLst>
+                                </p:cTn>
+                              </p:par>
+                            </p:childTnLst>
+                          </p:cTn>
+                        </p:par>
+                        <p:par>
+                          <p:cTn id="9" fill="hold">
+                            <p:stCondLst>
+                              <p:cond delay="30000"/>
+                            </p:stCondLst>
+                            <p:childTnLst>
+                              <p:par>
+                                <p:cTn id="10" presetID="24" presetClass="emph" presetSubtype="0" fill="hold" grpId="1" nodeType="afterEffect">
+                                  <p:stCondLst>
+                                    <p:cond delay="0"/>
+                                  </p:stCondLst>
+                                  <p:childTnLst>
+                                    <p:animClr clrSpc="hsl" dir="cw">
+                                      <p:cBhvr override="childStyle">
+                                        <p:cTn id="11" dur="1" fill="hold"/>
+                                        <p:tgtEl>
+                                          <p:spTgt spid="8"/>
+                                        </p:tgtEl>
+                                        <p:attrNameLst>
+                                          <p:attrName>style.color</p:attrName>
+                                        </p:attrNameLst>
+                                      </p:cBhvr>
+                                      <p:by>
+                                        <p:hsl h="0" s="-12549" l="-25098"/>
+                                      </p:by>
+                                    </p:animClr>
+                                    <p:animClr clrSpc="hsl" dir="cw">
+                                      <p:cBhvr>
+                                        <p:cTn id="12" dur="1" fill="hold"/>
+                                        <p:tgtEl>
+                                          <p:spTgt spid="8"/>
+                                        </p:tgtEl>
+                                        <p:attrNameLst>
+                                          <p:attrName>fillcolor</p:attrName>
+                                        </p:attrNameLst>
+                                      </p:cBhvr>
+                                      <p:by>
+                                        <p:hsl h="0" s="-12549" l="-25098"/>
+                                      </p:by>
+                                    </p:animClr>
+                                    <p:animClr clrSpc="hsl" dir="cw">
+                                      <p:cBhvr>
+                                        <p:cTn id="13" dur="1" fill="hold"/>
+                                        <p:tgtEl>
+                                          <p:spTgt spid="8"/>
+                                        </p:tgtEl>
+                                        <p:attrNameLst>
+                                          <p:attrName>stroke.color</p:attrName>
+                                        </p:attrNameLst>
+                                      </p:cBhvr>
+                                      <p:by>
+                                        <p:hsl h="0" s="-12549" l="-25098"/>
+                                      </p:by>
+                                    </p:animClr>
+                                    <p:set>
+                                      <p:cBhvr>
+                                        <p:cTn id="14" dur="1" fill="hold"/>
+                                        <p:tgtEl>
+                                          <p:spTgt spid="8"/>
+                                        </p:tgtEl>
+                                        <p:attrNameLst>
+                                          <p:attrName>fill.type</p:attrName>
+                                        </p:attrNameLst>
+                                      </p:cBhvr>
+                                      <p:to>
+                                        <p:strVal val="solid"/>
+                                      </p:to>
+                                    </p:set>
+                                  </p:childTnLst>
+                                </p:cTn>
+                              </p:par>
+                              <p:par>
+                                <p:cTn id="15" presetID="24" presetClass="emph" presetSubtype="0" fill="hold" grpId="1" nodeType="withEffect">
+                                  <p:stCondLst>
+                                    <p:cond delay="0"/>
+                                  </p:stCondLst>
+                                  <p:childTnLst>
+                                    <p:animClr clrSpc="hsl" dir="cw">
+                                      <p:cBhvr override="childStyle">
+                                        <p:cTn id="16" dur="1" fill="hold"/>
+                                        <p:tgtEl>
+                                          <p:spTgt spid="9"/>
+                                        </p:tgtEl>
+                                        <p:attrNameLst>
+                                          <p:attrName>style.color</p:attrName>
+                                        </p:attrNameLst>
+                                      </p:cBhvr>
+                                      <p:by>
+                                        <p:hsl h="0" s="-12549" l="-25098"/>
+                                      </p:by>
+                                    </p:animClr>
+                                    <p:animClr clrSpc="hsl" dir="cw">
+                                      <p:cBhvr>
+                                        <p:cTn id="17" dur="1" fill="hold"/>
+                                        <p:tgtEl>
+                                          <p:spTgt spid="9"/>
+                                        </p:tgtEl>
+                                        <p:attrNameLst>
+                                          <p:attrName>fillcolor</p:attrName>
+                                        </p:attrNameLst>
+                                      </p:cBhvr>
+                                      <p:by>
+                                        <p:hsl h="0" s="-12549" l="-25098"/>
+                                      </p:by>
+                                    </p:animClr>
+                                    <p:animClr clrSpc="hsl" dir="cw">
+                                      <p:cBhvr>
+                                        <p:cTn id="18" dur="1" fill="hold"/>
+                                        <p:tgtEl>
+                                          <p:spTgt spid="9"/>
+                                        </p:tgtEl>
+                                        <p:attrNameLst>
+                                          <p:attrName>stroke.color</p:attrName>
+                                        </p:attrNameLst>
+                                      </p:cBhvr>
+                                      <p:by>
+                                        <p:hsl h="0" s="-12549" l="-25098"/>
+                                      </p:by>
+                                    </p:animClr>
+                                    <p:set>
+                                      <p:cBhvr>
+                                        <p:cTn id="19" dur="1" fill="hold"/>
+                                        <p:tgtEl>
+                                          <p:spTgt spid="9"/>
+                                        </p:tgtEl>
+                                        <p:attrNameLst>
+                                          <p:attrName>fill.type</p:attrName>
+                                        </p:attrNameLst>
+                                      </p:cBhvr>
+                                      <p:to>
+                                        <p:strVal val="solid"/>
+                                      </p:to>
+                                    </p:set>
+                                  </p:childTnLst>
+                                </p:cTn>
+                              </p:par>
+                            </p:childTnLst>
+                          </p:cTn>
+                        </p:par>
+                      </p:childTnLst>
+                    </p:cTn>
+                  </p:par>
+                </p:childTnLst>
+              </p:cTn>
+              <p:prevCondLst>
+                <p:cond evt="onPrev" delay="0">
+                  <p:tgtEl>
+                    <p:sldTgt/>
+                  </p:tgtEl>
+                </p:cond>
+              </p:prevCondLst>
+              <p:nextCondLst>
+                <p:cond evt="onNext" delay="0">
+                  <p:tgtEl>
+                    <p:sldTgt/>
+                  </p:tgtEl>
+                </p:cond>
+              </p:nextCondLst>
+            </p:seq>
+          </p:childTnLst>
+        </p:cTn>
+      </p:par>
+    </p:tnLst>
+    <p:bldLst>
+      <p:bldP spid="8" grpId="0" animBg="1"/>
+      <p:bldP spid="8" grpId="1" animBg="1"/>
+      <p:bldP spid="9" grpId="0" animBg="1"/>
+      <p:bldP spid="9" grpId="1" animBg="1"/>
+    </p:bldLst>
+  </p:timing>
+</p:sld>
+</file>
+
+<file path=ppt/slides/slide16.xml><?xml version="1.0" encoding="utf-8"?>
+<p:sld xmlns:a="http://schemas.openxmlformats.org/drawingml/2006/main" xmlns:r="http://schemas.openxmlformats.org/officeDocument/2006/relationships" xmlns:p="http://schemas.openxmlformats.org/presentationml/2006/main">
+  <p:cSld>
+    <p:bg>
+      <p:bgPr>
+        <a:solidFill>
+          <a:schemeClr val="bg1"/>
+        </a:solidFill>
+        <a:effectLst/>
+      </p:bgPr>
+    </p:bg>
+    <p:spTree>
+      <p:nvGrpSpPr>
+        <p:cNvPr id="1" name=""/>
+        <p:cNvGrpSpPr/>
+        <p:nvPr/>
+      </p:nvGrpSpPr>
+      <p:grpSpPr>
+        <a:xfrm>
+          <a:off x="0" y="0"/>
+          <a:ext cx="0" cy="0"/>
+          <a:chOff x="0" y="0"/>
+          <a:chExt cx="0" cy="0"/>
+        </a:xfrm>
+      </p:grpSpPr>
+      <p:sp>
+        <p:nvSpPr>
+          <p:cNvPr id="16" name="TimerBody"/>
+          <p:cNvSpPr/>
+          <p:nvPr>
+            <p:custDataLst>
+              <p:tags r:id="rId1"/>
+            </p:custDataLst>
+          </p:nvPr>
+        </p:nvSpPr>
+        <p:spPr>
+          <a:xfrm>
+            <a:off x="419100" y="889000"/>
+            <a:ext cx="8305800" cy="5080000"/>
+          </a:xfrm>
+          <a:prstGeom prst="rect">
+            <a:avLst/>
+          </a:prstGeom>
+          <a:solidFill>
+            <a:srgbClr val="44546A"/>
+          </a:solidFill>
+          <a:ln>
+            <a:solidFill>
+              <a:srgbClr val="44546A"/>
+            </a:solidFill>
+          </a:ln>
+        </p:spPr>
+        <p:style>
+          <a:lnRef idx="2">
+            <a:schemeClr val="accent1">
+              <a:shade val="50000"/>
+            </a:schemeClr>
+          </a:lnRef>
+          <a:fillRef idx="1">
+            <a:schemeClr val="accent1"/>
+          </a:fillRef>
+          <a:effectRef idx="0">
+            <a:schemeClr val="accent1"/>
+          </a:effectRef>
+          <a:fontRef idx="minor">
+            <a:schemeClr val="lt1"/>
+          </a:fontRef>
+        </p:style>
+        <p:txBody>
+          <a:bodyPr rtlCol="0" anchor="ctr"/>
+          <a:lstStyle/>
+          <a:p>
+            <a:pPr algn="ctr"/>
+            <a:endParaRPr lang="en-US"/>
+          </a:p>
+        </p:txBody>
+      </p:sp>
+      <p:grpSp>
+        <p:nvGrpSpPr>
+          <p:cNvPr id="44" name="TimerLineMarkerGroup">
+            <a:extLst>
+              <a:ext uri="{FF2B5EF4-FFF2-40B4-BE49-F238E27FC236}">
+                <a16:creationId xmlns:a16="http://schemas.microsoft.com/office/drawing/2014/main" id="{75E70D00-137F-4C60-A18B-CCE653C3CDBC}"/>
+              </a:ext>
+            </a:extLst>
+          </p:cNvPr>
+          <p:cNvGrpSpPr/>
+          <p:nvPr>
+            <p:custDataLst>
+              <p:tags r:id="rId2"/>
+            </p:custDataLst>
+          </p:nvPr>
+        </p:nvGrpSpPr>
+        <p:grpSpPr>
+          <a:xfrm>
+            <a:off x="613766" y="889000"/>
+            <a:ext cx="7786688" cy="5080000"/>
+            <a:chOff x="194667" y="0"/>
+            <a:chExt cx="7786688" cy="5080000"/>
+          </a:xfrm>
+        </p:grpSpPr>
+        <p:cxnSp>
+          <p:nvCxnSpPr>
+            <p:cNvPr id="13" name="TimerLineMarker6">
+              <a:extLst>
+                <a:ext uri="{FF2B5EF4-FFF2-40B4-BE49-F238E27FC236}">
+                  <a16:creationId xmlns:a16="http://schemas.microsoft.com/office/drawing/2014/main" id="{4A0DCDC7-39B0-467F-B40F-4525C72F8B9D}"/>
+                </a:ext>
+              </a:extLst>
+            </p:cNvPr>
+            <p:cNvCxnSpPr/>
+            <p:nvPr>
+              <p:custDataLst>
+                <p:tags r:id="rId12"/>
+              </p:custDataLst>
+            </p:nvPr>
+          </p:nvCxnSpPr>
+          <p:spPr>
+            <a:xfrm>
+              <a:off x="194667" y="0"/>
+              <a:ext cx="0" cy="5080000"/>
+            </a:xfrm>
+            <a:prstGeom prst="line">
+              <a:avLst/>
+            </a:prstGeom>
+            <a:ln w="25400">
+              <a:solidFill>
+                <a:srgbClr val="4472C4"/>
+              </a:solidFill>
+            </a:ln>
+          </p:spPr>
+          <p:style>
+            <a:lnRef idx="1">
+              <a:schemeClr val="accent1"/>
+            </a:lnRef>
+            <a:fillRef idx="0">
+              <a:schemeClr val="accent1"/>
+            </a:fillRef>
+            <a:effectRef idx="0">
+              <a:schemeClr val="accent1"/>
+            </a:effectRef>
+            <a:fontRef idx="minor">
+              <a:schemeClr val="tx1"/>
+            </a:fontRef>
+          </p:style>
+        </p:cxnSp>
+        <p:cxnSp>
+          <p:nvCxnSpPr>
+            <p:cNvPr id="15" name="TimerLineMarker16">
+              <a:extLst>
+                <a:ext uri="{FF2B5EF4-FFF2-40B4-BE49-F238E27FC236}">
+                  <a16:creationId xmlns:a16="http://schemas.microsoft.com/office/drawing/2014/main" id="{646DC2C8-CB5E-4BCA-8473-4D23826D78F1}"/>
+                </a:ext>
+              </a:extLst>
+            </p:cNvPr>
+            <p:cNvCxnSpPr/>
+            <p:nvPr>
+              <p:custDataLst>
+                <p:tags r:id="rId13"/>
+              </p:custDataLst>
+            </p:nvPr>
+          </p:nvCxnSpPr>
+          <p:spPr>
+            <a:xfrm>
+              <a:off x="519113" y="0"/>
+              <a:ext cx="0" cy="5080000"/>
+            </a:xfrm>
+            <a:prstGeom prst="line">
+              <a:avLst/>
+            </a:prstGeom>
+            <a:ln w="50800">
+              <a:solidFill>
+                <a:srgbClr val="4472C4"/>
+              </a:solidFill>
+            </a:ln>
+          </p:spPr>
+          <p:style>
+            <a:lnRef idx="1">
+              <a:schemeClr val="accent1"/>
+            </a:lnRef>
+            <a:fillRef idx="0">
+              <a:schemeClr val="accent1"/>
+            </a:fillRef>
+            <a:effectRef idx="0">
+              <a:schemeClr val="accent1"/>
+            </a:effectRef>
+            <a:fontRef idx="minor">
+              <a:schemeClr val="tx1"/>
+            </a:fontRef>
+          </p:style>
+        </p:cxnSp>
+        <p:cxnSp>
+          <p:nvCxnSpPr>
+            <p:cNvPr id="17" name="TimerLineMarker26">
+              <a:extLst>
+                <a:ext uri="{FF2B5EF4-FFF2-40B4-BE49-F238E27FC236}">
+                  <a16:creationId xmlns:a16="http://schemas.microsoft.com/office/drawing/2014/main" id="{FB66D061-8D2B-4313-8F3F-83CDE7F139AA}"/>
+                </a:ext>
+              </a:extLst>
+            </p:cNvPr>
+            <p:cNvCxnSpPr/>
+            <p:nvPr>
+              <p:custDataLst>
+                <p:tags r:id="rId14"/>
+              </p:custDataLst>
+            </p:nvPr>
+          </p:nvCxnSpPr>
+          <p:spPr>
+            <a:xfrm>
+              <a:off x="843558" y="0"/>
+              <a:ext cx="0" cy="5080000"/>
+            </a:xfrm>
+            <a:prstGeom prst="line">
+              <a:avLst/>
+            </a:prstGeom>
+            <a:ln w="25400">
+              <a:solidFill>
+                <a:srgbClr val="4472C4"/>
+              </a:solidFill>
+            </a:ln>
+          </p:spPr>
+          <p:style>
+            <a:lnRef idx="1">
+              <a:schemeClr val="accent1"/>
+            </a:lnRef>
+            <a:fillRef idx="0">
+              <a:schemeClr val="accent1"/>
+            </a:fillRef>
+            <a:effectRef idx="0">
+              <a:schemeClr val="accent1"/>
+            </a:effectRef>
+            <a:fontRef idx="minor">
+              <a:schemeClr val="tx1"/>
+            </a:fontRef>
+          </p:style>
+        </p:cxnSp>
+        <p:cxnSp>
+          <p:nvCxnSpPr>
+            <p:cNvPr id="18" name="TimerLineMarker36">
+              <a:extLst>
+                <a:ext uri="{FF2B5EF4-FFF2-40B4-BE49-F238E27FC236}">
+                  <a16:creationId xmlns:a16="http://schemas.microsoft.com/office/drawing/2014/main" id="{D632F430-E22C-4DF3-9AE7-967318340353}"/>
+                </a:ext>
+              </a:extLst>
+            </p:cNvPr>
+            <p:cNvCxnSpPr/>
+            <p:nvPr>
+              <p:custDataLst>
+                <p:tags r:id="rId15"/>
+              </p:custDataLst>
+            </p:nvPr>
+          </p:nvCxnSpPr>
+          <p:spPr>
+            <a:xfrm>
+              <a:off x="1168003" y="0"/>
+              <a:ext cx="0" cy="5080000"/>
+            </a:xfrm>
+            <a:prstGeom prst="line">
+              <a:avLst/>
+            </a:prstGeom>
+            <a:ln w="25400">
+              <a:solidFill>
+                <a:srgbClr val="4472C4"/>
+              </a:solidFill>
+            </a:ln>
+          </p:spPr>
+          <p:style>
+            <a:lnRef idx="1">
+              <a:schemeClr val="accent1"/>
+            </a:lnRef>
+            <a:fillRef idx="0">
+              <a:schemeClr val="accent1"/>
+            </a:fillRef>
+            <a:effectRef idx="0">
+              <a:schemeClr val="accent1"/>
+            </a:effectRef>
+            <a:fontRef idx="minor">
+              <a:schemeClr val="tx1"/>
+            </a:fontRef>
+          </p:style>
+        </p:cxnSp>
+        <p:cxnSp>
+          <p:nvCxnSpPr>
+            <p:cNvPr id="19" name="TimerLineMarker46">
+              <a:extLst>
+                <a:ext uri="{FF2B5EF4-FFF2-40B4-BE49-F238E27FC236}">
+                  <a16:creationId xmlns:a16="http://schemas.microsoft.com/office/drawing/2014/main" id="{8C5698BC-457F-4346-883B-532CB9CC6AC3}"/>
+                </a:ext>
+              </a:extLst>
+            </p:cNvPr>
+            <p:cNvCxnSpPr/>
+            <p:nvPr>
+              <p:custDataLst>
+                <p:tags r:id="rId16"/>
+              </p:custDataLst>
+            </p:nvPr>
+          </p:nvCxnSpPr>
+          <p:spPr>
+            <a:xfrm>
+              <a:off x="1492448" y="0"/>
+              <a:ext cx="0" cy="5080000"/>
+            </a:xfrm>
+            <a:prstGeom prst="line">
+              <a:avLst/>
+            </a:prstGeom>
+            <a:ln w="25400">
+              <a:solidFill>
+                <a:srgbClr val="4472C4"/>
+              </a:solidFill>
+            </a:ln>
+          </p:spPr>
+          <p:style>
+            <a:lnRef idx="1">
+              <a:schemeClr val="accent1"/>
+            </a:lnRef>
+            <a:fillRef idx="0">
+              <a:schemeClr val="accent1"/>
+            </a:fillRef>
+            <a:effectRef idx="0">
+              <a:schemeClr val="accent1"/>
+            </a:effectRef>
+            <a:fontRef idx="minor">
+              <a:schemeClr val="tx1"/>
+            </a:fontRef>
+          </p:style>
+        </p:cxnSp>
+        <p:cxnSp>
+          <p:nvCxnSpPr>
+            <p:cNvPr id="20" name="TimerLineMarker56">
+              <a:extLst>
+                <a:ext uri="{FF2B5EF4-FFF2-40B4-BE49-F238E27FC236}">
+                  <a16:creationId xmlns:a16="http://schemas.microsoft.com/office/drawing/2014/main" id="{BF7FB7D0-B044-4F64-AE4D-5CE72A8BFDB2}"/>
+                </a:ext>
+              </a:extLst>
+            </p:cNvPr>
+            <p:cNvCxnSpPr/>
+            <p:nvPr>
+              <p:custDataLst>
+                <p:tags r:id="rId17"/>
+              </p:custDataLst>
+            </p:nvPr>
+          </p:nvCxnSpPr>
+          <p:spPr>
+            <a:xfrm>
+              <a:off x="1816894" y="0"/>
+              <a:ext cx="0" cy="5080000"/>
+            </a:xfrm>
+            <a:prstGeom prst="line">
+              <a:avLst/>
+            </a:prstGeom>
+            <a:ln w="25400">
+              <a:solidFill>
+                <a:srgbClr val="4472C4"/>
+              </a:solidFill>
+            </a:ln>
+          </p:spPr>
+          <p:style>
+            <a:lnRef idx="1">
+              <a:schemeClr val="accent1"/>
+            </a:lnRef>
+            <a:fillRef idx="0">
+              <a:schemeClr val="accent1"/>
+            </a:fillRef>
+            <a:effectRef idx="0">
+              <a:schemeClr val="accent1"/>
+            </a:effectRef>
+            <a:fontRef idx="minor">
+              <a:schemeClr val="tx1"/>
+            </a:fontRef>
+          </p:style>
+        </p:cxnSp>
+        <p:cxnSp>
+          <p:nvCxnSpPr>
+            <p:cNvPr id="21" name="TimerLineMarker66">
+              <a:extLst>
+                <a:ext uri="{FF2B5EF4-FFF2-40B4-BE49-F238E27FC236}">
+                  <a16:creationId xmlns:a16="http://schemas.microsoft.com/office/drawing/2014/main" id="{963D92DA-2D5F-4082-A3F0-91C4C5865F70}"/>
+                </a:ext>
+              </a:extLst>
+            </p:cNvPr>
+            <p:cNvCxnSpPr/>
+            <p:nvPr>
+              <p:custDataLst>
+                <p:tags r:id="rId18"/>
+              </p:custDataLst>
+            </p:nvPr>
+          </p:nvCxnSpPr>
+          <p:spPr>
+            <a:xfrm>
+              <a:off x="2141339" y="0"/>
+              <a:ext cx="0" cy="5080000"/>
+            </a:xfrm>
+            <a:prstGeom prst="line">
+              <a:avLst/>
+            </a:prstGeom>
+            <a:ln w="25400">
+              <a:solidFill>
+                <a:srgbClr val="4472C4"/>
+              </a:solidFill>
+            </a:ln>
+          </p:spPr>
+          <p:style>
+            <a:lnRef idx="1">
+              <a:schemeClr val="accent1"/>
+            </a:lnRef>
+            <a:fillRef idx="0">
+              <a:schemeClr val="accent1"/>
+            </a:fillRef>
+            <a:effectRef idx="0">
+              <a:schemeClr val="accent1"/>
+            </a:effectRef>
+            <a:fontRef idx="minor">
+              <a:schemeClr val="tx1"/>
+            </a:fontRef>
+          </p:style>
+        </p:cxnSp>
+        <p:cxnSp>
+          <p:nvCxnSpPr>
+            <p:cNvPr id="23" name="TimerLineMarker76">
+              <a:extLst>
+                <a:ext uri="{FF2B5EF4-FFF2-40B4-BE49-F238E27FC236}">
+                  <a16:creationId xmlns:a16="http://schemas.microsoft.com/office/drawing/2014/main" id="{E4DAA5FA-BBC6-43B3-81CD-9A30C1CFD660}"/>
+                </a:ext>
+              </a:extLst>
+            </p:cNvPr>
+            <p:cNvCxnSpPr/>
+            <p:nvPr>
+              <p:custDataLst>
+                <p:tags r:id="rId19"/>
+              </p:custDataLst>
+            </p:nvPr>
+          </p:nvCxnSpPr>
+          <p:spPr>
+            <a:xfrm>
+              <a:off x="2465784" y="0"/>
+              <a:ext cx="0" cy="5080000"/>
+            </a:xfrm>
+            <a:prstGeom prst="line">
+              <a:avLst/>
+            </a:prstGeom>
+            <a:ln w="50800">
+              <a:solidFill>
+                <a:srgbClr val="4472C4"/>
+              </a:solidFill>
+            </a:ln>
+          </p:spPr>
+          <p:style>
+            <a:lnRef idx="1">
+              <a:schemeClr val="accent1"/>
+            </a:lnRef>
+            <a:fillRef idx="0">
+              <a:schemeClr val="accent1"/>
+            </a:fillRef>
+            <a:effectRef idx="0">
+              <a:schemeClr val="accent1"/>
+            </a:effectRef>
+            <a:fontRef idx="minor">
+              <a:schemeClr val="tx1"/>
+            </a:fontRef>
+          </p:style>
+        </p:cxnSp>
+        <p:cxnSp>
+          <p:nvCxnSpPr>
+            <p:cNvPr id="24" name="TimerLineMarker86">
+              <a:extLst>
+                <a:ext uri="{FF2B5EF4-FFF2-40B4-BE49-F238E27FC236}">
+                  <a16:creationId xmlns:a16="http://schemas.microsoft.com/office/drawing/2014/main" id="{A8B5E8AC-0543-46FB-ADD8-39CCE1EABAD6}"/>
+                </a:ext>
+              </a:extLst>
+            </p:cNvPr>
+            <p:cNvCxnSpPr/>
+            <p:nvPr>
+              <p:custDataLst>
+                <p:tags r:id="rId20"/>
+              </p:custDataLst>
+            </p:nvPr>
+          </p:nvCxnSpPr>
+          <p:spPr>
+            <a:xfrm>
+              <a:off x="2790230" y="0"/>
+              <a:ext cx="0" cy="5080000"/>
+            </a:xfrm>
+            <a:prstGeom prst="line">
+              <a:avLst/>
+            </a:prstGeom>
+            <a:ln w="25400">
+              <a:solidFill>
+                <a:srgbClr val="4472C4"/>
+              </a:solidFill>
+            </a:ln>
+          </p:spPr>
+          <p:style>
+            <a:lnRef idx="1">
+              <a:schemeClr val="accent1"/>
+            </a:lnRef>
+            <a:fillRef idx="0">
+              <a:schemeClr val="accent1"/>
+            </a:fillRef>
+            <a:effectRef idx="0">
+              <a:schemeClr val="accent1"/>
+            </a:effectRef>
+            <a:fontRef idx="minor">
+              <a:schemeClr val="tx1"/>
+            </a:fontRef>
+          </p:style>
+        </p:cxnSp>
+        <p:cxnSp>
+          <p:nvCxnSpPr>
+            <p:cNvPr id="25" name="TimerLineMarker96">
+              <a:extLst>
+                <a:ext uri="{FF2B5EF4-FFF2-40B4-BE49-F238E27FC236}">
+                  <a16:creationId xmlns:a16="http://schemas.microsoft.com/office/drawing/2014/main" id="{0FE270F6-8659-4E33-AC58-D12C8136B93C}"/>
+                </a:ext>
+              </a:extLst>
+            </p:cNvPr>
+            <p:cNvCxnSpPr/>
+            <p:nvPr>
+              <p:custDataLst>
+                <p:tags r:id="rId21"/>
+              </p:custDataLst>
+            </p:nvPr>
+          </p:nvCxnSpPr>
+          <p:spPr>
+            <a:xfrm>
+              <a:off x="3114675" y="0"/>
+              <a:ext cx="0" cy="5080000"/>
+            </a:xfrm>
+            <a:prstGeom prst="line">
+              <a:avLst/>
+            </a:prstGeom>
+            <a:ln w="25400">
+              <a:solidFill>
+                <a:srgbClr val="4472C4"/>
+              </a:solidFill>
+            </a:ln>
+          </p:spPr>
+          <p:style>
+            <a:lnRef idx="1">
+              <a:schemeClr val="accent1"/>
+            </a:lnRef>
+            <a:fillRef idx="0">
+              <a:schemeClr val="accent1"/>
+            </a:fillRef>
+            <a:effectRef idx="0">
+              <a:schemeClr val="accent1"/>
+            </a:effectRef>
+            <a:fontRef idx="minor">
+              <a:schemeClr val="tx1"/>
+            </a:fontRef>
+          </p:style>
+        </p:cxnSp>
+        <p:cxnSp>
+          <p:nvCxnSpPr>
+            <p:cNvPr id="26" name="TimerLineMarker106">
+              <a:extLst>
+                <a:ext uri="{FF2B5EF4-FFF2-40B4-BE49-F238E27FC236}">
+                  <a16:creationId xmlns:a16="http://schemas.microsoft.com/office/drawing/2014/main" id="{C5E9010A-DCC9-43C8-8EF6-73CF416E95D2}"/>
+                </a:ext>
+              </a:extLst>
+            </p:cNvPr>
+            <p:cNvCxnSpPr/>
+            <p:nvPr>
+              <p:custDataLst>
+                <p:tags r:id="rId22"/>
+              </p:custDataLst>
+            </p:nvPr>
+          </p:nvCxnSpPr>
+          <p:spPr>
+            <a:xfrm>
+              <a:off x="3439120" y="0"/>
+              <a:ext cx="0" cy="5080000"/>
+            </a:xfrm>
+            <a:prstGeom prst="line">
+              <a:avLst/>
+            </a:prstGeom>
+            <a:ln w="25400">
+              <a:solidFill>
+                <a:srgbClr val="4472C4"/>
+              </a:solidFill>
+            </a:ln>
+          </p:spPr>
+          <p:style>
+            <a:lnRef idx="1">
+              <a:schemeClr val="accent1"/>
+            </a:lnRef>
+            <a:fillRef idx="0">
+              <a:schemeClr val="accent1"/>
+            </a:fillRef>
+            <a:effectRef idx="0">
+              <a:schemeClr val="accent1"/>
+            </a:effectRef>
+            <a:fontRef idx="minor">
+              <a:schemeClr val="tx1"/>
+            </a:fontRef>
+          </p:style>
+        </p:cxnSp>
+        <p:cxnSp>
+          <p:nvCxnSpPr>
+            <p:cNvPr id="27" name="TimerLineMarker116">
+              <a:extLst>
+                <a:ext uri="{FF2B5EF4-FFF2-40B4-BE49-F238E27FC236}">
+                  <a16:creationId xmlns:a16="http://schemas.microsoft.com/office/drawing/2014/main" id="{E928CF3F-6963-4216-927F-AA437C2E1D8A}"/>
+                </a:ext>
+              </a:extLst>
+            </p:cNvPr>
+            <p:cNvCxnSpPr/>
+            <p:nvPr>
+              <p:custDataLst>
+                <p:tags r:id="rId23"/>
+              </p:custDataLst>
+            </p:nvPr>
+          </p:nvCxnSpPr>
+          <p:spPr>
+            <a:xfrm>
+              <a:off x="3763566" y="0"/>
+              <a:ext cx="0" cy="5080000"/>
+            </a:xfrm>
+            <a:prstGeom prst="line">
+              <a:avLst/>
+            </a:prstGeom>
+            <a:ln w="25400">
+              <a:solidFill>
+                <a:srgbClr val="4472C4"/>
+              </a:solidFill>
+            </a:ln>
+          </p:spPr>
+          <p:style>
+            <a:lnRef idx="1">
+              <a:schemeClr val="accent1"/>
+            </a:lnRef>
+            <a:fillRef idx="0">
+              <a:schemeClr val="accent1"/>
+            </a:fillRef>
+            <a:effectRef idx="0">
+              <a:schemeClr val="accent1"/>
+            </a:effectRef>
+            <a:fontRef idx="minor">
+              <a:schemeClr val="tx1"/>
+            </a:fontRef>
+          </p:style>
+        </p:cxnSp>
+        <p:cxnSp>
+          <p:nvCxnSpPr>
+            <p:cNvPr id="28" name="TimerLineMarker126">
+              <a:extLst>
+                <a:ext uri="{FF2B5EF4-FFF2-40B4-BE49-F238E27FC236}">
+                  <a16:creationId xmlns:a16="http://schemas.microsoft.com/office/drawing/2014/main" id="{2092B066-BB64-49D8-BD02-A14813A561ED}"/>
+                </a:ext>
+              </a:extLst>
+            </p:cNvPr>
+            <p:cNvCxnSpPr/>
+            <p:nvPr>
+              <p:custDataLst>
+                <p:tags r:id="rId24"/>
+              </p:custDataLst>
+            </p:nvPr>
+          </p:nvCxnSpPr>
+          <p:spPr>
+            <a:xfrm>
+              <a:off x="4088011" y="0"/>
+              <a:ext cx="0" cy="5080000"/>
+            </a:xfrm>
+            <a:prstGeom prst="line">
+              <a:avLst/>
+            </a:prstGeom>
+            <a:ln w="25400">
+              <a:solidFill>
+                <a:srgbClr val="4472C4"/>
+              </a:solidFill>
+            </a:ln>
+          </p:spPr>
+          <p:style>
+            <a:lnRef idx="1">
+              <a:schemeClr val="accent1"/>
+            </a:lnRef>
+            <a:fillRef idx="0">
+              <a:schemeClr val="accent1"/>
+            </a:fillRef>
+            <a:effectRef idx="0">
+              <a:schemeClr val="accent1"/>
+            </a:effectRef>
+            <a:fontRef idx="minor">
+              <a:schemeClr val="tx1"/>
+            </a:fontRef>
+          </p:style>
+        </p:cxnSp>
+        <p:cxnSp>
+          <p:nvCxnSpPr>
+            <p:cNvPr id="30" name="TimerLineMarker136">
+              <a:extLst>
+                <a:ext uri="{FF2B5EF4-FFF2-40B4-BE49-F238E27FC236}">
+                  <a16:creationId xmlns:a16="http://schemas.microsoft.com/office/drawing/2014/main" id="{A0B6FB0D-22B2-402E-8BDD-67B2545B15C6}"/>
+                </a:ext>
+              </a:extLst>
+            </p:cNvPr>
+            <p:cNvCxnSpPr/>
+            <p:nvPr>
+              <p:custDataLst>
+                <p:tags r:id="rId25"/>
+              </p:custDataLst>
+            </p:nvPr>
+          </p:nvCxnSpPr>
+          <p:spPr>
+            <a:xfrm>
+              <a:off x="4412456" y="0"/>
+              <a:ext cx="0" cy="5080000"/>
+            </a:xfrm>
+            <a:prstGeom prst="line">
+              <a:avLst/>
+            </a:prstGeom>
+            <a:ln w="50800">
+              <a:solidFill>
+                <a:srgbClr val="4472C4"/>
+              </a:solidFill>
+            </a:ln>
+          </p:spPr>
+          <p:style>
+            <a:lnRef idx="1">
+              <a:schemeClr val="accent1"/>
+            </a:lnRef>
+            <a:fillRef idx="0">
+              <a:schemeClr val="accent1"/>
+            </a:fillRef>
+            <a:effectRef idx="0">
+              <a:schemeClr val="accent1"/>
+            </a:effectRef>
+            <a:fontRef idx="minor">
+              <a:schemeClr val="tx1"/>
+            </a:fontRef>
+          </p:style>
+        </p:cxnSp>
+        <p:cxnSp>
+          <p:nvCxnSpPr>
+            <p:cNvPr id="31" name="TimerLineMarker146">
+              <a:extLst>
+                <a:ext uri="{FF2B5EF4-FFF2-40B4-BE49-F238E27FC236}">
+                  <a16:creationId xmlns:a16="http://schemas.microsoft.com/office/drawing/2014/main" id="{C131E7F8-D5AD-4548-8ACD-B0B1255BEB01}"/>
+                </a:ext>
+              </a:extLst>
+            </p:cNvPr>
+            <p:cNvCxnSpPr/>
+            <p:nvPr>
+              <p:custDataLst>
+                <p:tags r:id="rId26"/>
+              </p:custDataLst>
+            </p:nvPr>
+          </p:nvCxnSpPr>
+          <p:spPr>
+            <a:xfrm>
+              <a:off x="4736902" y="0"/>
+              <a:ext cx="0" cy="5080000"/>
+            </a:xfrm>
+            <a:prstGeom prst="line">
+              <a:avLst/>
+            </a:prstGeom>
+            <a:ln w="25400">
+              <a:solidFill>
+                <a:srgbClr val="4472C4"/>
+              </a:solidFill>
+            </a:ln>
+          </p:spPr>
+          <p:style>
+            <a:lnRef idx="1">
+              <a:schemeClr val="accent1"/>
+            </a:lnRef>
+            <a:fillRef idx="0">
+              <a:schemeClr val="accent1"/>
+            </a:fillRef>
+            <a:effectRef idx="0">
+              <a:schemeClr val="accent1"/>
+            </a:effectRef>
+            <a:fontRef idx="minor">
+              <a:schemeClr val="tx1"/>
+            </a:fontRef>
+          </p:style>
+        </p:cxnSp>
+        <p:cxnSp>
+          <p:nvCxnSpPr>
+            <p:cNvPr id="32" name="TimerLineMarker156">
+              <a:extLst>
+                <a:ext uri="{FF2B5EF4-FFF2-40B4-BE49-F238E27FC236}">
+                  <a16:creationId xmlns:a16="http://schemas.microsoft.com/office/drawing/2014/main" id="{4E4DADD2-D20A-49A7-8EC9-29E7869C33DE}"/>
+                </a:ext>
+              </a:extLst>
+            </p:cNvPr>
+            <p:cNvCxnSpPr/>
+            <p:nvPr>
+              <p:custDataLst>
+                <p:tags r:id="rId27"/>
+              </p:custDataLst>
+            </p:nvPr>
+          </p:nvCxnSpPr>
+          <p:spPr>
+            <a:xfrm>
+              <a:off x="5061347" y="0"/>
+              <a:ext cx="0" cy="5080000"/>
+            </a:xfrm>
+            <a:prstGeom prst="line">
+              <a:avLst/>
+            </a:prstGeom>
+            <a:ln w="25400">
+              <a:solidFill>
+                <a:srgbClr val="4472C4"/>
+              </a:solidFill>
+            </a:ln>
+          </p:spPr>
+          <p:style>
+            <a:lnRef idx="1">
+              <a:schemeClr val="accent1"/>
+            </a:lnRef>
+            <a:fillRef idx="0">
+              <a:schemeClr val="accent1"/>
+            </a:fillRef>
+            <a:effectRef idx="0">
+              <a:schemeClr val="accent1"/>
+            </a:effectRef>
+            <a:fontRef idx="minor">
+              <a:schemeClr val="tx1"/>
+            </a:fontRef>
+          </p:style>
+        </p:cxnSp>
+        <p:cxnSp>
+          <p:nvCxnSpPr>
+            <p:cNvPr id="33" name="TimerLineMarker166">
+              <a:extLst>
+                <a:ext uri="{FF2B5EF4-FFF2-40B4-BE49-F238E27FC236}">
+                  <a16:creationId xmlns:a16="http://schemas.microsoft.com/office/drawing/2014/main" id="{064AEB1F-92B7-4BC3-B7A1-CF51CC16FCD9}"/>
+                </a:ext>
+              </a:extLst>
+            </p:cNvPr>
+            <p:cNvCxnSpPr/>
+            <p:nvPr>
+              <p:custDataLst>
+                <p:tags r:id="rId28"/>
+              </p:custDataLst>
+            </p:nvPr>
+          </p:nvCxnSpPr>
+          <p:spPr>
+            <a:xfrm>
+              <a:off x="5385792" y="0"/>
+              <a:ext cx="0" cy="5080000"/>
+            </a:xfrm>
+            <a:prstGeom prst="line">
+              <a:avLst/>
+            </a:prstGeom>
+            <a:ln w="25400">
+              <a:solidFill>
+                <a:srgbClr val="4472C4"/>
+              </a:solidFill>
+            </a:ln>
+          </p:spPr>
+          <p:style>
+            <a:lnRef idx="1">
+              <a:schemeClr val="accent1"/>
+            </a:lnRef>
+            <a:fillRef idx="0">
+              <a:schemeClr val="accent1"/>
+            </a:fillRef>
+            <a:effectRef idx="0">
+              <a:schemeClr val="accent1"/>
+            </a:effectRef>
+            <a:fontRef idx="minor">
+              <a:schemeClr val="tx1"/>
+            </a:fontRef>
+          </p:style>
+        </p:cxnSp>
+        <p:cxnSp>
+          <p:nvCxnSpPr>
+            <p:cNvPr id="34" name="TimerLineMarker176">
+              <a:extLst>
+                <a:ext uri="{FF2B5EF4-FFF2-40B4-BE49-F238E27FC236}">
+                  <a16:creationId xmlns:a16="http://schemas.microsoft.com/office/drawing/2014/main" id="{EF82F306-5BB6-4613-997B-31817516F3D2}"/>
+                </a:ext>
+              </a:extLst>
+            </p:cNvPr>
+            <p:cNvCxnSpPr/>
+            <p:nvPr>
+              <p:custDataLst>
+                <p:tags r:id="rId29"/>
+              </p:custDataLst>
+            </p:nvPr>
+          </p:nvCxnSpPr>
+          <p:spPr>
+            <a:xfrm>
+              <a:off x="5710238" y="0"/>
+              <a:ext cx="0" cy="5080000"/>
+            </a:xfrm>
+            <a:prstGeom prst="line">
+              <a:avLst/>
+            </a:prstGeom>
+            <a:ln w="25400">
+              <a:solidFill>
+                <a:srgbClr val="4472C4"/>
+              </a:solidFill>
+            </a:ln>
+          </p:spPr>
+          <p:style>
+            <a:lnRef idx="1">
+              <a:schemeClr val="accent1"/>
+            </a:lnRef>
+            <a:fillRef idx="0">
+              <a:schemeClr val="accent1"/>
+            </a:fillRef>
+            <a:effectRef idx="0">
+              <a:schemeClr val="accent1"/>
+            </a:effectRef>
+            <a:fontRef idx="minor">
+              <a:schemeClr val="tx1"/>
+            </a:fontRef>
+          </p:style>
+        </p:cxnSp>
+        <p:cxnSp>
+          <p:nvCxnSpPr>
+            <p:cNvPr id="35" name="TimerLineMarker186">
+              <a:extLst>
+                <a:ext uri="{FF2B5EF4-FFF2-40B4-BE49-F238E27FC236}">
+                  <a16:creationId xmlns:a16="http://schemas.microsoft.com/office/drawing/2014/main" id="{EA6F0F68-446F-403A-84CC-BD9BD30BE3E7}"/>
+                </a:ext>
+              </a:extLst>
+            </p:cNvPr>
+            <p:cNvCxnSpPr/>
+            <p:nvPr>
+              <p:custDataLst>
+                <p:tags r:id="rId30"/>
+              </p:custDataLst>
+            </p:nvPr>
+          </p:nvCxnSpPr>
+          <p:spPr>
+            <a:xfrm>
+              <a:off x="6034683" y="0"/>
+              <a:ext cx="0" cy="5080000"/>
+            </a:xfrm>
+            <a:prstGeom prst="line">
+              <a:avLst/>
+            </a:prstGeom>
+            <a:ln w="25400">
+              <a:solidFill>
+                <a:srgbClr val="4472C4"/>
+              </a:solidFill>
+            </a:ln>
+          </p:spPr>
+          <p:style>
+            <a:lnRef idx="1">
+              <a:schemeClr val="accent1"/>
+            </a:lnRef>
+            <a:fillRef idx="0">
+              <a:schemeClr val="accent1"/>
+            </a:fillRef>
+            <a:effectRef idx="0">
+              <a:schemeClr val="accent1"/>
+            </a:effectRef>
+            <a:fontRef idx="minor">
+              <a:schemeClr val="tx1"/>
+            </a:fontRef>
+          </p:style>
+        </p:cxnSp>
+        <p:cxnSp>
+          <p:nvCxnSpPr>
+            <p:cNvPr id="37" name="TimerLineMarker196">
+              <a:extLst>
+                <a:ext uri="{FF2B5EF4-FFF2-40B4-BE49-F238E27FC236}">
+                  <a16:creationId xmlns:a16="http://schemas.microsoft.com/office/drawing/2014/main" id="{0C77B80F-F6AE-4768-900D-458E150CF747}"/>
+                </a:ext>
+              </a:extLst>
+            </p:cNvPr>
+            <p:cNvCxnSpPr/>
+            <p:nvPr>
+              <p:custDataLst>
+                <p:tags r:id="rId31"/>
+              </p:custDataLst>
+            </p:nvPr>
+          </p:nvCxnSpPr>
+          <p:spPr>
+            <a:xfrm>
+              <a:off x="6359128" y="0"/>
+              <a:ext cx="0" cy="5080000"/>
+            </a:xfrm>
+            <a:prstGeom prst="line">
+              <a:avLst/>
+            </a:prstGeom>
+            <a:ln w="50800">
+              <a:solidFill>
+                <a:srgbClr val="4472C4"/>
+              </a:solidFill>
+            </a:ln>
+          </p:spPr>
+          <p:style>
+            <a:lnRef idx="1">
+              <a:schemeClr val="accent1"/>
+            </a:lnRef>
+            <a:fillRef idx="0">
+              <a:schemeClr val="accent1"/>
+            </a:fillRef>
+            <a:effectRef idx="0">
+              <a:schemeClr val="accent1"/>
+            </a:effectRef>
+            <a:fontRef idx="minor">
+              <a:schemeClr val="tx1"/>
+            </a:fontRef>
+          </p:style>
+        </p:cxnSp>
+        <p:cxnSp>
+          <p:nvCxnSpPr>
+            <p:cNvPr id="38" name="TimerLineMarker206">
+              <a:extLst>
+                <a:ext uri="{FF2B5EF4-FFF2-40B4-BE49-F238E27FC236}">
+                  <a16:creationId xmlns:a16="http://schemas.microsoft.com/office/drawing/2014/main" id="{39C8FEC2-E27A-4BA3-AAC6-B13A6E597848}"/>
+                </a:ext>
+              </a:extLst>
+            </p:cNvPr>
+            <p:cNvCxnSpPr/>
+            <p:nvPr>
+              <p:custDataLst>
+                <p:tags r:id="rId32"/>
+              </p:custDataLst>
+            </p:nvPr>
+          </p:nvCxnSpPr>
+          <p:spPr>
+            <a:xfrm>
+              <a:off x="6683573" y="0"/>
+              <a:ext cx="0" cy="5080000"/>
+            </a:xfrm>
+            <a:prstGeom prst="line">
+              <a:avLst/>
+            </a:prstGeom>
+            <a:ln w="25400">
+              <a:solidFill>
+                <a:srgbClr val="4472C4"/>
+              </a:solidFill>
+            </a:ln>
+          </p:spPr>
+          <p:style>
+            <a:lnRef idx="1">
+              <a:schemeClr val="accent1"/>
+            </a:lnRef>
+            <a:fillRef idx="0">
+              <a:schemeClr val="accent1"/>
+            </a:fillRef>
+            <a:effectRef idx="0">
+              <a:schemeClr val="accent1"/>
+            </a:effectRef>
+            <a:fontRef idx="minor">
+              <a:schemeClr val="tx1"/>
+            </a:fontRef>
+          </p:style>
+        </p:cxnSp>
+        <p:cxnSp>
+          <p:nvCxnSpPr>
+            <p:cNvPr id="39" name="TimerLineMarker216">
+              <a:extLst>
+                <a:ext uri="{FF2B5EF4-FFF2-40B4-BE49-F238E27FC236}">
+                  <a16:creationId xmlns:a16="http://schemas.microsoft.com/office/drawing/2014/main" id="{BEF80C3E-573D-470C-9F10-1BE14BE89E89}"/>
+                </a:ext>
+              </a:extLst>
+            </p:cNvPr>
+            <p:cNvCxnSpPr/>
+            <p:nvPr>
+              <p:custDataLst>
+                <p:tags r:id="rId33"/>
+              </p:custDataLst>
+            </p:nvPr>
+          </p:nvCxnSpPr>
+          <p:spPr>
+            <a:xfrm>
+              <a:off x="7008019" y="0"/>
+              <a:ext cx="0" cy="5080000"/>
+            </a:xfrm>
+            <a:prstGeom prst="line">
+              <a:avLst/>
+            </a:prstGeom>
+            <a:ln w="25400">
+              <a:solidFill>
+                <a:srgbClr val="4472C4"/>
+              </a:solidFill>
+            </a:ln>
+          </p:spPr>
+          <p:style>
+            <a:lnRef idx="1">
+              <a:schemeClr val="accent1"/>
+            </a:lnRef>
+            <a:fillRef idx="0">
+              <a:schemeClr val="accent1"/>
+            </a:fillRef>
+            <a:effectRef idx="0">
+              <a:schemeClr val="accent1"/>
+            </a:effectRef>
+            <a:fontRef idx="minor">
+              <a:schemeClr val="tx1"/>
+            </a:fontRef>
+          </p:style>
+        </p:cxnSp>
+        <p:cxnSp>
+          <p:nvCxnSpPr>
+            <p:cNvPr id="40" name="TimerLineMarker226">
+              <a:extLst>
+                <a:ext uri="{FF2B5EF4-FFF2-40B4-BE49-F238E27FC236}">
+                  <a16:creationId xmlns:a16="http://schemas.microsoft.com/office/drawing/2014/main" id="{EDDEF6D9-1758-4C08-81A4-C75D1F41D0F4}"/>
+                </a:ext>
+              </a:extLst>
+            </p:cNvPr>
+            <p:cNvCxnSpPr/>
+            <p:nvPr>
+              <p:custDataLst>
+                <p:tags r:id="rId34"/>
+              </p:custDataLst>
+            </p:nvPr>
+          </p:nvCxnSpPr>
+          <p:spPr>
+            <a:xfrm>
+              <a:off x="7332464" y="0"/>
+              <a:ext cx="0" cy="5080000"/>
+            </a:xfrm>
+            <a:prstGeom prst="line">
+              <a:avLst/>
+            </a:prstGeom>
+            <a:ln w="25400">
+              <a:solidFill>
+                <a:srgbClr val="4472C4"/>
+              </a:solidFill>
+            </a:ln>
+          </p:spPr>
+          <p:style>
+            <a:lnRef idx="1">
+              <a:schemeClr val="accent1"/>
+            </a:lnRef>
+            <a:fillRef idx="0">
+              <a:schemeClr val="accent1"/>
+            </a:fillRef>
+            <a:effectRef idx="0">
+              <a:schemeClr val="accent1"/>
+            </a:effectRef>
+            <a:fontRef idx="minor">
+              <a:schemeClr val="tx1"/>
+            </a:fontRef>
+          </p:style>
+        </p:cxnSp>
+        <p:cxnSp>
+          <p:nvCxnSpPr>
+            <p:cNvPr id="41" name="TimerLineMarker236">
+              <a:extLst>
+                <a:ext uri="{FF2B5EF4-FFF2-40B4-BE49-F238E27FC236}">
+                  <a16:creationId xmlns:a16="http://schemas.microsoft.com/office/drawing/2014/main" id="{6890AA8C-D3CA-4F46-A60A-2A28A0DAF63A}"/>
+                </a:ext>
+              </a:extLst>
+            </p:cNvPr>
+            <p:cNvCxnSpPr/>
+            <p:nvPr>
+              <p:custDataLst>
+                <p:tags r:id="rId35"/>
+              </p:custDataLst>
+            </p:nvPr>
+          </p:nvCxnSpPr>
+          <p:spPr>
+            <a:xfrm>
+              <a:off x="7656909" y="0"/>
+              <a:ext cx="0" cy="5080000"/>
+            </a:xfrm>
+            <a:prstGeom prst="line">
+              <a:avLst/>
+            </a:prstGeom>
+            <a:ln w="25400">
+              <a:solidFill>
+                <a:srgbClr val="4472C4"/>
+              </a:solidFill>
+            </a:ln>
+          </p:spPr>
+          <p:style>
+            <a:lnRef idx="1">
+              <a:schemeClr val="accent1"/>
+            </a:lnRef>
+            <a:fillRef idx="0">
+              <a:schemeClr val="accent1"/>
+            </a:fillRef>
+            <a:effectRef idx="0">
+              <a:schemeClr val="accent1"/>
+            </a:effectRef>
+            <a:fontRef idx="minor">
+              <a:schemeClr val="tx1"/>
+            </a:fontRef>
+          </p:style>
+        </p:cxnSp>
+        <p:cxnSp>
+          <p:nvCxnSpPr>
+            <p:cNvPr id="42" name="TimerLineMarker246">
+              <a:extLst>
+                <a:ext uri="{FF2B5EF4-FFF2-40B4-BE49-F238E27FC236}">
+                  <a16:creationId xmlns:a16="http://schemas.microsoft.com/office/drawing/2014/main" id="{4E7CF1EA-BF17-4804-AEBE-F7AC5288A8FC}"/>
+                </a:ext>
+              </a:extLst>
+            </p:cNvPr>
+            <p:cNvCxnSpPr/>
+            <p:nvPr>
+              <p:custDataLst>
+                <p:tags r:id="rId36"/>
+              </p:custDataLst>
+            </p:nvPr>
+          </p:nvCxnSpPr>
+          <p:spPr>
+            <a:xfrm>
+              <a:off x="7981355" y="0"/>
+              <a:ext cx="0" cy="5080000"/>
+            </a:xfrm>
+            <a:prstGeom prst="line">
+              <a:avLst/>
+            </a:prstGeom>
+            <a:ln w="25400">
+              <a:solidFill>
+                <a:srgbClr val="4472C4"/>
+              </a:solidFill>
+            </a:ln>
+          </p:spPr>
+          <p:style>
+            <a:lnRef idx="1">
+              <a:schemeClr val="accent1"/>
+            </a:lnRef>
+            <a:fillRef idx="0">
+              <a:schemeClr val="accent1"/>
+            </a:fillRef>
+            <a:effectRef idx="0">
+              <a:schemeClr val="accent1"/>
+            </a:effectRef>
+            <a:fontRef idx="minor">
+              <a:schemeClr val="tx1"/>
+            </a:fontRef>
+          </p:style>
+        </p:cxnSp>
+      </p:grpSp>
+      <p:grpSp>
+        <p:nvGrpSpPr>
+          <p:cNvPr id="45" name="TimerTimeMarkerGroup">
+            <a:extLst>
+              <a:ext uri="{FF2B5EF4-FFF2-40B4-BE49-F238E27FC236}">
+                <a16:creationId xmlns:a16="http://schemas.microsoft.com/office/drawing/2014/main" id="{786718B4-E49B-4E21-8AC9-6051DEA9D5ED}"/>
+              </a:ext>
+            </a:extLst>
+          </p:cNvPr>
+          <p:cNvGrpSpPr/>
+          <p:nvPr>
+            <p:custDataLst>
+              <p:tags r:id="rId3"/>
+            </p:custDataLst>
+          </p:nvPr>
+        </p:nvGrpSpPr>
+        <p:grpSpPr>
+          <a:xfrm>
+            <a:off x="419100" y="5969000"/>
+            <a:ext cx="8305800" cy="381000"/>
+            <a:chOff x="0" y="0"/>
+            <a:chExt cx="8318500" cy="381000"/>
+          </a:xfrm>
+        </p:grpSpPr>
+        <p:sp>
+          <p:nvSpPr>
+            <p:cNvPr id="12" name="TimerTimeMarker256">
+              <a:extLst>
+                <a:ext uri="{FF2B5EF4-FFF2-40B4-BE49-F238E27FC236}">
+                  <a16:creationId xmlns:a16="http://schemas.microsoft.com/office/drawing/2014/main" id="{4493F831-7918-4D40-B882-35489D579515}"/>
+                </a:ext>
+              </a:extLst>
+            </p:cNvPr>
+            <p:cNvSpPr/>
+            <p:nvPr>
+              <p:custDataLst>
+                <p:tags r:id="rId6"/>
+              </p:custDataLst>
+            </p:nvPr>
+          </p:nvSpPr>
+          <p:spPr>
+            <a:xfrm>
+              <a:off x="0" y="0"/>
+              <a:ext cx="12700" cy="381000"/>
+            </a:xfrm>
+            <a:prstGeom prst="rect">
+              <a:avLst/>
+            </a:prstGeom>
+            <a:solidFill>
+              <a:schemeClr val="accent1">
+                <a:alpha val="0"/>
+              </a:schemeClr>
+            </a:solidFill>
+            <a:ln w="25400" cap="flat" cmpd="sng" algn="ctr">
+              <a:solidFill>
+                <a:schemeClr val="accent1">
+                  <a:shade val="50000"/>
+                  <a:alpha val="0"/>
+                </a:schemeClr>
+              </a:solidFill>
+              <a:prstDash val="solid"/>
+              <a:round/>
+              <a:headEnd type="none" w="med" len="med"/>
+              <a:tailEnd type="none" w="med" len="med"/>
+            </a:ln>
+          </p:spPr>
+          <p:style>
+            <a:lnRef idx="2">
+              <a:schemeClr val="accent1">
+                <a:shade val="50000"/>
+              </a:schemeClr>
+            </a:lnRef>
+            <a:fillRef idx="1">
+              <a:schemeClr val="accent1"/>
+            </a:fillRef>
+            <a:effectRef idx="0">
+              <a:schemeClr val="accent1"/>
+            </a:effectRef>
+            <a:fontRef idx="minor">
+              <a:schemeClr val="lt1"/>
+            </a:fontRef>
+          </p:style>
+          <p:txBody>
+            <a:bodyPr wrap="none" rtlCol="0" anchor="ctr"/>
+            <a:lstStyle/>
+            <a:p>
+              <a:pPr algn="ctr"/>
+              <a:r>
+                <a:rPr lang="en-SG">
+                  <a:solidFill>
+                    <a:srgbClr val="FF0000"/>
+                  </a:solidFill>
+                </a:rPr>
+                <a:t>4.16</a:t>
+              </a:r>
+            </a:p>
+          </p:txBody>
+        </p:sp>
+        <p:sp>
+          <p:nvSpPr>
+            <p:cNvPr id="14" name="TimerTimeMarker240">
+              <a:extLst>
+                <a:ext uri="{FF2B5EF4-FFF2-40B4-BE49-F238E27FC236}">
+                  <a16:creationId xmlns:a16="http://schemas.microsoft.com/office/drawing/2014/main" id="{9746BE0A-34D8-4BA0-95E2-2D4C500E2488}"/>
+                </a:ext>
+              </a:extLst>
+            </p:cNvPr>
+            <p:cNvSpPr/>
+            <p:nvPr>
+              <p:custDataLst>
+                <p:tags r:id="rId7"/>
+              </p:custDataLst>
+            </p:nvPr>
+          </p:nvSpPr>
+          <p:spPr>
+            <a:xfrm>
+              <a:off x="519113" y="0"/>
+              <a:ext cx="12700" cy="381000"/>
+            </a:xfrm>
+            <a:prstGeom prst="rect">
+              <a:avLst/>
+            </a:prstGeom>
+            <a:solidFill>
+              <a:schemeClr val="accent1">
+                <a:alpha val="0"/>
+              </a:schemeClr>
+            </a:solidFill>
+            <a:ln w="25400" cap="flat" cmpd="sng" algn="ctr">
+              <a:solidFill>
+                <a:schemeClr val="accent1">
+                  <a:shade val="50000"/>
+                  <a:alpha val="0"/>
+                </a:schemeClr>
+              </a:solidFill>
+              <a:prstDash val="solid"/>
+              <a:round/>
+              <a:headEnd type="none" w="med" len="med"/>
+              <a:tailEnd type="none" w="med" len="med"/>
+            </a:ln>
+          </p:spPr>
+          <p:style>
+            <a:lnRef idx="2">
+              <a:schemeClr val="accent1">
+                <a:shade val="50000"/>
+              </a:schemeClr>
+            </a:lnRef>
+            <a:fillRef idx="1">
+              <a:schemeClr val="accent1"/>
+            </a:fillRef>
+            <a:effectRef idx="0">
+              <a:schemeClr val="accent1"/>
+            </a:effectRef>
+            <a:fontRef idx="minor">
+              <a:schemeClr val="lt1"/>
+            </a:fontRef>
+          </p:style>
+          <p:txBody>
+            <a:bodyPr wrap="none" rtlCol="0" anchor="ctr"/>
+            <a:lstStyle/>
+            <a:p>
+              <a:pPr algn="ctr"/>
+              <a:r>
+                <a:rPr lang="en-SG">
+                  <a:solidFill>
+                    <a:srgbClr val="FF0000"/>
+                  </a:solidFill>
+                </a:rPr>
+                <a:t>4</a:t>
+              </a:r>
+            </a:p>
+          </p:txBody>
+        </p:sp>
+        <p:sp>
+          <p:nvSpPr>
+            <p:cNvPr id="22" name="TimerTimeMarker180">
+              <a:extLst>
+                <a:ext uri="{FF2B5EF4-FFF2-40B4-BE49-F238E27FC236}">
+                  <a16:creationId xmlns:a16="http://schemas.microsoft.com/office/drawing/2014/main" id="{543F8FAC-44DB-4B56-A259-14286012ADBD}"/>
+                </a:ext>
+              </a:extLst>
+            </p:cNvPr>
+            <p:cNvSpPr/>
+            <p:nvPr>
+              <p:custDataLst>
+                <p:tags r:id="rId8"/>
+              </p:custDataLst>
+            </p:nvPr>
+          </p:nvSpPr>
+          <p:spPr>
+            <a:xfrm>
+              <a:off x="2465784" y="0"/>
+              <a:ext cx="12700" cy="381000"/>
+            </a:xfrm>
+            <a:prstGeom prst="rect">
+              <a:avLst/>
+            </a:prstGeom>
+            <a:solidFill>
+              <a:schemeClr val="accent1">
+                <a:alpha val="0"/>
+              </a:schemeClr>
+            </a:solidFill>
+            <a:ln w="25400" cap="flat" cmpd="sng" algn="ctr">
+              <a:solidFill>
+                <a:schemeClr val="accent1">
+                  <a:shade val="50000"/>
+                  <a:alpha val="0"/>
+                </a:schemeClr>
+              </a:solidFill>
+              <a:prstDash val="solid"/>
+              <a:round/>
+              <a:headEnd type="none" w="med" len="med"/>
+              <a:tailEnd type="none" w="med" len="med"/>
+            </a:ln>
+          </p:spPr>
+          <p:style>
+            <a:lnRef idx="2">
+              <a:schemeClr val="accent1">
+                <a:shade val="50000"/>
+              </a:schemeClr>
+            </a:lnRef>
+            <a:fillRef idx="1">
+              <a:schemeClr val="accent1"/>
+            </a:fillRef>
+            <a:effectRef idx="0">
+              <a:schemeClr val="accent1"/>
+            </a:effectRef>
+            <a:fontRef idx="minor">
+              <a:schemeClr val="lt1"/>
+            </a:fontRef>
+          </p:style>
+          <p:txBody>
+            <a:bodyPr wrap="none" rtlCol="0" anchor="ctr"/>
+            <a:lstStyle/>
+            <a:p>
+              <a:pPr algn="ctr"/>
+              <a:r>
+                <a:rPr lang="en-SG">
+                  <a:solidFill>
+                    <a:srgbClr val="FF0000"/>
+                  </a:solidFill>
+                </a:rPr>
+                <a:t>3</a:t>
+              </a:r>
+            </a:p>
+          </p:txBody>
+        </p:sp>
+        <p:sp>
+          <p:nvSpPr>
+            <p:cNvPr id="29" name="TimerTimeMarker120">
+              <a:extLst>
+                <a:ext uri="{FF2B5EF4-FFF2-40B4-BE49-F238E27FC236}">
+                  <a16:creationId xmlns:a16="http://schemas.microsoft.com/office/drawing/2014/main" id="{90CC5ED6-F94E-4BF6-8D76-69AD9BEF78AE}"/>
+                </a:ext>
+              </a:extLst>
+            </p:cNvPr>
+            <p:cNvSpPr/>
+            <p:nvPr>
+              <p:custDataLst>
+                <p:tags r:id="rId9"/>
+              </p:custDataLst>
+            </p:nvPr>
+          </p:nvSpPr>
+          <p:spPr>
+            <a:xfrm>
+              <a:off x="4412456" y="0"/>
+              <a:ext cx="12700" cy="381000"/>
+            </a:xfrm>
+            <a:prstGeom prst="rect">
+              <a:avLst/>
+            </a:prstGeom>
+            <a:solidFill>
+              <a:schemeClr val="accent1">
+                <a:alpha val="0"/>
+              </a:schemeClr>
+            </a:solidFill>
+            <a:ln w="25400" cap="flat" cmpd="sng" algn="ctr">
+              <a:solidFill>
+                <a:schemeClr val="accent1">
+                  <a:shade val="50000"/>
+                  <a:alpha val="0"/>
+                </a:schemeClr>
+              </a:solidFill>
+              <a:prstDash val="solid"/>
+              <a:round/>
+              <a:headEnd type="none" w="med" len="med"/>
+              <a:tailEnd type="none" w="med" len="med"/>
+            </a:ln>
+          </p:spPr>
+          <p:style>
+            <a:lnRef idx="2">
+              <a:schemeClr val="accent1">
+                <a:shade val="50000"/>
+              </a:schemeClr>
+            </a:lnRef>
+            <a:fillRef idx="1">
+              <a:schemeClr val="accent1"/>
+            </a:fillRef>
+            <a:effectRef idx="0">
+              <a:schemeClr val="accent1"/>
+            </a:effectRef>
+            <a:fontRef idx="minor">
+              <a:schemeClr val="lt1"/>
+            </a:fontRef>
+          </p:style>
+          <p:txBody>
+            <a:bodyPr wrap="none" rtlCol="0" anchor="ctr"/>
+            <a:lstStyle/>
+            <a:p>
+              <a:pPr algn="ctr"/>
+              <a:r>
+                <a:rPr lang="en-SG">
+                  <a:solidFill>
+                    <a:srgbClr val="FF0000"/>
+                  </a:solidFill>
+                </a:rPr>
+                <a:t>2</a:t>
+              </a:r>
+            </a:p>
+          </p:txBody>
+        </p:sp>
+        <p:sp>
+          <p:nvSpPr>
+            <p:cNvPr id="36" name="TimerTimeMarker60">
+              <a:extLst>
+                <a:ext uri="{FF2B5EF4-FFF2-40B4-BE49-F238E27FC236}">
+                  <a16:creationId xmlns:a16="http://schemas.microsoft.com/office/drawing/2014/main" id="{6FBBE6F3-9C7E-4784-8278-6ADCE265DC10}"/>
+                </a:ext>
+              </a:extLst>
+            </p:cNvPr>
+            <p:cNvSpPr/>
+            <p:nvPr>
+              <p:custDataLst>
+                <p:tags r:id="rId10"/>
+              </p:custDataLst>
+            </p:nvPr>
+          </p:nvSpPr>
+          <p:spPr>
+            <a:xfrm>
+              <a:off x="6359128" y="0"/>
+              <a:ext cx="12700" cy="381000"/>
+            </a:xfrm>
+            <a:prstGeom prst="rect">
+              <a:avLst/>
+            </a:prstGeom>
+            <a:solidFill>
+              <a:schemeClr val="accent1">
+                <a:alpha val="0"/>
+              </a:schemeClr>
+            </a:solidFill>
+            <a:ln w="25400" cap="flat" cmpd="sng" algn="ctr">
+              <a:solidFill>
+                <a:schemeClr val="accent1">
+                  <a:shade val="50000"/>
+                  <a:alpha val="0"/>
+                </a:schemeClr>
+              </a:solidFill>
+              <a:prstDash val="solid"/>
+              <a:round/>
+              <a:headEnd type="none" w="med" len="med"/>
+              <a:tailEnd type="none" w="med" len="med"/>
+            </a:ln>
+          </p:spPr>
+          <p:style>
+            <a:lnRef idx="2">
+              <a:schemeClr val="accent1">
+                <a:shade val="50000"/>
+              </a:schemeClr>
+            </a:lnRef>
+            <a:fillRef idx="1">
+              <a:schemeClr val="accent1"/>
+            </a:fillRef>
+            <a:effectRef idx="0">
+              <a:schemeClr val="accent1"/>
+            </a:effectRef>
+            <a:fontRef idx="minor">
+              <a:schemeClr val="lt1"/>
+            </a:fontRef>
+          </p:style>
+          <p:txBody>
+            <a:bodyPr wrap="none" rtlCol="0" anchor="ctr"/>
+            <a:lstStyle/>
+            <a:p>
+              <a:pPr algn="ctr"/>
+              <a:r>
+                <a:rPr lang="en-SG">
+                  <a:solidFill>
+                    <a:srgbClr val="FF0000"/>
+                  </a:solidFill>
+                </a:rPr>
+                <a:t>1</a:t>
+              </a:r>
+            </a:p>
+          </p:txBody>
+        </p:sp>
+        <p:sp>
+          <p:nvSpPr>
+            <p:cNvPr id="43" name="TimerTimeMarker0">
+              <a:extLst>
+                <a:ext uri="{FF2B5EF4-FFF2-40B4-BE49-F238E27FC236}">
+                  <a16:creationId xmlns:a16="http://schemas.microsoft.com/office/drawing/2014/main" id="{7446C8A3-73BE-4381-ACFB-D25C13DC1DAB}"/>
+                </a:ext>
+              </a:extLst>
+            </p:cNvPr>
+            <p:cNvSpPr/>
+            <p:nvPr>
+              <p:custDataLst>
+                <p:tags r:id="rId11"/>
+              </p:custDataLst>
+            </p:nvPr>
+          </p:nvSpPr>
+          <p:spPr>
+            <a:xfrm>
+              <a:off x="8305800" y="0"/>
+              <a:ext cx="12700" cy="381000"/>
+            </a:xfrm>
+            <a:prstGeom prst="rect">
+              <a:avLst/>
+            </a:prstGeom>
+            <a:solidFill>
+              <a:schemeClr val="accent1">
+                <a:alpha val="0"/>
+              </a:schemeClr>
+            </a:solidFill>
+            <a:ln w="25400" cap="flat" cmpd="sng" algn="ctr">
+              <a:solidFill>
+                <a:schemeClr val="accent1">
+                  <a:shade val="50000"/>
+                  <a:alpha val="0"/>
+                </a:schemeClr>
+              </a:solidFill>
+              <a:prstDash val="solid"/>
+              <a:round/>
+              <a:headEnd type="none" w="med" len="med"/>
+              <a:tailEnd type="none" w="med" len="med"/>
+            </a:ln>
+          </p:spPr>
+          <p:style>
+            <a:lnRef idx="2">
+              <a:schemeClr val="accent1">
+                <a:shade val="50000"/>
+              </a:schemeClr>
+            </a:lnRef>
+            <a:fillRef idx="1">
+              <a:schemeClr val="accent1"/>
+            </a:fillRef>
+            <a:effectRef idx="0">
+              <a:schemeClr val="accent1"/>
+            </a:effectRef>
+            <a:fontRef idx="minor">
+              <a:schemeClr val="lt1"/>
+            </a:fontRef>
+          </p:style>
+          <p:txBody>
+            <a:bodyPr wrap="none" rtlCol="0" anchor="ctr"/>
+            <a:lstStyle/>
+            <a:p>
+              <a:pPr algn="ctr"/>
+              <a:r>
+                <a:rPr lang="en-SG">
+                  <a:solidFill>
+                    <a:srgbClr val="FF0000"/>
+                  </a:solidFill>
+                </a:rPr>
+                <a:t>0</a:t>
+              </a:r>
+            </a:p>
+          </p:txBody>
+        </p:sp>
+      </p:grpSp>
+      <p:sp>
+        <p:nvSpPr>
+          <p:cNvPr id="8" name="TimerSliderHead"/>
+          <p:cNvSpPr/>
+          <p:nvPr>
+            <p:custDataLst>
+              <p:tags r:id="rId4"/>
+            </p:custDataLst>
+          </p:nvPr>
+        </p:nvSpPr>
+        <p:spPr>
+          <a:xfrm rot="10800000">
+            <a:off x="292100" y="762000"/>
+            <a:ext cx="254000" cy="254000"/>
+          </a:xfrm>
+          <a:prstGeom prst="triangle">
+            <a:avLst/>
+          </a:prstGeom>
+          <a:solidFill>
+            <a:srgbClr val="F79646"/>
+          </a:solidFill>
+          <a:ln w="25400" cap="flat" cmpd="sng" algn="ctr">
+            <a:solidFill>
+              <a:schemeClr val="accent1">
+                <a:shade val="50000"/>
+                <a:alpha val="0"/>
+              </a:schemeClr>
+            </a:solidFill>
+            <a:prstDash val="solid"/>
+            <a:round/>
+            <a:headEnd type="none" w="med" len="med"/>
+            <a:tailEnd type="none" w="med" len="med"/>
+          </a:ln>
+        </p:spPr>
+        <p:style>
+          <a:lnRef idx="2">
+            <a:schemeClr val="accent1">
+              <a:shade val="50000"/>
+            </a:schemeClr>
+          </a:lnRef>
+          <a:fillRef idx="1">
+            <a:schemeClr val="accent1"/>
+          </a:fillRef>
+          <a:effectRef idx="0">
+            <a:schemeClr val="accent1"/>
+          </a:effectRef>
+          <a:fontRef idx="minor">
+            <a:schemeClr val="lt1"/>
+          </a:fontRef>
+        </p:style>
+        <p:txBody>
+          <a:bodyPr rtlCol="0" anchor="ctr"/>
+          <a:lstStyle/>
+          <a:p>
+            <a:pPr algn="ctr"/>
+            <a:endParaRPr lang="en-US"/>
+          </a:p>
+        </p:txBody>
+      </p:sp>
+      <p:sp>
+        <p:nvSpPr>
+          <p:cNvPr id="9" name="TimerSliderBody"/>
+          <p:cNvSpPr/>
+          <p:nvPr>
+            <p:custDataLst>
+              <p:tags r:id="rId5"/>
+            </p:custDataLst>
+          </p:nvPr>
+        </p:nvSpPr>
+        <p:spPr>
+          <a:xfrm>
+            <a:off x="393700" y="889000"/>
+            <a:ext cx="50800" cy="5080000"/>
+          </a:xfrm>
+          <a:prstGeom prst="rect">
+            <a:avLst/>
+          </a:prstGeom>
+          <a:solidFill>
+            <a:srgbClr val="F79646"/>
+          </a:solidFill>
+          <a:ln w="25400" cap="flat" cmpd="sng" algn="ctr">
+            <a:solidFill>
+              <a:schemeClr val="accent1">
+                <a:shade val="50000"/>
+                <a:alpha val="0"/>
+              </a:schemeClr>
+            </a:solidFill>
+            <a:prstDash val="solid"/>
+            <a:round/>
+            <a:headEnd type="none" w="med" len="med"/>
+            <a:tailEnd type="none" w="med" len="med"/>
+          </a:ln>
+        </p:spPr>
+        <p:style>
+          <a:lnRef idx="2">
+            <a:schemeClr val="accent1">
+              <a:shade val="50000"/>
+            </a:schemeClr>
+          </a:lnRef>
+          <a:fillRef idx="1">
+            <a:schemeClr val="accent1"/>
+          </a:fillRef>
+          <a:effectRef idx="0">
+            <a:schemeClr val="accent1"/>
+          </a:effectRef>
+          <a:fontRef idx="minor">
+            <a:schemeClr val="lt1"/>
+          </a:fontRef>
+        </p:style>
+        <p:txBody>
+          <a:bodyPr rtlCol="0" anchor="ctr"/>
+          <a:lstStyle/>
+          <a:p>
+            <a:pPr algn="ctr"/>
+            <a:endParaRPr lang="en-US"/>
+          </a:p>
+        </p:txBody>
+      </p:sp>
+    </p:spTree>
+    <p:extLst>
+      <p:ext uri="{BB962C8B-B14F-4D97-AF65-F5344CB8AC3E}">
+        <p14:creationId xmlns:p14="http://schemas.microsoft.com/office/powerpoint/2010/main" val="29472716"/>
+      </p:ext>
+    </p:extLst>
+  </p:cSld>
+  <p:clrMapOvr>
+    <a:masterClrMapping/>
+  </p:clrMapOvr>
+  <p:timing>
+    <p:tnLst>
+      <p:par>
+        <p:cTn id="1" dur="indefinite" restart="never" nodeType="tmRoot">
+          <p:childTnLst>
+            <p:seq concurrent="1" nextAc="seek">
+              <p:cTn id="2" dur="indefinite" nodeType="mainSeq">
+                <p:childTnLst>
+                  <p:par>
+                    <p:cTn id="3" fill="hold">
+                      <p:stCondLst>
+                        <p:cond delay="indefinite"/>
+                      </p:stCondLst>
+                      <p:childTnLst>
+                        <p:par>
+                          <p:cTn id="4" fill="hold">
+                            <p:stCondLst>
+                              <p:cond delay="0"/>
+                            </p:stCondLst>
+                            <p:childTnLst>
+                              <p:par>
+                                <p:cTn id="5" presetID="63" presetClass="path" presetSubtype="0" fill="hold" grpId="0" nodeType="clickEffect">
+                                  <p:stCondLst>
+                                    <p:cond delay="0"/>
+                                  </p:stCondLst>
+                                  <p:childTnLst>
+                                    <p:animMotion origin="layout" path="M 0 0 L 0.9083334 0 E" pathEditMode="relative" ptsTypes="">
+                                      <p:cBhvr>
+                                        <p:cTn id="6" dur="256000" fill="hold"/>
+                                        <p:tgtEl>
+                                          <p:spTgt spid="8"/>
+                                        </p:tgtEl>
+                                        <p:attrNameLst>
+                                          <p:attrName>ppt_x</p:attrName>
+                                          <p:attrName>ppt_y</p:attrName>
+                                        </p:attrNameLst>
+                                      </p:cBhvr>
+                                    </p:animMotion>
+                                  </p:childTnLst>
+                                </p:cTn>
+                              </p:par>
+                              <p:par>
+                                <p:cTn id="7" presetID="63" presetClass="path" presetSubtype="0" fill="hold" grpId="0" nodeType="withEffect">
+                                  <p:stCondLst>
+                                    <p:cond delay="0"/>
+                                  </p:stCondLst>
+                                  <p:childTnLst>
+                                    <p:animMotion origin="layout" path="M 0 0 L 0.9083334 0 E" pathEditMode="relative" ptsTypes="">
+                                      <p:cBhvr>
+                                        <p:cTn id="8" dur="256000" fill="hold"/>
+                                        <p:tgtEl>
+                                          <p:spTgt spid="9"/>
+                                        </p:tgtEl>
+                                        <p:attrNameLst>
+                                          <p:attrName>ppt_x</p:attrName>
+                                          <p:attrName>ppt_y</p:attrName>
+                                        </p:attrNameLst>
+                                      </p:cBhvr>
+                                    </p:animMotion>
+                                  </p:childTnLst>
+                                </p:cTn>
+                              </p:par>
+                            </p:childTnLst>
+                          </p:cTn>
+                        </p:par>
+                        <p:par>
+                          <p:cTn id="9" fill="hold">
+                            <p:stCondLst>
+                              <p:cond delay="256000"/>
+                            </p:stCondLst>
+                            <p:childTnLst>
+                              <p:par>
+                                <p:cTn id="10" presetID="24" presetClass="emph" presetSubtype="0" fill="hold" grpId="1" nodeType="afterEffect">
+                                  <p:stCondLst>
+                                    <p:cond delay="0"/>
+                                  </p:stCondLst>
+                                  <p:childTnLst>
+                                    <p:animClr clrSpc="hsl" dir="cw">
+                                      <p:cBhvr override="childStyle">
+                                        <p:cTn id="11" dur="1" fill="hold"/>
+                                        <p:tgtEl>
+                                          <p:spTgt spid="8"/>
+                                        </p:tgtEl>
+                                        <p:attrNameLst>
+                                          <p:attrName>style.color</p:attrName>
+                                        </p:attrNameLst>
+                                      </p:cBhvr>
+                                      <p:by>
+                                        <p:hsl h="0" s="-12549" l="-25098"/>
+                                      </p:by>
+                                    </p:animClr>
+                                    <p:animClr clrSpc="hsl" dir="cw">
+                                      <p:cBhvr>
+                                        <p:cTn id="12" dur="1" fill="hold"/>
+                                        <p:tgtEl>
+                                          <p:spTgt spid="8"/>
+                                        </p:tgtEl>
+                                        <p:attrNameLst>
+                                          <p:attrName>fillcolor</p:attrName>
+                                        </p:attrNameLst>
+                                      </p:cBhvr>
+                                      <p:by>
+                                        <p:hsl h="0" s="-12549" l="-25098"/>
+                                      </p:by>
+                                    </p:animClr>
+                                    <p:animClr clrSpc="hsl" dir="cw">
+                                      <p:cBhvr>
+                                        <p:cTn id="13" dur="1" fill="hold"/>
+                                        <p:tgtEl>
+                                          <p:spTgt spid="8"/>
+                                        </p:tgtEl>
+                                        <p:attrNameLst>
+                                          <p:attrName>stroke.color</p:attrName>
+                                        </p:attrNameLst>
+                                      </p:cBhvr>
+                                      <p:by>
+                                        <p:hsl h="0" s="-12549" l="-25098"/>
+                                      </p:by>
+                                    </p:animClr>
+                                    <p:set>
+                                      <p:cBhvr>
+                                        <p:cTn id="14" dur="1" fill="hold"/>
+                                        <p:tgtEl>
+                                          <p:spTgt spid="8"/>
+                                        </p:tgtEl>
+                                        <p:attrNameLst>
+                                          <p:attrName>fill.type</p:attrName>
+                                        </p:attrNameLst>
+                                      </p:cBhvr>
+                                      <p:to>
+                                        <p:strVal val="solid"/>
+                                      </p:to>
+                                    </p:set>
+                                  </p:childTnLst>
+                                </p:cTn>
+                              </p:par>
+                              <p:par>
+                                <p:cTn id="15" presetID="24" presetClass="emph" presetSubtype="0" fill="hold" grpId="1" nodeType="withEffect">
+                                  <p:stCondLst>
+                                    <p:cond delay="0"/>
+                                  </p:stCondLst>
+                                  <p:childTnLst>
+                                    <p:animClr clrSpc="hsl" dir="cw">
+                                      <p:cBhvr override="childStyle">
+                                        <p:cTn id="16" dur="1" fill="hold"/>
+                                        <p:tgtEl>
+                                          <p:spTgt spid="9"/>
+                                        </p:tgtEl>
+                                        <p:attrNameLst>
+                                          <p:attrName>style.color</p:attrName>
+                                        </p:attrNameLst>
+                                      </p:cBhvr>
+                                      <p:by>
+                                        <p:hsl h="0" s="-12549" l="-25098"/>
+                                      </p:by>
+                                    </p:animClr>
+                                    <p:animClr clrSpc="hsl" dir="cw">
+                                      <p:cBhvr>
+                                        <p:cTn id="17" dur="1" fill="hold"/>
+                                        <p:tgtEl>
+                                          <p:spTgt spid="9"/>
+                                        </p:tgtEl>
+                                        <p:attrNameLst>
+                                          <p:attrName>fillcolor</p:attrName>
+                                        </p:attrNameLst>
+                                      </p:cBhvr>
+                                      <p:by>
+                                        <p:hsl h="0" s="-12549" l="-25098"/>
+                                      </p:by>
+                                    </p:animClr>
+                                    <p:animClr clrSpc="hsl" dir="cw">
+                                      <p:cBhvr>
+                                        <p:cTn id="18" dur="1" fill="hold"/>
+                                        <p:tgtEl>
+                                          <p:spTgt spid="9"/>
+                                        </p:tgtEl>
+                                        <p:attrNameLst>
+                                          <p:attrName>stroke.color</p:attrName>
+                                        </p:attrNameLst>
+                                      </p:cBhvr>
+                                      <p:by>
+                                        <p:hsl h="0" s="-12549" l="-25098"/>
+                                      </p:by>
+                                    </p:animClr>
+                                    <p:set>
+                                      <p:cBhvr>
+                                        <p:cTn id="19" dur="1" fill="hold"/>
+                                        <p:tgtEl>
+                                          <p:spTgt spid="9"/>
+                                        </p:tgtEl>
+                                        <p:attrNameLst>
+                                          <p:attrName>fill.type</p:attrName>
+                                        </p:attrNameLst>
+                                      </p:cBhvr>
+                                      <p:to>
+                                        <p:strVal val="solid"/>
+                                      </p:to>
+                                    </p:set>
+                                  </p:childTnLst>
+                                </p:cTn>
+                              </p:par>
+                            </p:childTnLst>
+                          </p:cTn>
+                        </p:par>
+                      </p:childTnLst>
+                    </p:cTn>
+                  </p:par>
+                </p:childTnLst>
+              </p:cTn>
+              <p:prevCondLst>
+                <p:cond evt="onPrev" delay="0">
+                  <p:tgtEl>
+                    <p:sldTgt/>
+                  </p:tgtEl>
+                </p:cond>
+              </p:prevCondLst>
+              <p:nextCondLst>
+                <p:cond evt="onNext" delay="0">
+                  <p:tgtEl>
+                    <p:sldTgt/>
+                  </p:tgtEl>
+                </p:cond>
+              </p:nextCondLst>
+            </p:seq>
+          </p:childTnLst>
+        </p:cTn>
+      </p:par>
+    </p:tnLst>
+    <p:bldLst>
+      <p:bldP spid="8" grpId="0" animBg="1"/>
+      <p:bldP spid="8" grpId="1" animBg="1"/>
+      <p:bldP spid="9" grpId="0" animBg="1"/>
+      <p:bldP spid="9" grpId="1" animBg="1"/>
+    </p:bldLst>
+  </p:timing>
+</p:sld>
+</file>
+
 <file path=ppt/slides/slide2.xml><?xml version="1.0" encoding="utf-8"?>
 <p:sld xmlns:a="http://schemas.openxmlformats.org/drawingml/2006/main" xmlns:r="http://schemas.openxmlformats.org/officeDocument/2006/relationships" xmlns:p="http://schemas.openxmlformats.org/presentationml/2006/main">
   <p:cSld>
@@ -16577,7 +22190,7 @@
           <a:p>
             <a:pPr algn="l"/>
             <a:r>
-              <a:rPr lang="en-US" sz="7200" dirty="0" smtClean="0">
+              <a:rPr lang="en-US" sz="7200" dirty="0">
                 <a:solidFill>
                   <a:schemeClr val="bg1"/>
                 </a:solidFill>
@@ -16602,13 +22215,6 @@
   <p:clrMapOvr>
     <a:masterClrMapping/>
   </p:clrMapOvr>
-  <p:timing>
-    <p:tnLst>
-      <p:par>
-        <p:cTn id="1" dur="indefinite" restart="never" nodeType="tmRoot"/>
-      </p:par>
-    </p:tnLst>
-  </p:timing>
 </p:sld>
 </file>
 
@@ -16645,7 +22251,7 @@
           <a:lstStyle/>
           <a:p>
             <a:r>
-              <a:rPr lang="en-US" dirty="0" smtClean="0"/>
+              <a:rPr lang="en-US" dirty="0"/>
               <a:t>Timer Lab</a:t>
             </a:r>
             <a:endParaRPr lang="en-SG" dirty="0"/>
@@ -16671,54 +22277,45 @@
               <a:buNone/>
             </a:pPr>
             <a:r>
-              <a:rPr lang="en-US" b="1" dirty="0" smtClean="0"/>
-              <a:t>Additional instructions</a:t>
-            </a:r>
-            <a:r>
               <a:rPr lang="en-US" b="1" dirty="0"/>
-              <a:t>:</a:t>
+              <a:t>Additional instructions:</a:t>
             </a:r>
           </a:p>
           <a:p>
             <a:pPr marL="285750" indent="-285750"/>
             <a:r>
-              <a:rPr lang="en-US" dirty="0" smtClean="0"/>
+              <a:rPr lang="en-US" dirty="0"/>
               <a:t>Click </a:t>
             </a:r>
             <a:r>
-              <a:rPr lang="en-US" b="1" dirty="0" err="1" smtClean="0"/>
+              <a:rPr lang="en-US" b="1" dirty="0" err="1"/>
               <a:t>TimerLab</a:t>
             </a:r>
             <a:r>
-              <a:rPr lang="en-US" dirty="0" smtClean="0"/>
-              <a:t> </a:t>
+              <a:rPr lang="en-US" dirty="0"/>
+              <a:t> Ribbon button.</a:t>
             </a:r>
+          </a:p>
+          <a:p>
+            <a:pPr marL="285750" indent="-285750"/>
             <a:r>
               <a:rPr lang="en-US" dirty="0"/>
-              <a:t>Ribbon button.</a:t>
+              <a:t>Follow the instructions provided in the slide notes.</a:t>
             </a:r>
           </a:p>
           <a:p>
             <a:pPr marL="285750" indent="-285750"/>
             <a:r>
-              <a:rPr lang="en-US" dirty="0" smtClean="0"/>
-              <a:t>Follow the instructions provided in the slide notes.</a:t>
+              <a:rPr lang="en-US" dirty="0"/>
+              <a:t>Do the instructions sequentially from slide 5 onwards</a:t>
             </a:r>
           </a:p>
           <a:p>
             <a:pPr marL="285750" indent="-285750"/>
             <a:r>
-              <a:rPr lang="en-US" dirty="0" smtClean="0"/>
-              <a:t>Do the instructions sequentially from slide 5 onwards</a:t>
-            </a:r>
-          </a:p>
-          <a:p>
-            <a:pPr marL="285750" indent="-285750"/>
-            <a:r>
-              <a:rPr lang="en-US" dirty="0" smtClean="0"/>
+              <a:rPr lang="en-US" dirty="0"/>
               <a:t>Do all operations on the original slide and compare with the expected slide</a:t>
             </a:r>
-            <a:endParaRPr lang="en-US" dirty="0"/>
           </a:p>
         </p:txBody>
       </p:sp>
@@ -17179,18 +22776,13 @@
             <a:p>
               <a:pPr algn="ctr"/>
               <a:r>
-                <a:rPr lang="en-US" smtClean="0">
+                <a:rPr lang="en-US">
                   <a:solidFill>
                     <a:srgbClr val="5A5A5A"/>
                   </a:solidFill>
                 </a:rPr>
                 <a:t>0</a:t>
               </a:r>
-              <a:endParaRPr lang="en-US">
-                <a:solidFill>
-                  <a:srgbClr val="5A5A5A"/>
-                </a:solidFill>
-              </a:endParaRPr>
             </a:p>
           </p:txBody>
         </p:sp>
@@ -17252,18 +22844,13 @@
             <a:p>
               <a:pPr algn="ctr"/>
               <a:r>
-                <a:rPr lang="en-US" smtClean="0">
+                <a:rPr lang="en-US">
                   <a:solidFill>
                     <a:srgbClr val="5A5A5A"/>
                   </a:solidFill>
                 </a:rPr>
                 <a:t>1</a:t>
               </a:r>
-              <a:endParaRPr lang="en-US">
-                <a:solidFill>
-                  <a:srgbClr val="5A5A5A"/>
-                </a:solidFill>
-              </a:endParaRPr>
             </a:p>
           </p:txBody>
         </p:sp>
@@ -17325,18 +22912,13 @@
             <a:p>
               <a:pPr algn="ctr"/>
               <a:r>
-                <a:rPr lang="en-US" smtClean="0">
+                <a:rPr lang="en-US">
                   <a:solidFill>
                     <a:srgbClr val="5A5A5A"/>
                   </a:solidFill>
                 </a:rPr>
                 <a:t>1.05</a:t>
               </a:r>
-              <a:endParaRPr lang="en-US">
-                <a:solidFill>
-                  <a:srgbClr val="5A5A5A"/>
-                </a:solidFill>
-              </a:endParaRPr>
             </a:p>
           </p:txBody>
         </p:sp>
@@ -18113,18 +23695,13 @@
             <a:p>
               <a:pPr algn="ctr"/>
               <a:r>
-                <a:rPr lang="en-US" smtClean="0">
+                <a:rPr lang="en-US">
                   <a:solidFill>
                     <a:srgbClr val="5A5A5A"/>
                   </a:solidFill>
                 </a:rPr>
                 <a:t>0</a:t>
               </a:r>
-              <a:endParaRPr lang="en-US">
-                <a:solidFill>
-                  <a:srgbClr val="5A5A5A"/>
-                </a:solidFill>
-              </a:endParaRPr>
             </a:p>
           </p:txBody>
         </p:sp>
@@ -18186,18 +23763,13 @@
             <a:p>
               <a:pPr algn="ctr"/>
               <a:r>
-                <a:rPr lang="en-US" smtClean="0">
+                <a:rPr lang="en-US">
                   <a:solidFill>
                     <a:srgbClr val="5A5A5A"/>
                   </a:solidFill>
                 </a:rPr>
                 <a:t>1</a:t>
               </a:r>
-              <a:endParaRPr lang="en-US">
-                <a:solidFill>
-                  <a:srgbClr val="5A5A5A"/>
-                </a:solidFill>
-              </a:endParaRPr>
             </a:p>
           </p:txBody>
         </p:sp>
@@ -18259,18 +23831,13 @@
             <a:p>
               <a:pPr algn="ctr"/>
               <a:r>
-                <a:rPr lang="en-US" smtClean="0">
+                <a:rPr lang="en-US">
                   <a:solidFill>
                     <a:srgbClr val="5A5A5A"/>
                   </a:solidFill>
                 </a:rPr>
                 <a:t>1.05</a:t>
               </a:r>
-              <a:endParaRPr lang="en-US">
-                <a:solidFill>
-                  <a:srgbClr val="5A5A5A"/>
-                </a:solidFill>
-              </a:endParaRPr>
             </a:p>
           </p:txBody>
         </p:sp>
@@ -19047,18 +24614,13 @@
             <a:p>
               <a:pPr algn="ctr"/>
               <a:r>
-                <a:rPr lang="en-US" smtClean="0">
+                <a:rPr lang="en-US">
                   <a:solidFill>
                     <a:srgbClr val="5A5A5A"/>
                   </a:solidFill>
                 </a:rPr>
                 <a:t>0</a:t>
               </a:r>
-              <a:endParaRPr lang="en-US">
-                <a:solidFill>
-                  <a:srgbClr val="5A5A5A"/>
-                </a:solidFill>
-              </a:endParaRPr>
             </a:p>
           </p:txBody>
         </p:sp>
@@ -19120,18 +24682,13 @@
             <a:p>
               <a:pPr algn="ctr"/>
               <a:r>
-                <a:rPr lang="en-US" smtClean="0">
+                <a:rPr lang="en-US">
                   <a:solidFill>
                     <a:srgbClr val="5A5A5A"/>
                   </a:solidFill>
                 </a:rPr>
                 <a:t>1</a:t>
               </a:r>
-              <a:endParaRPr lang="en-US">
-                <a:solidFill>
-                  <a:srgbClr val="5A5A5A"/>
-                </a:solidFill>
-              </a:endParaRPr>
             </a:p>
           </p:txBody>
         </p:sp>
@@ -19193,18 +24750,13 @@
             <a:p>
               <a:pPr algn="ctr"/>
               <a:r>
-                <a:rPr lang="en-US" smtClean="0">
+                <a:rPr lang="en-US">
                   <a:solidFill>
                     <a:srgbClr val="5A5A5A"/>
                   </a:solidFill>
                 </a:rPr>
                 <a:t>1.05</a:t>
               </a:r>
-              <a:endParaRPr lang="en-US">
-                <a:solidFill>
-                  <a:srgbClr val="5A5A5A"/>
-                </a:solidFill>
-              </a:endParaRPr>
             </a:p>
           </p:txBody>
         </p:sp>
@@ -19981,18 +25533,13 @@
             <a:p>
               <a:pPr algn="ctr"/>
               <a:r>
-                <a:rPr lang="en-US" smtClean="0">
+                <a:rPr lang="en-US">
                   <a:solidFill>
                     <a:srgbClr val="5A5A5A"/>
                   </a:solidFill>
                 </a:rPr>
                 <a:t>0</a:t>
               </a:r>
-              <a:endParaRPr lang="en-US">
-                <a:solidFill>
-                  <a:srgbClr val="5A5A5A"/>
-                </a:solidFill>
-              </a:endParaRPr>
             </a:p>
           </p:txBody>
         </p:sp>
@@ -20054,18 +25601,13 @@
             <a:p>
               <a:pPr algn="ctr"/>
               <a:r>
-                <a:rPr lang="en-US" smtClean="0">
+                <a:rPr lang="en-US">
                   <a:solidFill>
                     <a:srgbClr val="5A5A5A"/>
                   </a:solidFill>
                 </a:rPr>
                 <a:t>1</a:t>
               </a:r>
-              <a:endParaRPr lang="en-US">
-                <a:solidFill>
-                  <a:srgbClr val="5A5A5A"/>
-                </a:solidFill>
-              </a:endParaRPr>
             </a:p>
           </p:txBody>
         </p:sp>
@@ -20127,18 +25669,13 @@
             <a:p>
               <a:pPr algn="ctr"/>
               <a:r>
-                <a:rPr lang="en-US" smtClean="0">
+                <a:rPr lang="en-US">
                   <a:solidFill>
                     <a:srgbClr val="5A5A5A"/>
                   </a:solidFill>
                 </a:rPr>
                 <a:t>1.05</a:t>
               </a:r>
-              <a:endParaRPr lang="en-US">
-                <a:solidFill>
-                  <a:srgbClr val="5A5A5A"/>
-                </a:solidFill>
-              </a:endParaRPr>
             </a:p>
           </p:txBody>
         </p:sp>
@@ -20915,18 +26452,13 @@
             <a:p>
               <a:pPr algn="ctr"/>
               <a:r>
-                <a:rPr lang="en-US" smtClean="0">
+                <a:rPr lang="en-US">
                   <a:solidFill>
                     <a:srgbClr val="5A5A5A"/>
                   </a:solidFill>
                 </a:rPr>
                 <a:t>0</a:t>
               </a:r>
-              <a:endParaRPr lang="en-US">
-                <a:solidFill>
-                  <a:srgbClr val="5A5A5A"/>
-                </a:solidFill>
-              </a:endParaRPr>
             </a:p>
           </p:txBody>
         </p:sp>
@@ -20988,18 +26520,13 @@
             <a:p>
               <a:pPr algn="ctr"/>
               <a:r>
-                <a:rPr lang="en-US" smtClean="0">
+                <a:rPr lang="en-US">
                   <a:solidFill>
                     <a:srgbClr val="5A5A5A"/>
                   </a:solidFill>
                 </a:rPr>
                 <a:t>1</a:t>
               </a:r>
-              <a:endParaRPr lang="en-US">
-                <a:solidFill>
-                  <a:srgbClr val="5A5A5A"/>
-                </a:solidFill>
-              </a:endParaRPr>
             </a:p>
           </p:txBody>
         </p:sp>
@@ -21061,18 +26588,13 @@
             <a:p>
               <a:pPr algn="ctr"/>
               <a:r>
-                <a:rPr lang="en-US" smtClean="0">
+                <a:rPr lang="en-US">
                   <a:solidFill>
                     <a:srgbClr val="5A5A5A"/>
                   </a:solidFill>
                 </a:rPr>
                 <a:t>1.05</a:t>
               </a:r>
-              <a:endParaRPr lang="en-US">
-                <a:solidFill>
-                  <a:srgbClr val="5A5A5A"/>
-                </a:solidFill>
-              </a:endParaRPr>
             </a:p>
           </p:txBody>
         </p:sp>
@@ -21917,18 +27439,198 @@
 </p:tagLst>
 </file>
 
+<file path=ppt/tags/tag170.xml><?xml version="1.0" encoding="utf-8"?>
+<p:tagLst xmlns:a="http://schemas.openxmlformats.org/drawingml/2006/main" xmlns:r="http://schemas.openxmlformats.org/officeDocument/2006/relationships" xmlns:p="http://schemas.openxmlformats.org/presentationml/2006/main">
+  <p:tag name="TIMERLABSHAPEID" val="TimerBody"/>
+</p:tagLst>
+</file>
+
+<file path=ppt/tags/tag171.xml><?xml version="1.0" encoding="utf-8"?>
+<p:tagLst xmlns:a="http://schemas.openxmlformats.org/drawingml/2006/main" xmlns:r="http://schemas.openxmlformats.org/officeDocument/2006/relationships" xmlns:p="http://schemas.openxmlformats.org/presentationml/2006/main">
+  <p:tag name="TIMERLABSHAPEID" val="TimerLineMarkerGroup"/>
+</p:tagLst>
+</file>
+
+<file path=ppt/tags/tag172.xml><?xml version="1.0" encoding="utf-8"?>
+<p:tagLst xmlns:a="http://schemas.openxmlformats.org/drawingml/2006/main" xmlns:r="http://schemas.openxmlformats.org/officeDocument/2006/relationships" xmlns:p="http://schemas.openxmlformats.org/presentationml/2006/main">
+  <p:tag name="TIMERLABSHAPEID" val="TimerTimeMarkerGroup"/>
+</p:tagLst>
+</file>
+
+<file path=ppt/tags/tag173.xml><?xml version="1.0" encoding="utf-8"?>
+<p:tagLst xmlns:a="http://schemas.openxmlformats.org/drawingml/2006/main" xmlns:r="http://schemas.openxmlformats.org/officeDocument/2006/relationships" xmlns:p="http://schemas.openxmlformats.org/presentationml/2006/main">
+  <p:tag name="TIMERLABSHAPEID" val="TimerSliderHead"/>
+</p:tagLst>
+</file>
+
+<file path=ppt/tags/tag174.xml><?xml version="1.0" encoding="utf-8"?>
+<p:tagLst xmlns:a="http://schemas.openxmlformats.org/drawingml/2006/main" xmlns:r="http://schemas.openxmlformats.org/officeDocument/2006/relationships" xmlns:p="http://schemas.openxmlformats.org/presentationml/2006/main">
+  <p:tag name="TIMERLABSHAPEID" val="TimerSliderBody"/>
+</p:tagLst>
+</file>
+
+<file path=ppt/tags/tag175.xml><?xml version="1.0" encoding="utf-8"?>
+<p:tagLst xmlns:a="http://schemas.openxmlformats.org/drawingml/2006/main" xmlns:r="http://schemas.openxmlformats.org/officeDocument/2006/relationships" xmlns:p="http://schemas.openxmlformats.org/presentationml/2006/main">
+  <p:tag name="TIMERLABSHAPEID" val="TimerTimeMarker"/>
+</p:tagLst>
+</file>
+
+<file path=ppt/tags/tag176.xml><?xml version="1.0" encoding="utf-8"?>
+<p:tagLst xmlns:a="http://schemas.openxmlformats.org/drawingml/2006/main" xmlns:r="http://schemas.openxmlformats.org/officeDocument/2006/relationships" xmlns:p="http://schemas.openxmlformats.org/presentationml/2006/main">
+  <p:tag name="TIMERLABSHAPEID" val="TimerTimeMarker"/>
+</p:tagLst>
+</file>
+
+<file path=ppt/tags/tag177.xml><?xml version="1.0" encoding="utf-8"?>
+<p:tagLst xmlns:a="http://schemas.openxmlformats.org/drawingml/2006/main" xmlns:r="http://schemas.openxmlformats.org/officeDocument/2006/relationships" xmlns:p="http://schemas.openxmlformats.org/presentationml/2006/main">
+  <p:tag name="TIMERLABSHAPEID" val="TimerTimeMarker"/>
+</p:tagLst>
+</file>
+
+<file path=ppt/tags/tag178.xml><?xml version="1.0" encoding="utf-8"?>
+<p:tagLst xmlns:a="http://schemas.openxmlformats.org/drawingml/2006/main" xmlns:r="http://schemas.openxmlformats.org/officeDocument/2006/relationships" xmlns:p="http://schemas.openxmlformats.org/presentationml/2006/main">
+  <p:tag name="TIMERLABSHAPEID" val="TimerTimeMarker"/>
+</p:tagLst>
+</file>
+
+<file path=ppt/tags/tag179.xml><?xml version="1.0" encoding="utf-8"?>
+<p:tagLst xmlns:a="http://schemas.openxmlformats.org/drawingml/2006/main" xmlns:r="http://schemas.openxmlformats.org/officeDocument/2006/relationships" xmlns:p="http://schemas.openxmlformats.org/presentationml/2006/main">
+  <p:tag name="TIMERLABSHAPEID" val="TimerTimeMarker"/>
+</p:tagLst>
+</file>
+
 <file path=ppt/tags/tag18.xml><?xml version="1.0" encoding="utf-8"?>
 <p:tagLst xmlns:a="http://schemas.openxmlformats.org/drawingml/2006/main" xmlns:r="http://schemas.openxmlformats.org/officeDocument/2006/relationships" xmlns:p="http://schemas.openxmlformats.org/presentationml/2006/main">
   <p:tag name="TIMERLABSHAPEID" val="TimerSliderHead"/>
 </p:tagLst>
 </file>
 
+<file path=ppt/tags/tag180.xml><?xml version="1.0" encoding="utf-8"?>
+<p:tagLst xmlns:a="http://schemas.openxmlformats.org/drawingml/2006/main" xmlns:r="http://schemas.openxmlformats.org/officeDocument/2006/relationships" xmlns:p="http://schemas.openxmlformats.org/presentationml/2006/main">
+  <p:tag name="TIMERLABSHAPEID" val="TimerTimeMarker"/>
+</p:tagLst>
+</file>
+
+<file path=ppt/tags/tag181.xml><?xml version="1.0" encoding="utf-8"?>
+<p:tagLst xmlns:a="http://schemas.openxmlformats.org/drawingml/2006/main" xmlns:r="http://schemas.openxmlformats.org/officeDocument/2006/relationships" xmlns:p="http://schemas.openxmlformats.org/presentationml/2006/main">
+  <p:tag name="TIMERLABSHAPEID" val="TimerTimeMarker"/>
+</p:tagLst>
+</file>
+
+<file path=ppt/tags/tag182.xml><?xml version="1.0" encoding="utf-8"?>
+<p:tagLst xmlns:a="http://schemas.openxmlformats.org/drawingml/2006/main" xmlns:r="http://schemas.openxmlformats.org/officeDocument/2006/relationships" xmlns:p="http://schemas.openxmlformats.org/presentationml/2006/main">
+  <p:tag name="TIMERLABSHAPEID" val="TimerLineMarker"/>
+</p:tagLst>
+</file>
+
+<file path=ppt/tags/tag183.xml><?xml version="1.0" encoding="utf-8"?>
+<p:tagLst xmlns:a="http://schemas.openxmlformats.org/drawingml/2006/main" xmlns:r="http://schemas.openxmlformats.org/officeDocument/2006/relationships" xmlns:p="http://schemas.openxmlformats.org/presentationml/2006/main">
+  <p:tag name="TIMERLABSHAPEID" val="TimerLineMarker"/>
+</p:tagLst>
+</file>
+
+<file path=ppt/tags/tag184.xml><?xml version="1.0" encoding="utf-8"?>
+<p:tagLst xmlns:a="http://schemas.openxmlformats.org/drawingml/2006/main" xmlns:r="http://schemas.openxmlformats.org/officeDocument/2006/relationships" xmlns:p="http://schemas.openxmlformats.org/presentationml/2006/main">
+  <p:tag name="TIMERLABSHAPEID" val="TimerLineMarker"/>
+</p:tagLst>
+</file>
+
+<file path=ppt/tags/tag185.xml><?xml version="1.0" encoding="utf-8"?>
+<p:tagLst xmlns:a="http://schemas.openxmlformats.org/drawingml/2006/main" xmlns:r="http://schemas.openxmlformats.org/officeDocument/2006/relationships" xmlns:p="http://schemas.openxmlformats.org/presentationml/2006/main">
+  <p:tag name="TIMERLABSHAPEID" val="TimerLineMarker"/>
+</p:tagLst>
+</file>
+
+<file path=ppt/tags/tag186.xml><?xml version="1.0" encoding="utf-8"?>
+<p:tagLst xmlns:a="http://schemas.openxmlformats.org/drawingml/2006/main" xmlns:r="http://schemas.openxmlformats.org/officeDocument/2006/relationships" xmlns:p="http://schemas.openxmlformats.org/presentationml/2006/main">
+  <p:tag name="TIMERLABSHAPEID" val="TimerLineMarker"/>
+</p:tagLst>
+</file>
+
+<file path=ppt/tags/tag187.xml><?xml version="1.0" encoding="utf-8"?>
+<p:tagLst xmlns:a="http://schemas.openxmlformats.org/drawingml/2006/main" xmlns:r="http://schemas.openxmlformats.org/officeDocument/2006/relationships" xmlns:p="http://schemas.openxmlformats.org/presentationml/2006/main">
+  <p:tag name="TIMERLABSHAPEID" val="TimerLineMarker"/>
+</p:tagLst>
+</file>
+
+<file path=ppt/tags/tag188.xml><?xml version="1.0" encoding="utf-8"?>
+<p:tagLst xmlns:a="http://schemas.openxmlformats.org/drawingml/2006/main" xmlns:r="http://schemas.openxmlformats.org/officeDocument/2006/relationships" xmlns:p="http://schemas.openxmlformats.org/presentationml/2006/main">
+  <p:tag name="TIMERLABSHAPEID" val="TimerLineMarker"/>
+</p:tagLst>
+</file>
+
+<file path=ppt/tags/tag189.xml><?xml version="1.0" encoding="utf-8"?>
+<p:tagLst xmlns:a="http://schemas.openxmlformats.org/drawingml/2006/main" xmlns:r="http://schemas.openxmlformats.org/officeDocument/2006/relationships" xmlns:p="http://schemas.openxmlformats.org/presentationml/2006/main">
+  <p:tag name="TIMERLABSHAPEID" val="TimerLineMarker"/>
+</p:tagLst>
+</file>
+
 <file path=ppt/tags/tag19.xml><?xml version="1.0" encoding="utf-8"?>
 <p:tagLst xmlns:a="http://schemas.openxmlformats.org/drawingml/2006/main" xmlns:r="http://schemas.openxmlformats.org/officeDocument/2006/relationships" xmlns:p="http://schemas.openxmlformats.org/presentationml/2006/main">
   <p:tag name="TIMERLABSHAPEID" val="TimerSliderBody"/>
 </p:tagLst>
 </file>
 
+<file path=ppt/tags/tag190.xml><?xml version="1.0" encoding="utf-8"?>
+<p:tagLst xmlns:a="http://schemas.openxmlformats.org/drawingml/2006/main" xmlns:r="http://schemas.openxmlformats.org/officeDocument/2006/relationships" xmlns:p="http://schemas.openxmlformats.org/presentationml/2006/main">
+  <p:tag name="TIMERLABSHAPEID" val="TimerLineMarker"/>
+</p:tagLst>
+</file>
+
+<file path=ppt/tags/tag191.xml><?xml version="1.0" encoding="utf-8"?>
+<p:tagLst xmlns:a="http://schemas.openxmlformats.org/drawingml/2006/main" xmlns:r="http://schemas.openxmlformats.org/officeDocument/2006/relationships" xmlns:p="http://schemas.openxmlformats.org/presentationml/2006/main">
+  <p:tag name="TIMERLABSHAPEID" val="TimerLineMarker"/>
+</p:tagLst>
+</file>
+
+<file path=ppt/tags/tag192.xml><?xml version="1.0" encoding="utf-8"?>
+<p:tagLst xmlns:a="http://schemas.openxmlformats.org/drawingml/2006/main" xmlns:r="http://schemas.openxmlformats.org/officeDocument/2006/relationships" xmlns:p="http://schemas.openxmlformats.org/presentationml/2006/main">
+  <p:tag name="TIMERLABSHAPEID" val="TimerLineMarker"/>
+</p:tagLst>
+</file>
+
+<file path=ppt/tags/tag193.xml><?xml version="1.0" encoding="utf-8"?>
+<p:tagLst xmlns:a="http://schemas.openxmlformats.org/drawingml/2006/main" xmlns:r="http://schemas.openxmlformats.org/officeDocument/2006/relationships" xmlns:p="http://schemas.openxmlformats.org/presentationml/2006/main">
+  <p:tag name="TIMERLABSHAPEID" val="TimerLineMarker"/>
+</p:tagLst>
+</file>
+
+<file path=ppt/tags/tag194.xml><?xml version="1.0" encoding="utf-8"?>
+<p:tagLst xmlns:a="http://schemas.openxmlformats.org/drawingml/2006/main" xmlns:r="http://schemas.openxmlformats.org/officeDocument/2006/relationships" xmlns:p="http://schemas.openxmlformats.org/presentationml/2006/main">
+  <p:tag name="TIMERLABSHAPEID" val="TimerLineMarker"/>
+</p:tagLst>
+</file>
+
+<file path=ppt/tags/tag195.xml><?xml version="1.0" encoding="utf-8"?>
+<p:tagLst xmlns:a="http://schemas.openxmlformats.org/drawingml/2006/main" xmlns:r="http://schemas.openxmlformats.org/officeDocument/2006/relationships" xmlns:p="http://schemas.openxmlformats.org/presentationml/2006/main">
+  <p:tag name="TIMERLABSHAPEID" val="TimerLineMarker"/>
+</p:tagLst>
+</file>
+
+<file path=ppt/tags/tag196.xml><?xml version="1.0" encoding="utf-8"?>
+<p:tagLst xmlns:a="http://schemas.openxmlformats.org/drawingml/2006/main" xmlns:r="http://schemas.openxmlformats.org/officeDocument/2006/relationships" xmlns:p="http://schemas.openxmlformats.org/presentationml/2006/main">
+  <p:tag name="TIMERLABSHAPEID" val="TimerLineMarker"/>
+</p:tagLst>
+</file>
+
+<file path=ppt/tags/tag197.xml><?xml version="1.0" encoding="utf-8"?>
+<p:tagLst xmlns:a="http://schemas.openxmlformats.org/drawingml/2006/main" xmlns:r="http://schemas.openxmlformats.org/officeDocument/2006/relationships" xmlns:p="http://schemas.openxmlformats.org/presentationml/2006/main">
+  <p:tag name="TIMERLABSHAPEID" val="TimerLineMarker"/>
+</p:tagLst>
+</file>
+
+<file path=ppt/tags/tag198.xml><?xml version="1.0" encoding="utf-8"?>
+<p:tagLst xmlns:a="http://schemas.openxmlformats.org/drawingml/2006/main" xmlns:r="http://schemas.openxmlformats.org/officeDocument/2006/relationships" xmlns:p="http://schemas.openxmlformats.org/presentationml/2006/main">
+  <p:tag name="TIMERLABSHAPEID" val="TimerLineMarker"/>
+</p:tagLst>
+</file>
+
+<file path=ppt/tags/tag199.xml><?xml version="1.0" encoding="utf-8"?>
+<p:tagLst xmlns:a="http://schemas.openxmlformats.org/drawingml/2006/main" xmlns:r="http://schemas.openxmlformats.org/officeDocument/2006/relationships" xmlns:p="http://schemas.openxmlformats.org/presentationml/2006/main">
+  <p:tag name="TIMERLABSHAPEID" val="TimerLineMarker"/>
+</p:tagLst>
+</file>
+
 <file path=ppt/tags/tag2.xml><?xml version="1.0" encoding="utf-8"?>
 <p:tagLst xmlns:a="http://schemas.openxmlformats.org/drawingml/2006/main" xmlns:r="http://schemas.openxmlformats.org/officeDocument/2006/relationships" xmlns:p="http://schemas.openxmlformats.org/presentationml/2006/main">
   <p:tag name="TIMERLABSHAPEID" val="TimerLineMarkerGroup"/>
@@ -21941,37 +27643,421 @@
 </p:tagLst>
 </file>
 
+<file path=ppt/tags/tag200.xml><?xml version="1.0" encoding="utf-8"?>
+<p:tagLst xmlns:a="http://schemas.openxmlformats.org/drawingml/2006/main" xmlns:r="http://schemas.openxmlformats.org/officeDocument/2006/relationships" xmlns:p="http://schemas.openxmlformats.org/presentationml/2006/main">
+  <p:tag name="TIMERLABSHAPEID" val="TimerLineMarker"/>
+</p:tagLst>
+</file>
+
+<file path=ppt/tags/tag201.xml><?xml version="1.0" encoding="utf-8"?>
+<p:tagLst xmlns:a="http://schemas.openxmlformats.org/drawingml/2006/main" xmlns:r="http://schemas.openxmlformats.org/officeDocument/2006/relationships" xmlns:p="http://schemas.openxmlformats.org/presentationml/2006/main">
+  <p:tag name="TIMERLABSHAPEID" val="TimerLineMarker"/>
+</p:tagLst>
+</file>
+
+<file path=ppt/tags/tag202.xml><?xml version="1.0" encoding="utf-8"?>
+<p:tagLst xmlns:a="http://schemas.openxmlformats.org/drawingml/2006/main" xmlns:r="http://schemas.openxmlformats.org/officeDocument/2006/relationships" xmlns:p="http://schemas.openxmlformats.org/presentationml/2006/main">
+  <p:tag name="TIMERLABSHAPEID" val="TimerLineMarker"/>
+</p:tagLst>
+</file>
+
+<file path=ppt/tags/tag203.xml><?xml version="1.0" encoding="utf-8"?>
+<p:tagLst xmlns:a="http://schemas.openxmlformats.org/drawingml/2006/main" xmlns:r="http://schemas.openxmlformats.org/officeDocument/2006/relationships" xmlns:p="http://schemas.openxmlformats.org/presentationml/2006/main">
+  <p:tag name="TIMERLABSHAPEID" val="TimerLineMarker"/>
+</p:tagLst>
+</file>
+
+<file path=ppt/tags/tag204.xml><?xml version="1.0" encoding="utf-8"?>
+<p:tagLst xmlns:a="http://schemas.openxmlformats.org/drawingml/2006/main" xmlns:r="http://schemas.openxmlformats.org/officeDocument/2006/relationships" xmlns:p="http://schemas.openxmlformats.org/presentationml/2006/main">
+  <p:tag name="TIMERLABSHAPEID" val="TimerLineMarker"/>
+</p:tagLst>
+</file>
+
+<file path=ppt/tags/tag205.xml><?xml version="1.0" encoding="utf-8"?>
+<p:tagLst xmlns:a="http://schemas.openxmlformats.org/drawingml/2006/main" xmlns:r="http://schemas.openxmlformats.org/officeDocument/2006/relationships" xmlns:p="http://schemas.openxmlformats.org/presentationml/2006/main">
+  <p:tag name="TIMERLABSHAPEID" val="TimerLineMarker"/>
+</p:tagLst>
+</file>
+
+<file path=ppt/tags/tag206.xml><?xml version="1.0" encoding="utf-8"?>
+<p:tagLst xmlns:a="http://schemas.openxmlformats.org/drawingml/2006/main" xmlns:r="http://schemas.openxmlformats.org/officeDocument/2006/relationships" xmlns:p="http://schemas.openxmlformats.org/presentationml/2006/main">
+  <p:tag name="TIMERLABSHAPEID" val="TimerLineMarker"/>
+</p:tagLst>
+</file>
+
+<file path=ppt/tags/tag207.xml><?xml version="1.0" encoding="utf-8"?>
+<p:tagLst xmlns:a="http://schemas.openxmlformats.org/drawingml/2006/main" xmlns:r="http://schemas.openxmlformats.org/officeDocument/2006/relationships" xmlns:p="http://schemas.openxmlformats.org/presentationml/2006/main">
+  <p:tag name="TIMERLABSHAPEID" val="TimerLineMarker"/>
+</p:tagLst>
+</file>
+
+<file path=ppt/tags/tag208.xml><?xml version="1.0" encoding="utf-8"?>
+<p:tagLst xmlns:a="http://schemas.openxmlformats.org/drawingml/2006/main" xmlns:r="http://schemas.openxmlformats.org/officeDocument/2006/relationships" xmlns:p="http://schemas.openxmlformats.org/presentationml/2006/main">
+  <p:tag name="TIMERLABSHAPEID" val="TimerLineMarker"/>
+</p:tagLst>
+</file>
+
+<file path=ppt/tags/tag209.xml><?xml version="1.0" encoding="utf-8"?>
+<p:tagLst xmlns:a="http://schemas.openxmlformats.org/drawingml/2006/main" xmlns:r="http://schemas.openxmlformats.org/officeDocument/2006/relationships" xmlns:p="http://schemas.openxmlformats.org/presentationml/2006/main">
+  <p:tag name="TIMERLABSHAPEID" val="TimerLineMarker"/>
+</p:tagLst>
+</file>
+
 <file path=ppt/tags/tag21.xml><?xml version="1.0" encoding="utf-8"?>
 <p:tagLst xmlns:a="http://schemas.openxmlformats.org/drawingml/2006/main" xmlns:r="http://schemas.openxmlformats.org/officeDocument/2006/relationships" xmlns:p="http://schemas.openxmlformats.org/presentationml/2006/main">
   <p:tag name="TIMERLABSHAPEID" val="TimerTimeMarker"/>
 </p:tagLst>
 </file>
 
+<file path=ppt/tags/tag210.xml><?xml version="1.0" encoding="utf-8"?>
+<p:tagLst xmlns:a="http://schemas.openxmlformats.org/drawingml/2006/main" xmlns:r="http://schemas.openxmlformats.org/officeDocument/2006/relationships" xmlns:p="http://schemas.openxmlformats.org/presentationml/2006/main">
+  <p:tag name="TIMERLABSHAPEID" val="TimerLineMarker"/>
+</p:tagLst>
+</file>
+
+<file path=ppt/tags/tag211.xml><?xml version="1.0" encoding="utf-8"?>
+<p:tagLst xmlns:a="http://schemas.openxmlformats.org/drawingml/2006/main" xmlns:r="http://schemas.openxmlformats.org/officeDocument/2006/relationships" xmlns:p="http://schemas.openxmlformats.org/presentationml/2006/main">
+  <p:tag name="TIMERLABSHAPEID" val="TimerLineMarker"/>
+</p:tagLst>
+</file>
+
+<file path=ppt/tags/tag212.xml><?xml version="1.0" encoding="utf-8"?>
+<p:tagLst xmlns:a="http://schemas.openxmlformats.org/drawingml/2006/main" xmlns:r="http://schemas.openxmlformats.org/officeDocument/2006/relationships" xmlns:p="http://schemas.openxmlformats.org/presentationml/2006/main">
+  <p:tag name="TIMERLABSHAPEID" val="TimerLineMarker"/>
+</p:tagLst>
+</file>
+
+<file path=ppt/tags/tag213.xml><?xml version="1.0" encoding="utf-8"?>
+<p:tagLst xmlns:a="http://schemas.openxmlformats.org/drawingml/2006/main" xmlns:r="http://schemas.openxmlformats.org/officeDocument/2006/relationships" xmlns:p="http://schemas.openxmlformats.org/presentationml/2006/main">
+  <p:tag name="TIMERLABSHAPEID" val="TimerLineMarker"/>
+</p:tagLst>
+</file>
+
+<file path=ppt/tags/tag214.xml><?xml version="1.0" encoding="utf-8"?>
+<p:tagLst xmlns:a="http://schemas.openxmlformats.org/drawingml/2006/main" xmlns:r="http://schemas.openxmlformats.org/officeDocument/2006/relationships" xmlns:p="http://schemas.openxmlformats.org/presentationml/2006/main">
+  <p:tag name="TIMERLABSHAPEID" val="TimerLineMarker"/>
+</p:tagLst>
+</file>
+
+<file path=ppt/tags/tag215.xml><?xml version="1.0" encoding="utf-8"?>
+<p:tagLst xmlns:a="http://schemas.openxmlformats.org/drawingml/2006/main" xmlns:r="http://schemas.openxmlformats.org/officeDocument/2006/relationships" xmlns:p="http://schemas.openxmlformats.org/presentationml/2006/main">
+  <p:tag name="TIMERLABSHAPEID" val="TimerLineMarker"/>
+</p:tagLst>
+</file>
+
+<file path=ppt/tags/tag216.xml><?xml version="1.0" encoding="utf-8"?>
+<p:tagLst xmlns:a="http://schemas.openxmlformats.org/drawingml/2006/main" xmlns:r="http://schemas.openxmlformats.org/officeDocument/2006/relationships" xmlns:p="http://schemas.openxmlformats.org/presentationml/2006/main">
+  <p:tag name="TIMERLABSHAPEID" val="TimerLineMarker"/>
+</p:tagLst>
+</file>
+
+<file path=ppt/tags/tag217.xml><?xml version="1.0" encoding="utf-8"?>
+<p:tagLst xmlns:a="http://schemas.openxmlformats.org/drawingml/2006/main" xmlns:r="http://schemas.openxmlformats.org/officeDocument/2006/relationships" xmlns:p="http://schemas.openxmlformats.org/presentationml/2006/main">
+  <p:tag name="TIMERLABSHAPEID" val="TimerBody"/>
+</p:tagLst>
+</file>
+
+<file path=ppt/tags/tag218.xml><?xml version="1.0" encoding="utf-8"?>
+<p:tagLst xmlns:a="http://schemas.openxmlformats.org/drawingml/2006/main" xmlns:r="http://schemas.openxmlformats.org/officeDocument/2006/relationships" xmlns:p="http://schemas.openxmlformats.org/presentationml/2006/main">
+  <p:tag name="TIMERLABSHAPEID" val="TimerLineMarkerGroup"/>
+</p:tagLst>
+</file>
+
+<file path=ppt/tags/tag219.xml><?xml version="1.0" encoding="utf-8"?>
+<p:tagLst xmlns:a="http://schemas.openxmlformats.org/drawingml/2006/main" xmlns:r="http://schemas.openxmlformats.org/officeDocument/2006/relationships" xmlns:p="http://schemas.openxmlformats.org/presentationml/2006/main">
+  <p:tag name="TIMERLABSHAPEID" val="TimerTimeMarkerGroup"/>
+</p:tagLst>
+</file>
+
 <file path=ppt/tags/tag22.xml><?xml version="1.0" encoding="utf-8"?>
 <p:tagLst xmlns:a="http://schemas.openxmlformats.org/drawingml/2006/main" xmlns:r="http://schemas.openxmlformats.org/officeDocument/2006/relationships" xmlns:p="http://schemas.openxmlformats.org/presentationml/2006/main">
   <p:tag name="TIMERLABSHAPEID" val="TimerTimeMarker"/>
 </p:tagLst>
 </file>
 
+<file path=ppt/tags/tag220.xml><?xml version="1.0" encoding="utf-8"?>
+<p:tagLst xmlns:a="http://schemas.openxmlformats.org/drawingml/2006/main" xmlns:r="http://schemas.openxmlformats.org/officeDocument/2006/relationships" xmlns:p="http://schemas.openxmlformats.org/presentationml/2006/main">
+  <p:tag name="TIMERLABSHAPEID" val="TimerSliderHead"/>
+</p:tagLst>
+</file>
+
+<file path=ppt/tags/tag221.xml><?xml version="1.0" encoding="utf-8"?>
+<p:tagLst xmlns:a="http://schemas.openxmlformats.org/drawingml/2006/main" xmlns:r="http://schemas.openxmlformats.org/officeDocument/2006/relationships" xmlns:p="http://schemas.openxmlformats.org/presentationml/2006/main">
+  <p:tag name="TIMERLABSHAPEID" val="TimerSliderBody"/>
+</p:tagLst>
+</file>
+
+<file path=ppt/tags/tag222.xml><?xml version="1.0" encoding="utf-8"?>
+<p:tagLst xmlns:a="http://schemas.openxmlformats.org/drawingml/2006/main" xmlns:r="http://schemas.openxmlformats.org/officeDocument/2006/relationships" xmlns:p="http://schemas.openxmlformats.org/presentationml/2006/main">
+  <p:tag name="TIMERLABSHAPEID" val="TimerTimeMarker"/>
+</p:tagLst>
+</file>
+
+<file path=ppt/tags/tag223.xml><?xml version="1.0" encoding="utf-8"?>
+<p:tagLst xmlns:a="http://schemas.openxmlformats.org/drawingml/2006/main" xmlns:r="http://schemas.openxmlformats.org/officeDocument/2006/relationships" xmlns:p="http://schemas.openxmlformats.org/presentationml/2006/main">
+  <p:tag name="TIMERLABSHAPEID" val="TimerTimeMarker"/>
+</p:tagLst>
+</file>
+
+<file path=ppt/tags/tag224.xml><?xml version="1.0" encoding="utf-8"?>
+<p:tagLst xmlns:a="http://schemas.openxmlformats.org/drawingml/2006/main" xmlns:r="http://schemas.openxmlformats.org/officeDocument/2006/relationships" xmlns:p="http://schemas.openxmlformats.org/presentationml/2006/main">
+  <p:tag name="TIMERLABSHAPEID" val="TimerTimeMarker"/>
+</p:tagLst>
+</file>
+
+<file path=ppt/tags/tag225.xml><?xml version="1.0" encoding="utf-8"?>
+<p:tagLst xmlns:a="http://schemas.openxmlformats.org/drawingml/2006/main" xmlns:r="http://schemas.openxmlformats.org/officeDocument/2006/relationships" xmlns:p="http://schemas.openxmlformats.org/presentationml/2006/main">
+  <p:tag name="TIMERLABSHAPEID" val="TimerTimeMarker"/>
+</p:tagLst>
+</file>
+
+<file path=ppt/tags/tag226.xml><?xml version="1.0" encoding="utf-8"?>
+<p:tagLst xmlns:a="http://schemas.openxmlformats.org/drawingml/2006/main" xmlns:r="http://schemas.openxmlformats.org/officeDocument/2006/relationships" xmlns:p="http://schemas.openxmlformats.org/presentationml/2006/main">
+  <p:tag name="TIMERLABSHAPEID" val="TimerLineMarker"/>
+</p:tagLst>
+</file>
+
+<file path=ppt/tags/tag227.xml><?xml version="1.0" encoding="utf-8"?>
+<p:tagLst xmlns:a="http://schemas.openxmlformats.org/drawingml/2006/main" xmlns:r="http://schemas.openxmlformats.org/officeDocument/2006/relationships" xmlns:p="http://schemas.openxmlformats.org/presentationml/2006/main">
+  <p:tag name="TIMERLABSHAPEID" val="TimerLineMarker"/>
+</p:tagLst>
+</file>
+
+<file path=ppt/tags/tag228.xml><?xml version="1.0" encoding="utf-8"?>
+<p:tagLst xmlns:a="http://schemas.openxmlformats.org/drawingml/2006/main" xmlns:r="http://schemas.openxmlformats.org/officeDocument/2006/relationships" xmlns:p="http://schemas.openxmlformats.org/presentationml/2006/main">
+  <p:tag name="TIMERLABSHAPEID" val="TimerBody"/>
+</p:tagLst>
+</file>
+
+<file path=ppt/tags/tag229.xml><?xml version="1.0" encoding="utf-8"?>
+<p:tagLst xmlns:a="http://schemas.openxmlformats.org/drawingml/2006/main" xmlns:r="http://schemas.openxmlformats.org/officeDocument/2006/relationships" xmlns:p="http://schemas.openxmlformats.org/presentationml/2006/main">
+  <p:tag name="TIMERLABSHAPEID" val="TimerLineMarkerGroup"/>
+</p:tagLst>
+</file>
+
 <file path=ppt/tags/tag23.xml><?xml version="1.0" encoding="utf-8"?>
 <p:tagLst xmlns:a="http://schemas.openxmlformats.org/drawingml/2006/main" xmlns:r="http://schemas.openxmlformats.org/officeDocument/2006/relationships" xmlns:p="http://schemas.openxmlformats.org/presentationml/2006/main">
   <p:tag name="TIMERLABSHAPEID" val="TimerLineMarker"/>
 </p:tagLst>
 </file>
 
+<file path=ppt/tags/tag230.xml><?xml version="1.0" encoding="utf-8"?>
+<p:tagLst xmlns:a="http://schemas.openxmlformats.org/drawingml/2006/main" xmlns:r="http://schemas.openxmlformats.org/officeDocument/2006/relationships" xmlns:p="http://schemas.openxmlformats.org/presentationml/2006/main">
+  <p:tag name="TIMERLABSHAPEID" val="TimerTimeMarkerGroup"/>
+</p:tagLst>
+</file>
+
+<file path=ppt/tags/tag231.xml><?xml version="1.0" encoding="utf-8"?>
+<p:tagLst xmlns:a="http://schemas.openxmlformats.org/drawingml/2006/main" xmlns:r="http://schemas.openxmlformats.org/officeDocument/2006/relationships" xmlns:p="http://schemas.openxmlformats.org/presentationml/2006/main">
+  <p:tag name="TIMERLABSHAPEID" val="TimerSliderHead"/>
+</p:tagLst>
+</file>
+
+<file path=ppt/tags/tag232.xml><?xml version="1.0" encoding="utf-8"?>
+<p:tagLst xmlns:a="http://schemas.openxmlformats.org/drawingml/2006/main" xmlns:r="http://schemas.openxmlformats.org/officeDocument/2006/relationships" xmlns:p="http://schemas.openxmlformats.org/presentationml/2006/main">
+  <p:tag name="TIMERLABSHAPEID" val="TimerSliderBody"/>
+</p:tagLst>
+</file>
+
+<file path=ppt/tags/tag233.xml><?xml version="1.0" encoding="utf-8"?>
+<p:tagLst xmlns:a="http://schemas.openxmlformats.org/drawingml/2006/main" xmlns:r="http://schemas.openxmlformats.org/officeDocument/2006/relationships" xmlns:p="http://schemas.openxmlformats.org/presentationml/2006/main">
+  <p:tag name="TIMERLABSHAPEID" val="TimerTimeMarker"/>
+</p:tagLst>
+</file>
+
+<file path=ppt/tags/tag234.xml><?xml version="1.0" encoding="utf-8"?>
+<p:tagLst xmlns:a="http://schemas.openxmlformats.org/drawingml/2006/main" xmlns:r="http://schemas.openxmlformats.org/officeDocument/2006/relationships" xmlns:p="http://schemas.openxmlformats.org/presentationml/2006/main">
+  <p:tag name="TIMERLABSHAPEID" val="TimerTimeMarker"/>
+</p:tagLst>
+</file>
+
+<file path=ppt/tags/tag235.xml><?xml version="1.0" encoding="utf-8"?>
+<p:tagLst xmlns:a="http://schemas.openxmlformats.org/drawingml/2006/main" xmlns:r="http://schemas.openxmlformats.org/officeDocument/2006/relationships" xmlns:p="http://schemas.openxmlformats.org/presentationml/2006/main">
+  <p:tag name="TIMERLABSHAPEID" val="TimerTimeMarker"/>
+</p:tagLst>
+</file>
+
+<file path=ppt/tags/tag236.xml><?xml version="1.0" encoding="utf-8"?>
+<p:tagLst xmlns:a="http://schemas.openxmlformats.org/drawingml/2006/main" xmlns:r="http://schemas.openxmlformats.org/officeDocument/2006/relationships" xmlns:p="http://schemas.openxmlformats.org/presentationml/2006/main">
+  <p:tag name="TIMERLABSHAPEID" val="TimerTimeMarker"/>
+</p:tagLst>
+</file>
+
+<file path=ppt/tags/tag237.xml><?xml version="1.0" encoding="utf-8"?>
+<p:tagLst xmlns:a="http://schemas.openxmlformats.org/drawingml/2006/main" xmlns:r="http://schemas.openxmlformats.org/officeDocument/2006/relationships" xmlns:p="http://schemas.openxmlformats.org/presentationml/2006/main">
+  <p:tag name="TIMERLABSHAPEID" val="TimerTimeMarker"/>
+</p:tagLst>
+</file>
+
+<file path=ppt/tags/tag238.xml><?xml version="1.0" encoding="utf-8"?>
+<p:tagLst xmlns:a="http://schemas.openxmlformats.org/drawingml/2006/main" xmlns:r="http://schemas.openxmlformats.org/officeDocument/2006/relationships" xmlns:p="http://schemas.openxmlformats.org/presentationml/2006/main">
+  <p:tag name="TIMERLABSHAPEID" val="TimerTimeMarker"/>
+</p:tagLst>
+</file>
+
+<file path=ppt/tags/tag239.xml><?xml version="1.0" encoding="utf-8"?>
+<p:tagLst xmlns:a="http://schemas.openxmlformats.org/drawingml/2006/main" xmlns:r="http://schemas.openxmlformats.org/officeDocument/2006/relationships" xmlns:p="http://schemas.openxmlformats.org/presentationml/2006/main">
+  <p:tag name="TIMERLABSHAPEID" val="TimerLineMarker"/>
+</p:tagLst>
+</file>
+
 <file path=ppt/tags/tag24.xml><?xml version="1.0" encoding="utf-8"?>
 <p:tagLst xmlns:a="http://schemas.openxmlformats.org/drawingml/2006/main" xmlns:r="http://schemas.openxmlformats.org/officeDocument/2006/relationships" xmlns:p="http://schemas.openxmlformats.org/presentationml/2006/main">
   <p:tag name="TIMERLABSHAPEID" val="TimerLineMarker"/>
 </p:tagLst>
 </file>
 
+<file path=ppt/tags/tag240.xml><?xml version="1.0" encoding="utf-8"?>
+<p:tagLst xmlns:a="http://schemas.openxmlformats.org/drawingml/2006/main" xmlns:r="http://schemas.openxmlformats.org/officeDocument/2006/relationships" xmlns:p="http://schemas.openxmlformats.org/presentationml/2006/main">
+  <p:tag name="TIMERLABSHAPEID" val="TimerLineMarker"/>
+</p:tagLst>
+</file>
+
+<file path=ppt/tags/tag241.xml><?xml version="1.0" encoding="utf-8"?>
+<p:tagLst xmlns:a="http://schemas.openxmlformats.org/drawingml/2006/main" xmlns:r="http://schemas.openxmlformats.org/officeDocument/2006/relationships" xmlns:p="http://schemas.openxmlformats.org/presentationml/2006/main">
+  <p:tag name="TIMERLABSHAPEID" val="TimerLineMarker"/>
+</p:tagLst>
+</file>
+
+<file path=ppt/tags/tag242.xml><?xml version="1.0" encoding="utf-8"?>
+<p:tagLst xmlns:a="http://schemas.openxmlformats.org/drawingml/2006/main" xmlns:r="http://schemas.openxmlformats.org/officeDocument/2006/relationships" xmlns:p="http://schemas.openxmlformats.org/presentationml/2006/main">
+  <p:tag name="TIMERLABSHAPEID" val="TimerLineMarker"/>
+</p:tagLst>
+</file>
+
+<file path=ppt/tags/tag243.xml><?xml version="1.0" encoding="utf-8"?>
+<p:tagLst xmlns:a="http://schemas.openxmlformats.org/drawingml/2006/main" xmlns:r="http://schemas.openxmlformats.org/officeDocument/2006/relationships" xmlns:p="http://schemas.openxmlformats.org/presentationml/2006/main">
+  <p:tag name="TIMERLABSHAPEID" val="TimerLineMarker"/>
+</p:tagLst>
+</file>
+
+<file path=ppt/tags/tag244.xml><?xml version="1.0" encoding="utf-8"?>
+<p:tagLst xmlns:a="http://schemas.openxmlformats.org/drawingml/2006/main" xmlns:r="http://schemas.openxmlformats.org/officeDocument/2006/relationships" xmlns:p="http://schemas.openxmlformats.org/presentationml/2006/main">
+  <p:tag name="TIMERLABSHAPEID" val="TimerLineMarker"/>
+</p:tagLst>
+</file>
+
+<file path=ppt/tags/tag245.xml><?xml version="1.0" encoding="utf-8"?>
+<p:tagLst xmlns:a="http://schemas.openxmlformats.org/drawingml/2006/main" xmlns:r="http://schemas.openxmlformats.org/officeDocument/2006/relationships" xmlns:p="http://schemas.openxmlformats.org/presentationml/2006/main">
+  <p:tag name="TIMERLABSHAPEID" val="TimerLineMarker"/>
+</p:tagLst>
+</file>
+
+<file path=ppt/tags/tag246.xml><?xml version="1.0" encoding="utf-8"?>
+<p:tagLst xmlns:a="http://schemas.openxmlformats.org/drawingml/2006/main" xmlns:r="http://schemas.openxmlformats.org/officeDocument/2006/relationships" xmlns:p="http://schemas.openxmlformats.org/presentationml/2006/main">
+  <p:tag name="TIMERLABSHAPEID" val="TimerLineMarker"/>
+</p:tagLst>
+</file>
+
+<file path=ppt/tags/tag247.xml><?xml version="1.0" encoding="utf-8"?>
+<p:tagLst xmlns:a="http://schemas.openxmlformats.org/drawingml/2006/main" xmlns:r="http://schemas.openxmlformats.org/officeDocument/2006/relationships" xmlns:p="http://schemas.openxmlformats.org/presentationml/2006/main">
+  <p:tag name="TIMERLABSHAPEID" val="TimerLineMarker"/>
+</p:tagLst>
+</file>
+
+<file path=ppt/tags/tag248.xml><?xml version="1.0" encoding="utf-8"?>
+<p:tagLst xmlns:a="http://schemas.openxmlformats.org/drawingml/2006/main" xmlns:r="http://schemas.openxmlformats.org/officeDocument/2006/relationships" xmlns:p="http://schemas.openxmlformats.org/presentationml/2006/main">
+  <p:tag name="TIMERLABSHAPEID" val="TimerLineMarker"/>
+</p:tagLst>
+</file>
+
+<file path=ppt/tags/tag249.xml><?xml version="1.0" encoding="utf-8"?>
+<p:tagLst xmlns:a="http://schemas.openxmlformats.org/drawingml/2006/main" xmlns:r="http://schemas.openxmlformats.org/officeDocument/2006/relationships" xmlns:p="http://schemas.openxmlformats.org/presentationml/2006/main">
+  <p:tag name="TIMERLABSHAPEID" val="TimerLineMarker"/>
+</p:tagLst>
+</file>
+
 <file path=ppt/tags/tag25.xml><?xml version="1.0" encoding="utf-8"?>
 <p:tagLst xmlns:a="http://schemas.openxmlformats.org/drawingml/2006/main" xmlns:r="http://schemas.openxmlformats.org/officeDocument/2006/relationships" xmlns:p="http://schemas.openxmlformats.org/presentationml/2006/main">
   <p:tag name="TIMERLABSHAPEID" val="TimerLineMarker"/>
 </p:tagLst>
 </file>
 
+<file path=ppt/tags/tag250.xml><?xml version="1.0" encoding="utf-8"?>
+<p:tagLst xmlns:a="http://schemas.openxmlformats.org/drawingml/2006/main" xmlns:r="http://schemas.openxmlformats.org/officeDocument/2006/relationships" xmlns:p="http://schemas.openxmlformats.org/presentationml/2006/main">
+  <p:tag name="TIMERLABSHAPEID" val="TimerLineMarker"/>
+</p:tagLst>
+</file>
+
+<file path=ppt/tags/tag251.xml><?xml version="1.0" encoding="utf-8"?>
+<p:tagLst xmlns:a="http://schemas.openxmlformats.org/drawingml/2006/main" xmlns:r="http://schemas.openxmlformats.org/officeDocument/2006/relationships" xmlns:p="http://schemas.openxmlformats.org/presentationml/2006/main">
+  <p:tag name="TIMERLABSHAPEID" val="TimerLineMarker"/>
+</p:tagLst>
+</file>
+
+<file path=ppt/tags/tag252.xml><?xml version="1.0" encoding="utf-8"?>
+<p:tagLst xmlns:a="http://schemas.openxmlformats.org/drawingml/2006/main" xmlns:r="http://schemas.openxmlformats.org/officeDocument/2006/relationships" xmlns:p="http://schemas.openxmlformats.org/presentationml/2006/main">
+  <p:tag name="TIMERLABSHAPEID" val="TimerLineMarker"/>
+</p:tagLst>
+</file>
+
+<file path=ppt/tags/tag253.xml><?xml version="1.0" encoding="utf-8"?>
+<p:tagLst xmlns:a="http://schemas.openxmlformats.org/drawingml/2006/main" xmlns:r="http://schemas.openxmlformats.org/officeDocument/2006/relationships" xmlns:p="http://schemas.openxmlformats.org/presentationml/2006/main">
+  <p:tag name="TIMERLABSHAPEID" val="TimerLineMarker"/>
+</p:tagLst>
+</file>
+
+<file path=ppt/tags/tag254.xml><?xml version="1.0" encoding="utf-8"?>
+<p:tagLst xmlns:a="http://schemas.openxmlformats.org/drawingml/2006/main" xmlns:r="http://schemas.openxmlformats.org/officeDocument/2006/relationships" xmlns:p="http://schemas.openxmlformats.org/presentationml/2006/main">
+  <p:tag name="TIMERLABSHAPEID" val="TimerLineMarker"/>
+</p:tagLst>
+</file>
+
+<file path=ppt/tags/tag255.xml><?xml version="1.0" encoding="utf-8"?>
+<p:tagLst xmlns:a="http://schemas.openxmlformats.org/drawingml/2006/main" xmlns:r="http://schemas.openxmlformats.org/officeDocument/2006/relationships" xmlns:p="http://schemas.openxmlformats.org/presentationml/2006/main">
+  <p:tag name="TIMERLABSHAPEID" val="TimerLineMarker"/>
+</p:tagLst>
+</file>
+
+<file path=ppt/tags/tag256.xml><?xml version="1.0" encoding="utf-8"?>
+<p:tagLst xmlns:a="http://schemas.openxmlformats.org/drawingml/2006/main" xmlns:r="http://schemas.openxmlformats.org/officeDocument/2006/relationships" xmlns:p="http://schemas.openxmlformats.org/presentationml/2006/main">
+  <p:tag name="TIMERLABSHAPEID" val="TimerLineMarker"/>
+</p:tagLst>
+</file>
+
+<file path=ppt/tags/tag257.xml><?xml version="1.0" encoding="utf-8"?>
+<p:tagLst xmlns:a="http://schemas.openxmlformats.org/drawingml/2006/main" xmlns:r="http://schemas.openxmlformats.org/officeDocument/2006/relationships" xmlns:p="http://schemas.openxmlformats.org/presentationml/2006/main">
+  <p:tag name="TIMERLABSHAPEID" val="TimerLineMarker"/>
+</p:tagLst>
+</file>
+
+<file path=ppt/tags/tag258.xml><?xml version="1.0" encoding="utf-8"?>
+<p:tagLst xmlns:a="http://schemas.openxmlformats.org/drawingml/2006/main" xmlns:r="http://schemas.openxmlformats.org/officeDocument/2006/relationships" xmlns:p="http://schemas.openxmlformats.org/presentationml/2006/main">
+  <p:tag name="TIMERLABSHAPEID" val="TimerLineMarker"/>
+</p:tagLst>
+</file>
+
+<file path=ppt/tags/tag259.xml><?xml version="1.0" encoding="utf-8"?>
+<p:tagLst xmlns:a="http://schemas.openxmlformats.org/drawingml/2006/main" xmlns:r="http://schemas.openxmlformats.org/officeDocument/2006/relationships" xmlns:p="http://schemas.openxmlformats.org/presentationml/2006/main">
+  <p:tag name="TIMERLABSHAPEID" val="TimerLineMarker"/>
+</p:tagLst>
+</file>
+
 <file path=ppt/tags/tag26.xml><?xml version="1.0" encoding="utf-8"?>
+<p:tagLst xmlns:a="http://schemas.openxmlformats.org/drawingml/2006/main" xmlns:r="http://schemas.openxmlformats.org/officeDocument/2006/relationships" xmlns:p="http://schemas.openxmlformats.org/presentationml/2006/main">
+  <p:tag name="TIMERLABSHAPEID" val="TimerLineMarker"/>
+</p:tagLst>
+</file>
+
+<file path=ppt/tags/tag260.xml><?xml version="1.0" encoding="utf-8"?>
+<p:tagLst xmlns:a="http://schemas.openxmlformats.org/drawingml/2006/main" xmlns:r="http://schemas.openxmlformats.org/officeDocument/2006/relationships" xmlns:p="http://schemas.openxmlformats.org/presentationml/2006/main">
+  <p:tag name="TIMERLABSHAPEID" val="TimerLineMarker"/>
+</p:tagLst>
+</file>
+
+<file path=ppt/tags/tag261.xml><?xml version="1.0" encoding="utf-8"?>
+<p:tagLst xmlns:a="http://schemas.openxmlformats.org/drawingml/2006/main" xmlns:r="http://schemas.openxmlformats.org/officeDocument/2006/relationships" xmlns:p="http://schemas.openxmlformats.org/presentationml/2006/main">
+  <p:tag name="TIMERLABSHAPEID" val="TimerLineMarker"/>
+</p:tagLst>
+</file>
+
+<file path=ppt/tags/tag262.xml><?xml version="1.0" encoding="utf-8"?>
+<p:tagLst xmlns:a="http://schemas.openxmlformats.org/drawingml/2006/main" xmlns:r="http://schemas.openxmlformats.org/officeDocument/2006/relationships" xmlns:p="http://schemas.openxmlformats.org/presentationml/2006/main">
+  <p:tag name="TIMERLABSHAPEID" val="TimerLineMarker"/>
+</p:tagLst>
+</file>
+
+<file path=ppt/tags/tag263.xml><?xml version="1.0" encoding="utf-8"?>
 <p:tagLst xmlns:a="http://schemas.openxmlformats.org/drawingml/2006/main" xmlns:r="http://schemas.openxmlformats.org/officeDocument/2006/relationships" xmlns:p="http://schemas.openxmlformats.org/presentationml/2006/main">
   <p:tag name="TIMERLABSHAPEID" val="TimerLineMarker"/>
 </p:tagLst>
